--- a/presentations/openwemiUB.pptx
+++ b/presentations/openwemiUB.pptx
@@ -5,24 +5,23 @@
     <p:sldMasterId id="2147483669" r:id="rId1"/>
   </p:sldMasterIdLst>
   <p:notesMasterIdLst>
-    <p:notesMasterId r:id="rId17"/>
+    <p:notesMasterId r:id="rId16"/>
   </p:notesMasterIdLst>
   <p:sldIdLst>
     <p:sldId id="256" r:id="rId2"/>
     <p:sldId id="257" r:id="rId3"/>
     <p:sldId id="260" r:id="rId4"/>
     <p:sldId id="286" r:id="rId5"/>
-    <p:sldId id="288" r:id="rId6"/>
-    <p:sldId id="341" r:id="rId7"/>
-    <p:sldId id="338" r:id="rId8"/>
-    <p:sldId id="342" r:id="rId9"/>
-    <p:sldId id="343" r:id="rId10"/>
-    <p:sldId id="297" r:id="rId11"/>
-    <p:sldId id="340" r:id="rId12"/>
-    <p:sldId id="339" r:id="rId13"/>
-    <p:sldId id="332" r:id="rId14"/>
-    <p:sldId id="344" r:id="rId15"/>
-    <p:sldId id="345" r:id="rId16"/>
+    <p:sldId id="341" r:id="rId6"/>
+    <p:sldId id="338" r:id="rId7"/>
+    <p:sldId id="342" r:id="rId8"/>
+    <p:sldId id="343" r:id="rId9"/>
+    <p:sldId id="297" r:id="rId10"/>
+    <p:sldId id="340" r:id="rId11"/>
+    <p:sldId id="339" r:id="rId12"/>
+    <p:sldId id="332" r:id="rId13"/>
+    <p:sldId id="344" r:id="rId14"/>
+    <p:sldId id="345" r:id="rId15"/>
   </p:sldIdLst>
   <p:sldSz cx="12192000" cy="6858000"/>
   <p:notesSz cx="6858000" cy="9144000"/>
@@ -1680,8 +1679,12 @@
         <a:lstStyle/>
         <a:p>
           <a:r>
-            <a:rPr lang="en-US"/>
-            <a:t>FaBiO – FRBR-aligned Bibliographic Ontology</a:t>
+            <a:rPr lang="en-US" dirty="0" err="1"/>
+            <a:t>FaBiO</a:t>
+          </a:r>
+          <a:r>
+            <a:rPr lang="en-US" dirty="0"/>
+            <a:t> – FRBR-aligned Bibliographic Ontology</a:t>
           </a:r>
         </a:p>
       </dgm:t>
@@ -2573,8 +2576,12 @@
             <a:buNone/>
           </a:pPr>
           <a:r>
-            <a:rPr lang="en-US" sz="2500" kern="1200"/>
-            <a:t>FaBiO – FRBR-aligned Bibliographic Ontology</a:t>
+            <a:rPr lang="en-US" sz="2500" kern="1200" dirty="0" err="1"/>
+            <a:t>FaBiO</a:t>
+          </a:r>
+          <a:r>
+            <a:rPr lang="en-US" sz="2500" kern="1200" dirty="0"/>
+            <a:t> – FRBR-aligned Bibliographic Ontology</a:t>
           </a:r>
         </a:p>
       </dsp:txBody>
@@ -7147,6 +7154,703 @@
   <p:cSld>
     <p:spTree>
       <p:nvGrpSpPr>
+        <p:cNvPr id="1" name=""/>
+        <p:cNvGrpSpPr/>
+        <p:nvPr/>
+      </p:nvGrpSpPr>
+      <p:grpSpPr>
+        <a:xfrm>
+          <a:off x="0" y="0"/>
+          <a:ext cx="0" cy="0"/>
+          <a:chOff x="0" y="0"/>
+          <a:chExt cx="0" cy="0"/>
+        </a:xfrm>
+      </p:grpSpPr>
+      <p:sp>
+        <p:nvSpPr>
+          <p:cNvPr id="2" name="Slide Image Placeholder 1"/>
+          <p:cNvSpPr>
+            <a:spLocks noGrp="1" noRot="1" noChangeAspect="1"/>
+          </p:cNvSpPr>
+          <p:nvPr>
+            <p:ph type="sldImg"/>
+          </p:nvPr>
+        </p:nvSpPr>
+        <p:spPr/>
+      </p:sp>
+      <p:sp>
+        <p:nvSpPr>
+          <p:cNvPr id="3" name="Notes Placeholder 2"/>
+          <p:cNvSpPr>
+            <a:spLocks noGrp="1"/>
+          </p:cNvSpPr>
+          <p:nvPr>
+            <p:ph type="body" idx="1"/>
+          </p:nvPr>
+        </p:nvSpPr>
+        <p:spPr/>
+        <p:txBody>
+          <a:bodyPr/>
+          <a:lstStyle/>
+          <a:p>
+            <a:endParaRPr lang="en-US"/>
+          </a:p>
+        </p:txBody>
+      </p:sp>
+      <p:sp>
+        <p:nvSpPr>
+          <p:cNvPr id="4" name="Slide Number Placeholder 3"/>
+          <p:cNvSpPr>
+            <a:spLocks noGrp="1"/>
+          </p:cNvSpPr>
+          <p:nvPr>
+            <p:ph type="sldNum" sz="quarter" idx="5"/>
+          </p:nvPr>
+        </p:nvSpPr>
+        <p:spPr/>
+        <p:txBody>
+          <a:bodyPr/>
+          <a:lstStyle/>
+          <a:p>
+            <a:fld id="{56B06DF3-9ACF-7D4E-B6BC-2327D86877F7}" type="slidenum">
+              <a:rPr lang="en-US" smtClean="0"/>
+              <a:t>1</a:t>
+            </a:fld>
+            <a:endParaRPr lang="en-US"/>
+          </a:p>
+        </p:txBody>
+      </p:sp>
+    </p:spTree>
+    <p:extLst>
+      <p:ext uri="{BB962C8B-B14F-4D97-AF65-F5344CB8AC3E}">
+        <p14:creationId xmlns:p14="http://schemas.microsoft.com/office/powerpoint/2010/main" val="1083633556"/>
+      </p:ext>
+    </p:extLst>
+  </p:cSld>
+  <p:clrMapOvr>
+    <a:masterClrMapping/>
+  </p:clrMapOvr>
+</p:notes>
+</file>
+
+<file path=ppt/notesSlides/notesSlide10.xml><?xml version="1.0" encoding="utf-8"?>
+<p:notes xmlns:a="http://schemas.openxmlformats.org/drawingml/2006/main" xmlns:r="http://schemas.openxmlformats.org/officeDocument/2006/relationships" xmlns:p="http://schemas.openxmlformats.org/presentationml/2006/main">
+  <p:cSld>
+    <p:spTree>
+      <p:nvGrpSpPr>
+        <p:cNvPr id="1" name=""/>
+        <p:cNvGrpSpPr/>
+        <p:nvPr/>
+      </p:nvGrpSpPr>
+      <p:grpSpPr>
+        <a:xfrm>
+          <a:off x="0" y="0"/>
+          <a:ext cx="0" cy="0"/>
+          <a:chOff x="0" y="0"/>
+          <a:chExt cx="0" cy="0"/>
+        </a:xfrm>
+      </p:grpSpPr>
+      <p:sp>
+        <p:nvSpPr>
+          <p:cNvPr id="2" name="Slide Image Placeholder 1"/>
+          <p:cNvSpPr>
+            <a:spLocks noGrp="1" noRot="1" noChangeAspect="1"/>
+          </p:cNvSpPr>
+          <p:nvPr>
+            <p:ph type="sldImg"/>
+          </p:nvPr>
+        </p:nvSpPr>
+        <p:spPr/>
+      </p:sp>
+      <p:sp>
+        <p:nvSpPr>
+          <p:cNvPr id="3" name="Notes Placeholder 2"/>
+          <p:cNvSpPr>
+            <a:spLocks noGrp="1"/>
+          </p:cNvSpPr>
+          <p:nvPr>
+            <p:ph type="body" idx="1"/>
+          </p:nvPr>
+        </p:nvSpPr>
+        <p:spPr/>
+        <p:txBody>
+          <a:bodyPr/>
+          <a:lstStyle/>
+          <a:p>
+            <a:r>
+              <a:rPr lang="en-US" dirty="0"/>
+              <a:t>Developed by Ross Singer at </a:t>
+            </a:r>
+            <a:r>
+              <a:rPr lang="en-US" dirty="0" err="1"/>
+              <a:t>vocab.org</a:t>
+            </a:r>
+            <a:r>
+              <a:rPr lang="en-US" dirty="0"/>
+              <a:t> many years ago. They are in the spirit of </a:t>
+            </a:r>
+            <a:r>
+              <a:rPr lang="en-US" dirty="0" err="1"/>
+              <a:t>openwemi</a:t>
+            </a:r>
+            <a:r>
+              <a:rPr lang="en-US" dirty="0"/>
+              <a:t> because they allow the use of the </a:t>
+            </a:r>
+            <a:r>
+              <a:rPr lang="en-US" dirty="0" err="1"/>
+              <a:t>wemi</a:t>
+            </a:r>
+            <a:r>
+              <a:rPr lang="en-US" dirty="0"/>
+              <a:t> concepts without any constraints on what the format or metadata coding of the subject and object are. These could be used, for example, to say that a song in </a:t>
+            </a:r>
+            <a:r>
+              <a:rPr lang="en-US" dirty="0" err="1"/>
+              <a:t>musicbrainz</a:t>
+            </a:r>
+            <a:r>
+              <a:rPr lang="en-US" dirty="0"/>
+              <a:t> and a </a:t>
+            </a:r>
+            <a:r>
+              <a:rPr lang="en-US" dirty="0" err="1"/>
+              <a:t>youtube</a:t>
+            </a:r>
+            <a:r>
+              <a:rPr lang="en-US" dirty="0"/>
+              <a:t> video of a cover of the song entail the same work, or a book and a movie adaptation. A book in Amazon and in a library database may be a </a:t>
+            </a:r>
+            <a:r>
+              <a:rPr lang="en-US" dirty="0" err="1"/>
+              <a:t>commonManifestation</a:t>
+            </a:r>
+            <a:r>
+              <a:rPr lang="en-US" dirty="0"/>
+              <a:t>. It doesn’t say any more than that. </a:t>
+            </a:r>
+            <a:r>
+              <a:rPr lang="en-US" dirty="0" err="1"/>
+              <a:t>commonItem</a:t>
+            </a:r>
+            <a:r>
+              <a:rPr lang="en-US" dirty="0"/>
+              <a:t> may not have application but we put it out there – someone may find a use for it. </a:t>
+            </a:r>
+          </a:p>
+        </p:txBody>
+      </p:sp>
+      <p:sp>
+        <p:nvSpPr>
+          <p:cNvPr id="4" name="Slide Number Placeholder 3"/>
+          <p:cNvSpPr>
+            <a:spLocks noGrp="1"/>
+          </p:cNvSpPr>
+          <p:nvPr>
+            <p:ph type="sldNum" sz="quarter" idx="5"/>
+          </p:nvPr>
+        </p:nvSpPr>
+        <p:spPr/>
+        <p:txBody>
+          <a:bodyPr/>
+          <a:lstStyle/>
+          <a:p>
+            <a:fld id="{56B06DF3-9ACF-7D4E-B6BC-2327D86877F7}" type="slidenum">
+              <a:rPr lang="en-US" smtClean="0"/>
+              <a:t>10</a:t>
+            </a:fld>
+            <a:endParaRPr lang="en-US"/>
+          </a:p>
+        </p:txBody>
+      </p:sp>
+    </p:spTree>
+    <p:extLst>
+      <p:ext uri="{BB962C8B-B14F-4D97-AF65-F5344CB8AC3E}">
+        <p14:creationId xmlns:p14="http://schemas.microsoft.com/office/powerpoint/2010/main" val="3166615607"/>
+      </p:ext>
+    </p:extLst>
+  </p:cSld>
+  <p:clrMapOvr>
+    <a:masterClrMapping/>
+  </p:clrMapOvr>
+</p:notes>
+</file>
+
+<file path=ppt/notesSlides/notesSlide11.xml><?xml version="1.0" encoding="utf-8"?>
+<p:notes xmlns:a="http://schemas.openxmlformats.org/drawingml/2006/main" xmlns:r="http://schemas.openxmlformats.org/officeDocument/2006/relationships" xmlns:p="http://schemas.openxmlformats.org/presentationml/2006/main">
+  <p:cSld>
+    <p:spTree>
+      <p:nvGrpSpPr>
+        <p:cNvPr id="1" name=""/>
+        <p:cNvGrpSpPr/>
+        <p:nvPr/>
+      </p:nvGrpSpPr>
+      <p:grpSpPr>
+        <a:xfrm>
+          <a:off x="0" y="0"/>
+          <a:ext cx="0" cy="0"/>
+          <a:chOff x="0" y="0"/>
+          <a:chExt cx="0" cy="0"/>
+        </a:xfrm>
+      </p:grpSpPr>
+      <p:sp>
+        <p:nvSpPr>
+          <p:cNvPr id="2" name="Slide Image Placeholder 1"/>
+          <p:cNvSpPr>
+            <a:spLocks noGrp="1" noRot="1" noChangeAspect="1"/>
+          </p:cNvSpPr>
+          <p:nvPr>
+            <p:ph type="sldImg"/>
+          </p:nvPr>
+        </p:nvSpPr>
+        <p:spPr/>
+      </p:sp>
+      <p:sp>
+        <p:nvSpPr>
+          <p:cNvPr id="3" name="Notes Placeholder 2"/>
+          <p:cNvSpPr>
+            <a:spLocks noGrp="1"/>
+          </p:cNvSpPr>
+          <p:nvPr>
+            <p:ph type="body" idx="1"/>
+          </p:nvPr>
+        </p:nvSpPr>
+        <p:spPr/>
+        <p:txBody>
+          <a:bodyPr/>
+          <a:lstStyle/>
+          <a:p>
+            <a:r>
+              <a:rPr lang="en-US" dirty="0"/>
+              <a:t>Note that in LRM, each definition refers to the entity “above” it; so a manifestation embodies an expression; and item is an exemplar of a manifestation. This enforces the linearity of that model, which we have specifically eliminated from </a:t>
+            </a:r>
+            <a:r>
+              <a:rPr lang="en-US" dirty="0" err="1"/>
+              <a:t>openwemi</a:t>
+            </a:r>
+            <a:r>
+              <a:rPr lang="en-US" dirty="0"/>
+              <a:t>.</a:t>
+            </a:r>
+          </a:p>
+        </p:txBody>
+      </p:sp>
+      <p:sp>
+        <p:nvSpPr>
+          <p:cNvPr id="4" name="Slide Number Placeholder 3"/>
+          <p:cNvSpPr>
+            <a:spLocks noGrp="1"/>
+          </p:cNvSpPr>
+          <p:nvPr>
+            <p:ph type="sldNum" sz="quarter" idx="5"/>
+          </p:nvPr>
+        </p:nvSpPr>
+        <p:spPr/>
+        <p:txBody>
+          <a:bodyPr/>
+          <a:lstStyle/>
+          <a:p>
+            <a:fld id="{56B06DF3-9ACF-7D4E-B6BC-2327D86877F7}" type="slidenum">
+              <a:rPr lang="en-US" smtClean="0"/>
+              <a:t>11</a:t>
+            </a:fld>
+            <a:endParaRPr lang="en-US"/>
+          </a:p>
+        </p:txBody>
+      </p:sp>
+    </p:spTree>
+    <p:extLst>
+      <p:ext uri="{BB962C8B-B14F-4D97-AF65-F5344CB8AC3E}">
+        <p14:creationId xmlns:p14="http://schemas.microsoft.com/office/powerpoint/2010/main" val="1158323016"/>
+      </p:ext>
+    </p:extLst>
+  </p:cSld>
+  <p:clrMapOvr>
+    <a:masterClrMapping/>
+  </p:clrMapOvr>
+</p:notes>
+</file>
+
+<file path=ppt/notesSlides/notesSlide12.xml><?xml version="1.0" encoding="utf-8"?>
+<p:notes xmlns:a="http://schemas.openxmlformats.org/drawingml/2006/main" xmlns:r="http://schemas.openxmlformats.org/officeDocument/2006/relationships" xmlns:p="http://schemas.openxmlformats.org/presentationml/2006/main">
+  <p:cSld>
+    <p:spTree>
+      <p:nvGrpSpPr>
+        <p:cNvPr id="1" name=""/>
+        <p:cNvGrpSpPr/>
+        <p:nvPr/>
+      </p:nvGrpSpPr>
+      <p:grpSpPr>
+        <a:xfrm>
+          <a:off x="0" y="0"/>
+          <a:ext cx="0" cy="0"/>
+          <a:chOff x="0" y="0"/>
+          <a:chExt cx="0" cy="0"/>
+        </a:xfrm>
+      </p:grpSpPr>
+      <p:sp>
+        <p:nvSpPr>
+          <p:cNvPr id="2" name="Slide Image Placeholder 1"/>
+          <p:cNvSpPr>
+            <a:spLocks noGrp="1" noRot="1" noChangeAspect="1"/>
+          </p:cNvSpPr>
+          <p:nvPr>
+            <p:ph type="sldImg"/>
+          </p:nvPr>
+        </p:nvSpPr>
+        <p:spPr/>
+      </p:sp>
+      <p:sp>
+        <p:nvSpPr>
+          <p:cNvPr id="3" name="Notes Placeholder 2"/>
+          <p:cNvSpPr>
+            <a:spLocks noGrp="1"/>
+          </p:cNvSpPr>
+          <p:nvPr>
+            <p:ph type="body" idx="1"/>
+          </p:nvPr>
+        </p:nvSpPr>
+        <p:spPr/>
+        <p:txBody>
+          <a:bodyPr/>
+          <a:lstStyle/>
+          <a:p>
+            <a:pPr marL="0" marR="0" lvl="0" indent="0" algn="l" defTabSz="914400" rtl="0" eaLnBrk="1" fontAlgn="auto" latinLnBrk="0" hangingPunct="1">
+              <a:lnSpc>
+                <a:spcPct val="100000"/>
+              </a:lnSpc>
+              <a:spcBef>
+                <a:spcPts val="0"/>
+              </a:spcBef>
+              <a:spcAft>
+                <a:spcPts val="0"/>
+              </a:spcAft>
+              <a:buClrTx/>
+              <a:buSzTx/>
+              <a:buFontTx/>
+              <a:buNone/>
+              <a:tabLst/>
+              <a:defRPr/>
+            </a:pPr>
+            <a:r>
+              <a:rPr lang="en-US" dirty="0"/>
+              <a:t>How do w see these used, since they are very broad? We saw this with </a:t>
+            </a:r>
+            <a:r>
+              <a:rPr lang="en-US" dirty="0" err="1"/>
+              <a:t>FaBiO</a:t>
+            </a:r>
+            <a:r>
+              <a:rPr lang="en-US" dirty="0"/>
+              <a:t> and the Music ontology: you define your own w, ex, etc., with your own definitions, but that follow the general concepts. This is how the metadata examples we found are using </a:t>
+            </a:r>
+            <a:r>
+              <a:rPr lang="en-US" dirty="0" err="1"/>
+              <a:t>FRBRcore</a:t>
+            </a:r>
+            <a:r>
+              <a:rPr lang="en-US" dirty="0"/>
+              <a:t> from </a:t>
+            </a:r>
+            <a:r>
+              <a:rPr lang="en-US" dirty="0" err="1"/>
+              <a:t>vocab.org</a:t>
+            </a:r>
+            <a:r>
+              <a:rPr lang="en-US" dirty="0"/>
+              <a:t>.</a:t>
+            </a:r>
+          </a:p>
+          <a:p>
+            <a:pPr marL="0" marR="0" lvl="0" indent="0" algn="l" defTabSz="914400" rtl="0" eaLnBrk="1" fontAlgn="auto" latinLnBrk="0" hangingPunct="1">
+              <a:lnSpc>
+                <a:spcPct val="100000"/>
+              </a:lnSpc>
+              <a:spcBef>
+                <a:spcPts val="0"/>
+              </a:spcBef>
+              <a:spcAft>
+                <a:spcPts val="0"/>
+              </a:spcAft>
+              <a:buClrTx/>
+              <a:buSzTx/>
+              <a:buFontTx/>
+              <a:buNone/>
+              <a:tabLst/>
+              <a:defRPr/>
+            </a:pPr>
+            <a:endParaRPr lang="en-US" dirty="0"/>
+          </a:p>
+          <a:p>
+            <a:pPr marL="0" marR="0" lvl="0" indent="0" algn="l" defTabSz="914400" rtl="0" eaLnBrk="1" fontAlgn="auto" latinLnBrk="0" hangingPunct="1">
+              <a:lnSpc>
+                <a:spcPct val="100000"/>
+              </a:lnSpc>
+              <a:spcBef>
+                <a:spcPts val="0"/>
+              </a:spcBef>
+              <a:spcAft>
+                <a:spcPts val="0"/>
+              </a:spcAft>
+              <a:buClrTx/>
+              <a:buSzTx/>
+              <a:buFontTx/>
+              <a:buNone/>
+              <a:tabLst/>
+              <a:defRPr/>
+            </a:pPr>
+            <a:r>
+              <a:rPr lang="en-US" dirty="0"/>
+              <a:t>Because </a:t>
+            </a:r>
+            <a:r>
+              <a:rPr lang="en-US" dirty="0" err="1"/>
+              <a:t>openwemi</a:t>
+            </a:r>
+            <a:r>
+              <a:rPr lang="en-US" dirty="0"/>
+              <a:t> has the least constraints possible, those building vocabularies based on </a:t>
+            </a:r>
+            <a:r>
+              <a:rPr lang="en-US" dirty="0" err="1"/>
+              <a:t>openwemi</a:t>
+            </a:r>
+            <a:r>
+              <a:rPr lang="en-US" dirty="0"/>
+              <a:t> can add whatever constraints they need for their application. </a:t>
+            </a:r>
+          </a:p>
+          <a:p>
+            <a:pPr marL="0" marR="0" lvl="0" indent="0" algn="l" defTabSz="914400" rtl="0" eaLnBrk="1" fontAlgn="auto" latinLnBrk="0" hangingPunct="1">
+              <a:lnSpc>
+                <a:spcPct val="100000"/>
+              </a:lnSpc>
+              <a:spcBef>
+                <a:spcPts val="0"/>
+              </a:spcBef>
+              <a:spcAft>
+                <a:spcPts val="0"/>
+              </a:spcAft>
+              <a:buClrTx/>
+              <a:buSzTx/>
+              <a:buFontTx/>
+              <a:buNone/>
+              <a:tabLst/>
+              <a:defRPr/>
+            </a:pPr>
+            <a:endParaRPr lang="en-US" dirty="0"/>
+          </a:p>
+        </p:txBody>
+      </p:sp>
+      <p:sp>
+        <p:nvSpPr>
+          <p:cNvPr id="4" name="Slide Number Placeholder 3"/>
+          <p:cNvSpPr>
+            <a:spLocks noGrp="1"/>
+          </p:cNvSpPr>
+          <p:nvPr>
+            <p:ph type="sldNum" sz="quarter" idx="5"/>
+          </p:nvPr>
+        </p:nvSpPr>
+        <p:spPr/>
+        <p:txBody>
+          <a:bodyPr/>
+          <a:lstStyle/>
+          <a:p>
+            <a:fld id="{56B06DF3-9ACF-7D4E-B6BC-2327D86877F7}" type="slidenum">
+              <a:rPr lang="en-US" smtClean="0"/>
+              <a:t>12</a:t>
+            </a:fld>
+            <a:endParaRPr lang="en-US"/>
+          </a:p>
+        </p:txBody>
+      </p:sp>
+    </p:spTree>
+    <p:extLst>
+      <p:ext uri="{BB962C8B-B14F-4D97-AF65-F5344CB8AC3E}">
+        <p14:creationId xmlns:p14="http://schemas.microsoft.com/office/powerpoint/2010/main" val="1687297695"/>
+      </p:ext>
+    </p:extLst>
+  </p:cSld>
+  <p:clrMapOvr>
+    <a:masterClrMapping/>
+  </p:clrMapOvr>
+</p:notes>
+</file>
+
+<file path=ppt/notesSlides/notesSlide13.xml><?xml version="1.0" encoding="utf-8"?>
+<p:notes xmlns:a="http://schemas.openxmlformats.org/drawingml/2006/main" xmlns:r="http://schemas.openxmlformats.org/officeDocument/2006/relationships" xmlns:p="http://schemas.openxmlformats.org/presentationml/2006/main">
+  <p:cSld>
+    <p:spTree>
+      <p:nvGrpSpPr>
+        <p:cNvPr id="1" name=""/>
+        <p:cNvGrpSpPr/>
+        <p:nvPr/>
+      </p:nvGrpSpPr>
+      <p:grpSpPr>
+        <a:xfrm>
+          <a:off x="0" y="0"/>
+          <a:ext cx="0" cy="0"/>
+          <a:chOff x="0" y="0"/>
+          <a:chExt cx="0" cy="0"/>
+        </a:xfrm>
+      </p:grpSpPr>
+      <p:sp>
+        <p:nvSpPr>
+          <p:cNvPr id="2" name="Slide Image Placeholder 1"/>
+          <p:cNvSpPr>
+            <a:spLocks noGrp="1" noRot="1" noChangeAspect="1"/>
+          </p:cNvSpPr>
+          <p:nvPr>
+            <p:ph type="sldImg"/>
+          </p:nvPr>
+        </p:nvSpPr>
+        <p:spPr/>
+      </p:sp>
+      <p:sp>
+        <p:nvSpPr>
+          <p:cNvPr id="3" name="Notes Placeholder 2"/>
+          <p:cNvSpPr>
+            <a:spLocks noGrp="1"/>
+          </p:cNvSpPr>
+          <p:nvPr>
+            <p:ph type="body" idx="1"/>
+          </p:nvPr>
+        </p:nvSpPr>
+        <p:spPr/>
+        <p:txBody>
+          <a:bodyPr/>
+          <a:lstStyle/>
+          <a:p>
+            <a:endParaRPr lang="en-US"/>
+          </a:p>
+        </p:txBody>
+      </p:sp>
+      <p:sp>
+        <p:nvSpPr>
+          <p:cNvPr id="4" name="Slide Number Placeholder 3"/>
+          <p:cNvSpPr>
+            <a:spLocks noGrp="1"/>
+          </p:cNvSpPr>
+          <p:nvPr>
+            <p:ph type="sldNum" sz="quarter" idx="5"/>
+          </p:nvPr>
+        </p:nvSpPr>
+        <p:spPr/>
+        <p:txBody>
+          <a:bodyPr/>
+          <a:lstStyle/>
+          <a:p>
+            <a:fld id="{56B06DF3-9ACF-7D4E-B6BC-2327D86877F7}" type="slidenum">
+              <a:rPr lang="en-US" smtClean="0"/>
+              <a:t>13</a:t>
+            </a:fld>
+            <a:endParaRPr lang="en-US"/>
+          </a:p>
+        </p:txBody>
+      </p:sp>
+    </p:spTree>
+    <p:extLst>
+      <p:ext uri="{BB962C8B-B14F-4D97-AF65-F5344CB8AC3E}">
+        <p14:creationId xmlns:p14="http://schemas.microsoft.com/office/powerpoint/2010/main" val="2405813059"/>
+      </p:ext>
+    </p:extLst>
+  </p:cSld>
+  <p:clrMapOvr>
+    <a:masterClrMapping/>
+  </p:clrMapOvr>
+</p:notes>
+</file>
+
+<file path=ppt/notesSlides/notesSlide14.xml><?xml version="1.0" encoding="utf-8"?>
+<p:notes xmlns:a="http://schemas.openxmlformats.org/drawingml/2006/main" xmlns:r="http://schemas.openxmlformats.org/officeDocument/2006/relationships" xmlns:p="http://schemas.openxmlformats.org/presentationml/2006/main">
+  <p:cSld>
+    <p:spTree>
+      <p:nvGrpSpPr>
+        <p:cNvPr id="1" name=""/>
+        <p:cNvGrpSpPr/>
+        <p:nvPr/>
+      </p:nvGrpSpPr>
+      <p:grpSpPr>
+        <a:xfrm>
+          <a:off x="0" y="0"/>
+          <a:ext cx="0" cy="0"/>
+          <a:chOff x="0" y="0"/>
+          <a:chExt cx="0" cy="0"/>
+        </a:xfrm>
+      </p:grpSpPr>
+      <p:sp>
+        <p:nvSpPr>
+          <p:cNvPr id="2" name="Slide Image Placeholder 1"/>
+          <p:cNvSpPr>
+            <a:spLocks noGrp="1" noRot="1" noChangeAspect="1"/>
+          </p:cNvSpPr>
+          <p:nvPr>
+            <p:ph type="sldImg"/>
+          </p:nvPr>
+        </p:nvSpPr>
+        <p:spPr/>
+      </p:sp>
+      <p:sp>
+        <p:nvSpPr>
+          <p:cNvPr id="3" name="Notes Placeholder 2"/>
+          <p:cNvSpPr>
+            <a:spLocks noGrp="1"/>
+          </p:cNvSpPr>
+          <p:nvPr>
+            <p:ph type="body" idx="1"/>
+          </p:nvPr>
+        </p:nvSpPr>
+        <p:spPr/>
+        <p:txBody>
+          <a:bodyPr/>
+          <a:lstStyle/>
+          <a:p>
+            <a:endParaRPr lang="en-US"/>
+          </a:p>
+        </p:txBody>
+      </p:sp>
+      <p:sp>
+        <p:nvSpPr>
+          <p:cNvPr id="4" name="Slide Number Placeholder 3"/>
+          <p:cNvSpPr>
+            <a:spLocks noGrp="1"/>
+          </p:cNvSpPr>
+          <p:nvPr>
+            <p:ph type="sldNum" sz="quarter" idx="5"/>
+          </p:nvPr>
+        </p:nvSpPr>
+        <p:spPr/>
+        <p:txBody>
+          <a:bodyPr/>
+          <a:lstStyle/>
+          <a:p>
+            <a:fld id="{56B06DF3-9ACF-7D4E-B6BC-2327D86877F7}" type="slidenum">
+              <a:rPr lang="en-US" smtClean="0"/>
+              <a:t>14</a:t>
+            </a:fld>
+            <a:endParaRPr lang="en-US"/>
+          </a:p>
+        </p:txBody>
+      </p:sp>
+    </p:spTree>
+    <p:extLst>
+      <p:ext uri="{BB962C8B-B14F-4D97-AF65-F5344CB8AC3E}">
+        <p14:creationId xmlns:p14="http://schemas.microsoft.com/office/powerpoint/2010/main" val="894507346"/>
+      </p:ext>
+    </p:extLst>
+  </p:cSld>
+  <p:clrMapOvr>
+    <a:masterClrMapping/>
+  </p:clrMapOvr>
+</p:notes>
+</file>
+
+<file path=ppt/notesSlides/notesSlide2.xml><?xml version="1.0" encoding="utf-8"?>
+<p:notes xmlns:a="http://schemas.openxmlformats.org/drawingml/2006/main" xmlns:r="http://schemas.openxmlformats.org/officeDocument/2006/relationships" xmlns:p="http://schemas.openxmlformats.org/presentationml/2006/main">
+  <p:cSld>
+    <p:spTree>
+      <p:nvGrpSpPr>
         <p:cNvPr id="1" name="">
           <a:extLst>
             <a:ext uri="{FF2B5EF4-FFF2-40B4-BE49-F238E27FC236}">
@@ -7253,7 +7957,7 @@
 </p:notes>
 </file>
 
-<file path=ppt/notesSlides/notesSlide2.xml><?xml version="1.0" encoding="utf-8"?>
+<file path=ppt/notesSlides/notesSlide3.xml><?xml version="1.0" encoding="utf-8"?>
 <p:notes xmlns:a="http://schemas.openxmlformats.org/drawingml/2006/main" xmlns:r="http://schemas.openxmlformats.org/officeDocument/2006/relationships" xmlns:p="http://schemas.openxmlformats.org/presentationml/2006/main">
   <p:cSld>
     <p:spTree>
@@ -7387,7 +8091,7 @@
 </p:notes>
 </file>
 
-<file path=ppt/notesSlides/notesSlide3.xml><?xml version="1.0" encoding="utf-8"?>
+<file path=ppt/notesSlides/notesSlide4.xml><?xml version="1.0" encoding="utf-8"?>
 <p:notes xmlns:a="http://schemas.openxmlformats.org/drawingml/2006/main" xmlns:r="http://schemas.openxmlformats.org/officeDocument/2006/relationships" xmlns:p="http://schemas.openxmlformats.org/presentationml/2006/main">
   <p:cSld>
     <p:spTree>
@@ -7451,50 +8155,33 @@
           <a:p>
             <a:r>
               <a:rPr lang="en-US" dirty="0"/>
-              <a:t>2005, with a group in the UK who were designing an RDF-based library catalog</a:t>
-            </a:r>
-          </a:p>
-          <a:p>
+              <a:t>No library-produced FRBR-like RDF vocabulary. so the RDF vocabularies use </a:t>
+            </a:r>
+            <a:r>
+              <a:rPr lang="en-US" dirty="0" err="1"/>
+              <a:t>frbrCore</a:t>
+            </a:r>
             <a:r>
               <a:rPr lang="en-US" dirty="0"/>
-              <a:t>IFLA did not create a metadata model for FRBR (they continue to insist that FRBR/LRM is a conceptual model, even though RDA embodies it in code -- ?) so this is still the only one available and it is defined as an RDF vocabulary</a:t>
-            </a:r>
+              <a:t> which was never approved by IFLA.</a:t>
+            </a:r>
+          </a:p>
+          <a:p>
+            <a:endParaRPr lang="en-US" dirty="0"/>
           </a:p>
           <a:p>
             <a:r>
               <a:rPr lang="en-US" dirty="0"/>
-              <a:t>The Core here is all of the classes (all three FRBR groups) and the properties that are relationships between them, like from Work to Expression, etc. And the bibliographic relationships like “translation of”</a:t>
-            </a:r>
+              <a:t>The Core is more than WEMI – it is all of the entities, attributes,  and relationships of the original FRBR model. </a:t>
+            </a:r>
+          </a:p>
+          <a:p>
+            <a:endParaRPr lang="en-US" dirty="0"/>
           </a:p>
           <a:p>
             <a:r>
               <a:rPr lang="en-US" dirty="0"/>
-              <a:t>Added some classes, like Endeavour, that included the entire bibliographic item – aka all of WEMI – something that IFLA stated clearly was not part of the FRBR model.</a:t>
-            </a:r>
-          </a:p>
-          <a:p>
-            <a:endParaRPr lang="en-US" dirty="0"/>
-          </a:p>
-          <a:p>
-            <a:r>
-              <a:rPr lang="en-US" dirty="0"/>
-              <a:t>This is used by </a:t>
-            </a:r>
-            <a:r>
-              <a:rPr lang="en-US" dirty="0" err="1"/>
-              <a:t>FaBiO</a:t>
-            </a:r>
-            <a:r>
-              <a:rPr lang="en-US" dirty="0"/>
-              <a:t>, Music </a:t>
-            </a:r>
-            <a:r>
-              <a:rPr lang="en-US" dirty="0" err="1"/>
-              <a:t>Ontolgy</a:t>
-            </a:r>
-            <a:r>
-              <a:rPr lang="en-US" dirty="0"/>
-              <a:t> and others – in part because there is nothing else.</a:t>
+              <a:t>Added Endeavour, that included the entire bibliographic item – aka all of WEMI – something that IFLA stated clearly was not part of the FRBR model.</a:t>
             </a:r>
           </a:p>
           <a:p>
@@ -7535,117 +8222,6 @@
     <p:extLst>
       <p:ext uri="{BB962C8B-B14F-4D97-AF65-F5344CB8AC3E}">
         <p14:creationId xmlns:p14="http://schemas.microsoft.com/office/powerpoint/2010/main" val="538647339"/>
-      </p:ext>
-    </p:extLst>
-  </p:cSld>
-  <p:clrMapOvr>
-    <a:masterClrMapping/>
-  </p:clrMapOvr>
-</p:notes>
-</file>
-
-<file path=ppt/notesSlides/notesSlide4.xml><?xml version="1.0" encoding="utf-8"?>
-<p:notes xmlns:a="http://schemas.openxmlformats.org/drawingml/2006/main" xmlns:r="http://schemas.openxmlformats.org/officeDocument/2006/relationships" xmlns:p="http://schemas.openxmlformats.org/presentationml/2006/main">
-  <p:cSld>
-    <p:spTree>
-      <p:nvGrpSpPr>
-        <p:cNvPr id="1" name="">
-          <a:extLst>
-            <a:ext uri="{FF2B5EF4-FFF2-40B4-BE49-F238E27FC236}">
-              <a16:creationId xmlns:a16="http://schemas.microsoft.com/office/drawing/2014/main" id="{2B9F18B8-497F-D86F-A7CE-9377F60A9813}"/>
-            </a:ext>
-          </a:extLst>
-        </p:cNvPr>
-        <p:cNvGrpSpPr/>
-        <p:nvPr/>
-      </p:nvGrpSpPr>
-      <p:grpSpPr>
-        <a:xfrm>
-          <a:off x="0" y="0"/>
-          <a:ext cx="0" cy="0"/>
-          <a:chOff x="0" y="0"/>
-          <a:chExt cx="0" cy="0"/>
-        </a:xfrm>
-      </p:grpSpPr>
-      <p:sp>
-        <p:nvSpPr>
-          <p:cNvPr id="2" name="Slide Image Placeholder 1">
-            <a:extLst>
-              <a:ext uri="{FF2B5EF4-FFF2-40B4-BE49-F238E27FC236}">
-                <a16:creationId xmlns:a16="http://schemas.microsoft.com/office/drawing/2014/main" id="{541181DD-4DC0-51E6-3809-AA2552C0065E}"/>
-              </a:ext>
-            </a:extLst>
-          </p:cNvPr>
-          <p:cNvSpPr>
-            <a:spLocks noGrp="1" noRot="1" noChangeAspect="1"/>
-          </p:cNvSpPr>
-          <p:nvPr>
-            <p:ph type="sldImg"/>
-          </p:nvPr>
-        </p:nvSpPr>
-        <p:spPr/>
-      </p:sp>
-      <p:sp>
-        <p:nvSpPr>
-          <p:cNvPr id="3" name="Notes Placeholder 2">
-            <a:extLst>
-              <a:ext uri="{FF2B5EF4-FFF2-40B4-BE49-F238E27FC236}">
-                <a16:creationId xmlns:a16="http://schemas.microsoft.com/office/drawing/2014/main" id="{4AC7803D-1EDA-2B34-E80B-BEE7534AF615}"/>
-              </a:ext>
-            </a:extLst>
-          </p:cNvPr>
-          <p:cNvSpPr>
-            <a:spLocks noGrp="1"/>
-          </p:cNvSpPr>
-          <p:nvPr>
-            <p:ph type="body" idx="1"/>
-          </p:nvPr>
-        </p:nvSpPr>
-        <p:spPr/>
-        <p:txBody>
-          <a:bodyPr/>
-          <a:lstStyle/>
-          <a:p>
-            <a:r>
-              <a:rPr lang="en-US" dirty="0"/>
-              <a:t>It also includes the primary bibliographic relationships, although I have not seen these used in the wild.</a:t>
-            </a:r>
-          </a:p>
-        </p:txBody>
-      </p:sp>
-      <p:sp>
-        <p:nvSpPr>
-          <p:cNvPr id="4" name="Slide Number Placeholder 3">
-            <a:extLst>
-              <a:ext uri="{FF2B5EF4-FFF2-40B4-BE49-F238E27FC236}">
-                <a16:creationId xmlns:a16="http://schemas.microsoft.com/office/drawing/2014/main" id="{A0105EFF-9F1D-F164-5C2D-105EBD18D623}"/>
-              </a:ext>
-            </a:extLst>
-          </p:cNvPr>
-          <p:cNvSpPr>
-            <a:spLocks noGrp="1"/>
-          </p:cNvSpPr>
-          <p:nvPr>
-            <p:ph type="sldNum" sz="quarter" idx="5"/>
-          </p:nvPr>
-        </p:nvSpPr>
-        <p:spPr/>
-        <p:txBody>
-          <a:bodyPr/>
-          <a:lstStyle/>
-          <a:p>
-            <a:fld id="{4A2BCC97-4BB2-9246-A49B-B0F5A46E094E}" type="slidenum">
-              <a:rPr lang="en-US" smtClean="0"/>
-              <a:t>5</a:t>
-            </a:fld>
-            <a:endParaRPr lang="en-US"/>
-          </a:p>
-        </p:txBody>
-      </p:sp>
-    </p:spTree>
-    <p:extLst>
-      <p:ext uri="{BB962C8B-B14F-4D97-AF65-F5344CB8AC3E}">
-        <p14:creationId xmlns:p14="http://schemas.microsoft.com/office/powerpoint/2010/main" val="2979983196"/>
       </p:ext>
     </p:extLst>
   </p:cSld>
@@ -7699,7 +8275,7 @@
           <a:bodyPr/>
           <a:lstStyle/>
           <a:p>
-            <a:endParaRPr lang="en-US" dirty="0"/>
+            <a:endParaRPr lang="en-US"/>
           </a:p>
         </p:txBody>
       </p:sp>
@@ -7720,7 +8296,7 @@
           <a:p>
             <a:fld id="{56B06DF3-9ACF-7D4E-B6BC-2327D86877F7}" type="slidenum">
               <a:rPr lang="en-US" smtClean="0"/>
-              <a:t>7</a:t>
+              <a:t>5</a:t>
             </a:fld>
             <a:endParaRPr lang="en-US"/>
           </a:p>
@@ -7729,7 +8305,7 @@
     </p:spTree>
     <p:extLst>
       <p:ext uri="{BB962C8B-B14F-4D97-AF65-F5344CB8AC3E}">
-        <p14:creationId xmlns:p14="http://schemas.microsoft.com/office/powerpoint/2010/main" val="4202509568"/>
+        <p14:creationId xmlns:p14="http://schemas.microsoft.com/office/powerpoint/2010/main" val="915403528"/>
       </p:ext>
     </p:extLst>
   </p:cSld>
@@ -7785,15 +8361,7 @@
           <a:p>
             <a:r>
               <a:rPr lang="en-US" dirty="0"/>
-              <a:t>FRBR relationships are linear and you can’t “skip” entities; </a:t>
-            </a:r>
-            <a:r>
-              <a:rPr lang="en-US" dirty="0" err="1"/>
-              <a:t>openwemi</a:t>
-            </a:r>
-            <a:r>
-              <a:rPr lang="en-US" dirty="0"/>
-              <a:t> allows other relationships between entities as long as they do not defy the general concepts, which is that the level of abstraction goes from Work (the most abstract) to Item (the least). In keeping with the RDF concept that your data may be incomplete without being wrong, this permits people to create the data they have on hand, and can fill in more at another time. It also allows different interpretations of the WEMI stack – for example, someone describing a sculpture may prefer to use Work and Item because the Item is unique and therefore there is no need to describe different expressions or manifestations.</a:t>
+              <a:t>Nothing is disjoint, and I’ll show that no entities are required or dependent. We have designed this as the least strict model of WEMI that (we think) is possible.</a:t>
             </a:r>
           </a:p>
         </p:txBody>
@@ -7815,7 +8383,7 @@
           <a:p>
             <a:fld id="{56B06DF3-9ACF-7D4E-B6BC-2327D86877F7}" type="slidenum">
               <a:rPr lang="en-US" smtClean="0"/>
-              <a:t>10</a:t>
+              <a:t>6</a:t>
             </a:fld>
             <a:endParaRPr lang="en-US"/>
           </a:p>
@@ -7824,7 +8392,7 @@
     </p:spTree>
     <p:extLst>
       <p:ext uri="{BB962C8B-B14F-4D97-AF65-F5344CB8AC3E}">
-        <p14:creationId xmlns:p14="http://schemas.microsoft.com/office/powerpoint/2010/main" val="1743267657"/>
+        <p14:creationId xmlns:p14="http://schemas.microsoft.com/office/powerpoint/2010/main" val="4202509568"/>
       </p:ext>
     </p:extLst>
   </p:cSld>
@@ -7880,63 +8448,7 @@
           <a:p>
             <a:r>
               <a:rPr lang="en-US" dirty="0"/>
-              <a:t>Developed by Ross Singer at </a:t>
-            </a:r>
-            <a:r>
-              <a:rPr lang="en-US" dirty="0" err="1"/>
-              <a:t>vocab.org</a:t>
-            </a:r>
-            <a:r>
-              <a:rPr lang="en-US" dirty="0"/>
-              <a:t> many years ago. They are in the spirit of </a:t>
-            </a:r>
-            <a:r>
-              <a:rPr lang="en-US" dirty="0" err="1"/>
-              <a:t>openwemi</a:t>
-            </a:r>
-            <a:r>
-              <a:rPr lang="en-US" dirty="0"/>
-              <a:t> because they allow the use of the </a:t>
-            </a:r>
-            <a:r>
-              <a:rPr lang="en-US" dirty="0" err="1"/>
-              <a:t>wemi</a:t>
-            </a:r>
-            <a:r>
-              <a:rPr lang="en-US" dirty="0"/>
-              <a:t> concepts without any constraints on what the format or metadata coding of the subject and object are. These could be used, for example, to say that a song in </a:t>
-            </a:r>
-            <a:r>
-              <a:rPr lang="en-US" dirty="0" err="1"/>
-              <a:t>musicbrainz</a:t>
-            </a:r>
-            <a:r>
-              <a:rPr lang="en-US" dirty="0"/>
-              <a:t> and a </a:t>
-            </a:r>
-            <a:r>
-              <a:rPr lang="en-US" dirty="0" err="1"/>
-              <a:t>youtube</a:t>
-            </a:r>
-            <a:r>
-              <a:rPr lang="en-US" dirty="0"/>
-              <a:t> video of a cover of the song entail the same work. A book in Amazon and in a library database may be a </a:t>
-            </a:r>
-            <a:r>
-              <a:rPr lang="en-US" dirty="0" err="1"/>
-              <a:t>commonManifestation</a:t>
-            </a:r>
-            <a:r>
-              <a:rPr lang="en-US" dirty="0"/>
-              <a:t>. It doesn’t say any more than that. </a:t>
-            </a:r>
-            <a:r>
-              <a:rPr lang="en-US" dirty="0" err="1"/>
-              <a:t>commonItem</a:t>
-            </a:r>
-            <a:r>
-              <a:rPr lang="en-US" dirty="0"/>
-              <a:t> may not have application but we put it out there – someone may find a use for it. </a:t>
+              <a:t>Endeavor is the union of the WEMI classes. </a:t>
             </a:r>
           </a:p>
         </p:txBody>
@@ -7958,7 +8470,7 @@
           <a:p>
             <a:fld id="{56B06DF3-9ACF-7D4E-B6BC-2327D86877F7}" type="slidenum">
               <a:rPr lang="en-US" smtClean="0"/>
-              <a:t>11</a:t>
+              <a:t>7</a:t>
             </a:fld>
             <a:endParaRPr lang="en-US"/>
           </a:p>
@@ -7967,7 +8479,7 @@
     </p:spTree>
     <p:extLst>
       <p:ext uri="{BB962C8B-B14F-4D97-AF65-F5344CB8AC3E}">
-        <p14:creationId xmlns:p14="http://schemas.microsoft.com/office/powerpoint/2010/main" val="3166615607"/>
+        <p14:creationId xmlns:p14="http://schemas.microsoft.com/office/powerpoint/2010/main" val="3191307704"/>
       </p:ext>
     </p:extLst>
   </p:cSld>
@@ -8021,18 +8533,7 @@
           <a:bodyPr/>
           <a:lstStyle/>
           <a:p>
-            <a:r>
-              <a:rPr lang="en-US" dirty="0"/>
-              <a:t>Note that in LRM, each definition refers to the entity “above” it; so a manifestation embodies an expression; and item is an exemplar of a manifestation. This enforces the linearity of that model, which we have specifically eliminated from </a:t>
-            </a:r>
-            <a:r>
-              <a:rPr lang="en-US" dirty="0" err="1"/>
-              <a:t>openwemi</a:t>
-            </a:r>
-            <a:r>
-              <a:rPr lang="en-US" dirty="0"/>
-              <a:t>.</a:t>
-            </a:r>
+            <a:endParaRPr lang="en-US"/>
           </a:p>
         </p:txBody>
       </p:sp>
@@ -8053,7 +8554,7 @@
           <a:p>
             <a:fld id="{56B06DF3-9ACF-7D4E-B6BC-2327D86877F7}" type="slidenum">
               <a:rPr lang="en-US" smtClean="0"/>
-              <a:t>12</a:t>
+              <a:t>8</a:t>
             </a:fld>
             <a:endParaRPr lang="en-US"/>
           </a:p>
@@ -8062,7 +8563,7 @@
     </p:spTree>
     <p:extLst>
       <p:ext uri="{BB962C8B-B14F-4D97-AF65-F5344CB8AC3E}">
-        <p14:creationId xmlns:p14="http://schemas.microsoft.com/office/powerpoint/2010/main" val="1158323016"/>
+        <p14:creationId xmlns:p14="http://schemas.microsoft.com/office/powerpoint/2010/main" val="519577598"/>
       </p:ext>
     </p:extLst>
   </p:cSld>
@@ -8116,71 +8617,27 @@
           <a:bodyPr/>
           <a:lstStyle/>
           <a:p>
-            <a:pPr marL="0" marR="0" lvl="0" indent="0" algn="l" defTabSz="914400" rtl="0" eaLnBrk="1" fontAlgn="auto" latinLnBrk="0" hangingPunct="1">
-              <a:lnSpc>
-                <a:spcPct val="100000"/>
-              </a:lnSpc>
-              <a:spcBef>
-                <a:spcPts val="0"/>
-              </a:spcBef>
-              <a:spcAft>
-                <a:spcPts val="0"/>
-              </a:spcAft>
-              <a:buClrTx/>
-              <a:buSzTx/>
-              <a:buFontTx/>
-              <a:buNone/>
-              <a:tabLst/>
-              <a:defRPr/>
-            </a:pPr>
             <a:r>
               <a:rPr lang="en-US" dirty="0"/>
-              <a:t>How do I see these used, since they are very broad? We saw this with </a:t>
+              <a:t>Provide a structure that has relationships between the most abstract (work), some intermediate states of existence (expression, manifestation), and the concrete item. Unlike FRBR these are not in a strict linear order, where every manifestation must have an expression and work in order to exist. Retaining the order, from abstract to concrete, relationships are provided between all classes that make sense. This retains the basic structure with the fewest constraints.</a:t>
+            </a:r>
+          </a:p>
+          <a:p>
+            <a:endParaRPr lang="en-US" dirty="0"/>
+          </a:p>
+          <a:p>
+            <a:r>
+              <a:rPr lang="en-US" dirty="0"/>
+              <a:t>FRBR relationships are linear and you can’t “skip” entities; </a:t>
             </a:r>
             <a:r>
               <a:rPr lang="en-US" dirty="0" err="1"/>
-              <a:t>FaBiO</a:t>
+              <a:t>openwemi</a:t>
             </a:r>
             <a:r>
               <a:rPr lang="en-US" dirty="0"/>
-              <a:t> and the Music ontology: you define your own w, ex, etc., with your own definitions, but that follow the general concepts. This is how the metadata examples we found are using </a:t>
-            </a:r>
-            <a:r>
-              <a:rPr lang="en-US" dirty="0" err="1"/>
-              <a:t>FRBRcore</a:t>
-            </a:r>
-            <a:r>
-              <a:rPr lang="en-US" dirty="0"/>
-              <a:t> from </a:t>
-            </a:r>
-            <a:r>
-              <a:rPr lang="en-US" dirty="0" err="1"/>
-              <a:t>vocab.org</a:t>
-            </a:r>
-            <a:r>
-              <a:rPr lang="en-US" dirty="0"/>
-              <a:t>.</a:t>
-            </a:r>
-          </a:p>
-          <a:p>
-            <a:pPr marL="0" marR="0" lvl="0" indent="0" algn="l" defTabSz="914400" rtl="0" eaLnBrk="1" fontAlgn="auto" latinLnBrk="0" hangingPunct="1">
-              <a:lnSpc>
-                <a:spcPct val="100000"/>
-              </a:lnSpc>
-              <a:spcBef>
-                <a:spcPts val="0"/>
-              </a:spcBef>
-              <a:spcAft>
-                <a:spcPts val="0"/>
-              </a:spcAft>
-              <a:buClrTx/>
-              <a:buSzTx/>
-              <a:buFontTx/>
-              <a:buNone/>
-              <a:tabLst/>
-              <a:defRPr/>
-            </a:pPr>
-            <a:endParaRPr lang="en-US" dirty="0"/>
+              <a:t> allows other relationships between entities as long as they do not defy the general concepts, which is that the level of abstraction goes from Work (the most abstract) to Item (the least). In keeping with the RDF concept that your data may be incomplete without being wrong, this permits people to create the data they have on hand, and can fill in more at another time. It also allows different interpretations of the WEMI stack – for example, someone describing a sculpture may prefer to use Work and Item because the Item is unique and therefore there is no need to describe different expressions or manifestations.</a:t>
+            </a:r>
           </a:p>
         </p:txBody>
       </p:sp>
@@ -8201,7 +8658,7 @@
           <a:p>
             <a:fld id="{56B06DF3-9ACF-7D4E-B6BC-2327D86877F7}" type="slidenum">
               <a:rPr lang="en-US" smtClean="0"/>
-              <a:t>13</a:t>
+              <a:t>9</a:t>
             </a:fld>
             <a:endParaRPr lang="en-US"/>
           </a:p>
@@ -8210,7 +8667,7 @@
     </p:spTree>
     <p:extLst>
       <p:ext uri="{BB962C8B-B14F-4D97-AF65-F5344CB8AC3E}">
-        <p14:creationId xmlns:p14="http://schemas.microsoft.com/office/powerpoint/2010/main" val="1687297695"/>
+        <p14:creationId xmlns:p14="http://schemas.microsoft.com/office/powerpoint/2010/main" val="1743267657"/>
       </p:ext>
     </p:extLst>
   </p:cSld>
@@ -11765,6 +12222,7 @@
           <a:bodyPr/>
           <a:lstStyle/>
           <a:p>
+            <a:pPr algn="ctr"/>
             <a:r>
               <a:rPr lang="en-US" dirty="0">
                 <a:latin typeface="Trebuchet MS" panose="020B0703020202090204" pitchFamily="34" charset="0"/>
@@ -11783,7 +12241,7 @@
             </a:r>
             <a:r>
               <a:rPr lang="en-US" dirty="0"/>
-              <a:t> idea</a:t>
+              <a:t> vocabulary</a:t>
             </a:r>
           </a:p>
         </p:txBody>
@@ -11830,6 +12288,3170 @@
 </file>
 
 <file path=ppt/slides/slide10.xml><?xml version="1.0" encoding="utf-8"?>
+<p:sld xmlns:a="http://schemas.openxmlformats.org/drawingml/2006/main" xmlns:r="http://schemas.openxmlformats.org/officeDocument/2006/relationships" xmlns:p="http://schemas.openxmlformats.org/presentationml/2006/main">
+  <p:cSld>
+    <p:spTree>
+      <p:nvGrpSpPr>
+        <p:cNvPr id="1" name=""/>
+        <p:cNvGrpSpPr/>
+        <p:nvPr/>
+      </p:nvGrpSpPr>
+      <p:grpSpPr>
+        <a:xfrm>
+          <a:off x="0" y="0"/>
+          <a:ext cx="0" cy="0"/>
+          <a:chOff x="0" y="0"/>
+          <a:chExt cx="0" cy="0"/>
+        </a:xfrm>
+      </p:grpSpPr>
+      <p:sp>
+        <p:nvSpPr>
+          <p:cNvPr id="2" name="Title 1">
+            <a:extLst>
+              <a:ext uri="{FF2B5EF4-FFF2-40B4-BE49-F238E27FC236}">
+                <a16:creationId xmlns:a16="http://schemas.microsoft.com/office/drawing/2014/main" id="{832BCD45-9B02-DA3F-2D2D-52C47DAFD5B7}"/>
+              </a:ext>
+            </a:extLst>
+          </p:cNvPr>
+          <p:cNvSpPr>
+            <a:spLocks noGrp="1"/>
+          </p:cNvSpPr>
+          <p:nvPr>
+            <p:ph type="title"/>
+          </p:nvPr>
+        </p:nvSpPr>
+        <p:spPr/>
+        <p:txBody>
+          <a:bodyPr/>
+          <a:lstStyle/>
+          <a:p>
+            <a:r>
+              <a:rPr lang="en-US" dirty="0"/>
+              <a:t>Added properties</a:t>
+            </a:r>
+          </a:p>
+        </p:txBody>
+      </p:sp>
+      <p:sp>
+        <p:nvSpPr>
+          <p:cNvPr id="7" name="Content Placeholder 6">
+            <a:extLst>
+              <a:ext uri="{FF2B5EF4-FFF2-40B4-BE49-F238E27FC236}">
+                <a16:creationId xmlns:a16="http://schemas.microsoft.com/office/drawing/2014/main" id="{4132C3F1-7389-02EE-C4C9-6BF7C19802A3}"/>
+              </a:ext>
+            </a:extLst>
+          </p:cNvPr>
+          <p:cNvSpPr>
+            <a:spLocks noGrp="1"/>
+          </p:cNvSpPr>
+          <p:nvPr>
+            <p:ph idx="1"/>
+          </p:nvPr>
+        </p:nvSpPr>
+        <p:spPr>
+          <a:xfrm>
+            <a:off x="1451580" y="2015732"/>
+            <a:ext cx="3651762" cy="3450613"/>
+          </a:xfrm>
+        </p:spPr>
+        <p:txBody>
+          <a:bodyPr>
+            <a:normAutofit/>
+          </a:bodyPr>
+          <a:lstStyle/>
+          <a:p>
+            <a:r>
+              <a:rPr lang="en-US" sz="2800" dirty="0" err="1"/>
+              <a:t>commonWork</a:t>
+            </a:r>
+            <a:endParaRPr lang="en-US" sz="2800" dirty="0"/>
+          </a:p>
+          <a:p>
+            <a:r>
+              <a:rPr lang="en-US" sz="2800" dirty="0" err="1"/>
+              <a:t>commonExpression</a:t>
+            </a:r>
+            <a:endParaRPr lang="en-US" sz="2800" dirty="0"/>
+          </a:p>
+          <a:p>
+            <a:r>
+              <a:rPr lang="en-US" sz="2800" dirty="0" err="1"/>
+              <a:t>commonManifestation</a:t>
+            </a:r>
+            <a:endParaRPr lang="en-US" sz="2800" dirty="0"/>
+          </a:p>
+          <a:p>
+            <a:r>
+              <a:rPr lang="en-US" sz="2800" dirty="0" err="1"/>
+              <a:t>commonItem</a:t>
+            </a:r>
+            <a:endParaRPr lang="en-US" sz="2800" dirty="0"/>
+          </a:p>
+        </p:txBody>
+      </p:sp>
+      <p:sp>
+        <p:nvSpPr>
+          <p:cNvPr id="8" name="TextBox 7">
+            <a:extLst>
+              <a:ext uri="{FF2B5EF4-FFF2-40B4-BE49-F238E27FC236}">
+                <a16:creationId xmlns:a16="http://schemas.microsoft.com/office/drawing/2014/main" id="{BC91F9E3-94F1-D78D-DA2D-2A4B73242770}"/>
+              </a:ext>
+            </a:extLst>
+          </p:cNvPr>
+          <p:cNvSpPr txBox="1"/>
+          <p:nvPr/>
+        </p:nvSpPr>
+        <p:spPr>
+          <a:xfrm>
+            <a:off x="6289589" y="2755557"/>
+            <a:ext cx="2879125" cy="1477328"/>
+          </a:xfrm>
+          <a:prstGeom prst="rect">
+            <a:avLst/>
+          </a:prstGeom>
+          <a:noFill/>
+        </p:spPr>
+        <p:txBody>
+          <a:bodyPr wrap="square" rtlCol="0">
+            <a:spAutoFit/>
+          </a:bodyPr>
+          <a:lstStyle/>
+          <a:p>
+            <a:r>
+              <a:rPr lang="en-US" dirty="0"/>
+              <a:t>For use between disparate metadata entities. Subject and object may be totally different in their format and content. </a:t>
+            </a:r>
+          </a:p>
+        </p:txBody>
+      </p:sp>
+    </p:spTree>
+    <p:extLst>
+      <p:ext uri="{BB962C8B-B14F-4D97-AF65-F5344CB8AC3E}">
+        <p14:creationId xmlns:p14="http://schemas.microsoft.com/office/powerpoint/2010/main" val="976770132"/>
+      </p:ext>
+    </p:extLst>
+  </p:cSld>
+  <p:clrMapOvr>
+    <a:masterClrMapping/>
+  </p:clrMapOvr>
+</p:sld>
+</file>
+
+<file path=ppt/slides/slide11.xml><?xml version="1.0" encoding="utf-8"?>
+<p:sld xmlns:a="http://schemas.openxmlformats.org/drawingml/2006/main" xmlns:r="http://schemas.openxmlformats.org/officeDocument/2006/relationships" xmlns:p="http://schemas.openxmlformats.org/presentationml/2006/main">
+  <p:cSld>
+    <p:spTree>
+      <p:nvGrpSpPr>
+        <p:cNvPr id="1" name=""/>
+        <p:cNvGrpSpPr/>
+        <p:nvPr/>
+      </p:nvGrpSpPr>
+      <p:grpSpPr>
+        <a:xfrm>
+          <a:off x="0" y="0"/>
+          <a:ext cx="0" cy="0"/>
+          <a:chOff x="0" y="0"/>
+          <a:chExt cx="0" cy="0"/>
+        </a:xfrm>
+      </p:grpSpPr>
+      <p:sp>
+        <p:nvSpPr>
+          <p:cNvPr id="7" name="Title 6">
+            <a:extLst>
+              <a:ext uri="{FF2B5EF4-FFF2-40B4-BE49-F238E27FC236}">
+                <a16:creationId xmlns:a16="http://schemas.microsoft.com/office/drawing/2014/main" id="{ECEA50B7-5B73-C091-D79B-59B4443ECCDD}"/>
+              </a:ext>
+            </a:extLst>
+          </p:cNvPr>
+          <p:cNvSpPr>
+            <a:spLocks noGrp="1"/>
+          </p:cNvSpPr>
+          <p:nvPr>
+            <p:ph type="title"/>
+          </p:nvPr>
+        </p:nvSpPr>
+        <p:spPr/>
+        <p:txBody>
+          <a:bodyPr/>
+          <a:lstStyle/>
+          <a:p>
+            <a:r>
+              <a:rPr lang="en-US" dirty="0"/>
+              <a:t>very broad Definitions</a:t>
+            </a:r>
+          </a:p>
+        </p:txBody>
+      </p:sp>
+      <p:sp>
+        <p:nvSpPr>
+          <p:cNvPr id="11" name="Text Placeholder 10">
+            <a:extLst>
+              <a:ext uri="{FF2B5EF4-FFF2-40B4-BE49-F238E27FC236}">
+                <a16:creationId xmlns:a16="http://schemas.microsoft.com/office/drawing/2014/main" id="{D3259B42-CBE3-742A-CE7D-4DE393750F61}"/>
+              </a:ext>
+            </a:extLst>
+          </p:cNvPr>
+          <p:cNvSpPr>
+            <a:spLocks noGrp="1"/>
+          </p:cNvSpPr>
+          <p:nvPr>
+            <p:ph type="body" idx="1"/>
+          </p:nvPr>
+        </p:nvSpPr>
+        <p:spPr>
+          <a:xfrm>
+            <a:off x="1417584" y="1809351"/>
+            <a:ext cx="4645152" cy="801943"/>
+          </a:xfrm>
+        </p:spPr>
+        <p:txBody>
+          <a:bodyPr/>
+          <a:lstStyle/>
+          <a:p>
+            <a:r>
+              <a:rPr lang="en-US" dirty="0">
+                <a:solidFill>
+                  <a:schemeClr val="bg2">
+                    <a:lumMod val="25000"/>
+                  </a:schemeClr>
+                </a:solidFill>
+              </a:rPr>
+              <a:t>LRM</a:t>
+            </a:r>
+          </a:p>
+        </p:txBody>
+      </p:sp>
+      <p:sp useBgFill="1">
+        <p:nvSpPr>
+          <p:cNvPr id="12" name="Content Placeholder 11">
+            <a:extLst>
+              <a:ext uri="{FF2B5EF4-FFF2-40B4-BE49-F238E27FC236}">
+                <a16:creationId xmlns:a16="http://schemas.microsoft.com/office/drawing/2014/main" id="{A45DCB47-45A7-BEDC-766C-4B8F8D7DAA10}"/>
+              </a:ext>
+            </a:extLst>
+          </p:cNvPr>
+          <p:cNvSpPr>
+            <a:spLocks noGrp="1"/>
+          </p:cNvSpPr>
+          <p:nvPr>
+            <p:ph sz="half" idx="2"/>
+          </p:nvPr>
+        </p:nvSpPr>
+        <p:spPr>
+          <a:xfrm>
+            <a:off x="411260" y="3030008"/>
+            <a:ext cx="5378677" cy="2906179"/>
+          </a:xfrm>
+          <a:ln>
+            <a:solidFill>
+              <a:schemeClr val="bg2">
+                <a:lumMod val="75000"/>
+              </a:schemeClr>
+            </a:solidFill>
+          </a:ln>
+        </p:spPr>
+        <p:txBody>
+          <a:bodyPr>
+            <a:normAutofit fontScale="92500" lnSpcReduction="10000"/>
+          </a:bodyPr>
+          <a:lstStyle/>
+          <a:p>
+            <a:r>
+              <a:rPr lang="en-US" b="1" dirty="0"/>
+              <a:t>Work</a:t>
+            </a:r>
+            <a:r>
+              <a:rPr lang="en-US" dirty="0"/>
+              <a:t>: "An abstract notion of an artistic or intellectual creation.”</a:t>
+            </a:r>
+          </a:p>
+          <a:p>
+            <a:r>
+              <a:rPr lang="en-US" b="1" dirty="0"/>
+              <a:t>Expression</a:t>
+            </a:r>
+            <a:r>
+              <a:rPr lang="en-US" dirty="0"/>
+              <a:t>: "An expression of a work in signs.”</a:t>
+            </a:r>
+          </a:p>
+          <a:p>
+            <a:r>
+              <a:rPr lang="en-US" b="1" dirty="0"/>
+              <a:t>Manifestation</a:t>
+            </a:r>
+            <a:r>
+              <a:rPr lang="en-US" dirty="0"/>
+              <a:t>: "The physical embodiment of one or more expressions”</a:t>
+            </a:r>
+          </a:p>
+          <a:p>
+            <a:r>
+              <a:rPr lang="en-US" b="1" dirty="0"/>
+              <a:t>Item</a:t>
+            </a:r>
+            <a:r>
+              <a:rPr lang="en-US" dirty="0"/>
+              <a:t>: "An exemplar of a single manifestation."</a:t>
+            </a:r>
+          </a:p>
+        </p:txBody>
+      </p:sp>
+      <p:sp>
+        <p:nvSpPr>
+          <p:cNvPr id="13" name="Text Placeholder 12">
+            <a:extLst>
+              <a:ext uri="{FF2B5EF4-FFF2-40B4-BE49-F238E27FC236}">
+                <a16:creationId xmlns:a16="http://schemas.microsoft.com/office/drawing/2014/main" id="{51E1DBDA-431C-A2ED-F077-1C7C767A320C}"/>
+              </a:ext>
+            </a:extLst>
+          </p:cNvPr>
+          <p:cNvSpPr>
+            <a:spLocks noGrp="1"/>
+          </p:cNvSpPr>
+          <p:nvPr>
+            <p:ph type="body" sz="quarter" idx="3"/>
+          </p:nvPr>
+        </p:nvSpPr>
+        <p:spPr>
+          <a:xfrm>
+            <a:off x="6409700" y="1722395"/>
+            <a:ext cx="4645152" cy="802237"/>
+          </a:xfrm>
+        </p:spPr>
+        <p:txBody>
+          <a:bodyPr/>
+          <a:lstStyle/>
+          <a:p>
+            <a:pPr algn="ctr"/>
+            <a:r>
+              <a:rPr lang="en-US" dirty="0" err="1">
+                <a:solidFill>
+                  <a:schemeClr val="bg2">
+                    <a:lumMod val="25000"/>
+                  </a:schemeClr>
+                </a:solidFill>
+              </a:rPr>
+              <a:t>openWEMI</a:t>
+            </a:r>
+            <a:endParaRPr lang="en-US" dirty="0">
+              <a:solidFill>
+                <a:schemeClr val="bg2">
+                  <a:lumMod val="25000"/>
+                </a:schemeClr>
+              </a:solidFill>
+            </a:endParaRPr>
+          </a:p>
+        </p:txBody>
+      </p:sp>
+      <p:sp useBgFill="1">
+        <p:nvSpPr>
+          <p:cNvPr id="14" name="Content Placeholder 13">
+            <a:extLst>
+              <a:ext uri="{FF2B5EF4-FFF2-40B4-BE49-F238E27FC236}">
+                <a16:creationId xmlns:a16="http://schemas.microsoft.com/office/drawing/2014/main" id="{96FB3B09-233A-692F-5CEB-579CABA6463E}"/>
+              </a:ext>
+            </a:extLst>
+          </p:cNvPr>
+          <p:cNvSpPr>
+            <a:spLocks noGrp="1"/>
+          </p:cNvSpPr>
+          <p:nvPr>
+            <p:ph sz="quarter" idx="4"/>
+          </p:nvPr>
+        </p:nvSpPr>
+        <p:spPr>
+          <a:xfrm>
+            <a:off x="5944083" y="3030007"/>
+            <a:ext cx="5576385" cy="2906179"/>
+          </a:xfrm>
+          <a:ln>
+            <a:solidFill>
+              <a:schemeClr val="tx1"/>
+            </a:solidFill>
+          </a:ln>
+        </p:spPr>
+        <p:txBody>
+          <a:bodyPr>
+            <a:normAutofit fontScale="92500" lnSpcReduction="10000"/>
+          </a:bodyPr>
+          <a:lstStyle/>
+          <a:p>
+            <a:r>
+              <a:rPr lang="en-US" b="1" dirty="0"/>
+              <a:t>Endeavor: </a:t>
+            </a:r>
+            <a:r>
+              <a:rPr lang="en-US" dirty="0"/>
+              <a:t>“A creation”</a:t>
+            </a:r>
+          </a:p>
+          <a:p>
+            <a:r>
+              <a:rPr lang="en-US" b="1" dirty="0"/>
+              <a:t>Work</a:t>
+            </a:r>
+            <a:r>
+              <a:rPr lang="en-US" dirty="0"/>
+              <a:t>: "An abstract notion of an artistic or intellectual creation.”</a:t>
+            </a:r>
+          </a:p>
+          <a:p>
+            <a:r>
+              <a:rPr lang="en-US" b="1" dirty="0"/>
+              <a:t>Expression</a:t>
+            </a:r>
+            <a:r>
+              <a:rPr lang="en-US" dirty="0"/>
+              <a:t>: ”A perceivable form of a creation.”</a:t>
+            </a:r>
+          </a:p>
+          <a:p>
+            <a:r>
+              <a:rPr lang="en-US" b="1" dirty="0"/>
+              <a:t>Manifestation</a:t>
+            </a:r>
+            <a:r>
+              <a:rPr lang="en-US" dirty="0"/>
+              <a:t>: "The physical embodiment of a creation”</a:t>
+            </a:r>
+          </a:p>
+          <a:p>
+            <a:r>
+              <a:rPr lang="en-US" b="1" dirty="0"/>
+              <a:t>Item</a:t>
+            </a:r>
+            <a:r>
+              <a:rPr lang="en-US" dirty="0"/>
+              <a:t>: "An exemplar of a creation."</a:t>
+            </a:r>
+          </a:p>
+        </p:txBody>
+      </p:sp>
+    </p:spTree>
+    <p:extLst>
+      <p:ext uri="{BB962C8B-B14F-4D97-AF65-F5344CB8AC3E}">
+        <p14:creationId xmlns:p14="http://schemas.microsoft.com/office/powerpoint/2010/main" val="1676663223"/>
+      </p:ext>
+    </p:extLst>
+  </p:cSld>
+  <p:clrMapOvr>
+    <a:masterClrMapping/>
+  </p:clrMapOvr>
+</p:sld>
+</file>
+
+<file path=ppt/slides/slide12.xml><?xml version="1.0" encoding="utf-8"?>
+<p:sld xmlns:a="http://schemas.openxmlformats.org/drawingml/2006/main" xmlns:r="http://schemas.openxmlformats.org/officeDocument/2006/relationships" xmlns:p="http://schemas.openxmlformats.org/presentationml/2006/main">
+  <p:cSld>
+    <p:spTree>
+      <p:nvGrpSpPr>
+        <p:cNvPr id="1" name=""/>
+        <p:cNvGrpSpPr/>
+        <p:nvPr/>
+      </p:nvGrpSpPr>
+      <p:grpSpPr>
+        <a:xfrm>
+          <a:off x="0" y="0"/>
+          <a:ext cx="0" cy="0"/>
+          <a:chOff x="0" y="0"/>
+          <a:chExt cx="0" cy="0"/>
+        </a:xfrm>
+      </p:grpSpPr>
+      <p:sp>
+        <p:nvSpPr>
+          <p:cNvPr id="2" name="Title 1">
+            <a:extLst>
+              <a:ext uri="{FF2B5EF4-FFF2-40B4-BE49-F238E27FC236}">
+                <a16:creationId xmlns:a16="http://schemas.microsoft.com/office/drawing/2014/main" id="{EBBD9DF5-AE0E-02B1-4F60-08E7D8D557B9}"/>
+              </a:ext>
+            </a:extLst>
+          </p:cNvPr>
+          <p:cNvSpPr>
+            <a:spLocks noGrp="1"/>
+          </p:cNvSpPr>
+          <p:nvPr>
+            <p:ph type="title"/>
+          </p:nvPr>
+        </p:nvSpPr>
+        <p:spPr>
+          <a:xfrm>
+            <a:off x="1294362" y="359675"/>
+            <a:ext cx="9603275" cy="1049235"/>
+          </a:xfrm>
+        </p:spPr>
+        <p:txBody>
+          <a:bodyPr>
+            <a:normAutofit/>
+          </a:bodyPr>
+          <a:lstStyle/>
+          <a:p>
+            <a:pPr algn="ctr"/>
+            <a:r>
+              <a:rPr lang="en-US" sz="2400" dirty="0"/>
+              <a:t>we hope for resource-specific subclasses and </a:t>
+            </a:r>
+            <a:r>
+              <a:rPr lang="en-US" sz="2400" dirty="0" err="1"/>
+              <a:t>subproperties</a:t>
+            </a:r>
+            <a:r>
+              <a:rPr lang="en-US" sz="2400" dirty="0"/>
+              <a:t> </a:t>
+            </a:r>
+          </a:p>
+        </p:txBody>
+      </p:sp>
+      <p:graphicFrame>
+        <p:nvGraphicFramePr>
+          <p:cNvPr id="3" name="Diagram 2">
+            <a:extLst>
+              <a:ext uri="{FF2B5EF4-FFF2-40B4-BE49-F238E27FC236}">
+                <a16:creationId xmlns:a16="http://schemas.microsoft.com/office/drawing/2014/main" id="{602BD9EB-20B1-72D9-1153-61936D1E9DCE}"/>
+              </a:ext>
+            </a:extLst>
+          </p:cNvPr>
+          <p:cNvGraphicFramePr/>
+          <p:nvPr>
+            <p:extLst>
+              <p:ext uri="{D42A27DB-BD31-4B8C-83A1-F6EECF244321}">
+                <p14:modId xmlns:p14="http://schemas.microsoft.com/office/powerpoint/2010/main" val="1206860721"/>
+              </p:ext>
+            </p:extLst>
+          </p:nvPr>
+        </p:nvGraphicFramePr>
+        <p:xfrm>
+          <a:off x="1897818" y="1293697"/>
+          <a:ext cx="8128000" cy="5418667"/>
+        </p:xfrm>
+        <a:graphic>
+          <a:graphicData uri="http://schemas.openxmlformats.org/drawingml/2006/diagram">
+            <dgm:relIds xmlns:dgm="http://schemas.openxmlformats.org/drawingml/2006/diagram" xmlns:r="http://schemas.openxmlformats.org/officeDocument/2006/relationships" r:dm="rId3" r:lo="rId4" r:qs="rId5" r:cs="rId6"/>
+          </a:graphicData>
+        </a:graphic>
+      </p:graphicFrame>
+    </p:spTree>
+    <p:extLst>
+      <p:ext uri="{BB962C8B-B14F-4D97-AF65-F5344CB8AC3E}">
+        <p14:creationId xmlns:p14="http://schemas.microsoft.com/office/powerpoint/2010/main" val="613439204"/>
+      </p:ext>
+    </p:extLst>
+  </p:cSld>
+  <p:clrMapOvr>
+    <a:masterClrMapping/>
+  </p:clrMapOvr>
+</p:sld>
+</file>
+
+<file path=ppt/slides/slide13.xml><?xml version="1.0" encoding="utf-8"?>
+<p:sld xmlns:a="http://schemas.openxmlformats.org/drawingml/2006/main" xmlns:r="http://schemas.openxmlformats.org/officeDocument/2006/relationships" xmlns:p="http://schemas.openxmlformats.org/presentationml/2006/main">
+  <p:cSld>
+    <p:bg>
+      <p:bgPr>
+        <a:gradFill rotWithShape="1">
+          <a:gsLst>
+            <a:gs pos="0">
+              <a:schemeClr val="bg2">
+                <a:tint val="94000"/>
+                <a:satMod val="80000"/>
+                <a:lumMod val="106000"/>
+              </a:schemeClr>
+            </a:gs>
+            <a:gs pos="100000">
+              <a:schemeClr val="bg2">
+                <a:shade val="80000"/>
+              </a:schemeClr>
+            </a:gs>
+          </a:gsLst>
+          <a:path path="circle">
+            <a:fillToRect l="50000" t="50000" r="50000" b="50000"/>
+          </a:path>
+        </a:gradFill>
+        <a:effectLst/>
+      </p:bgPr>
+    </p:bg>
+    <p:spTree>
+      <p:nvGrpSpPr>
+        <p:cNvPr id="1" name=""/>
+        <p:cNvGrpSpPr/>
+        <p:nvPr/>
+      </p:nvGrpSpPr>
+      <p:grpSpPr>
+        <a:xfrm>
+          <a:off x="0" y="0"/>
+          <a:ext cx="0" cy="0"/>
+          <a:chOff x="0" y="0"/>
+          <a:chExt cx="0" cy="0"/>
+        </a:xfrm>
+      </p:grpSpPr>
+      <p:sp useBgFill="1">
+        <p:nvSpPr>
+          <p:cNvPr id="13" name="Rectangle 12">
+            <a:extLst>
+              <a:ext uri="{FF2B5EF4-FFF2-40B4-BE49-F238E27FC236}">
+                <a16:creationId xmlns:a16="http://schemas.microsoft.com/office/drawing/2014/main" id="{29C51009-A09A-4689-8E6C-F8FC99E6A840}"/>
+              </a:ext>
+              <a:ext uri="{C183D7F6-B498-43B3-948B-1728B52AA6E4}">
+                <adec:decorative xmlns:adec="http://schemas.microsoft.com/office/drawing/2017/decorative" val="1"/>
+              </a:ext>
+            </a:extLst>
+          </p:cNvPr>
+          <p:cNvSpPr>
+            <a:spLocks noGrp="1" noRot="1" noChangeAspect="1" noMove="1" noResize="1" noEditPoints="1" noAdjustHandles="1" noChangeArrowheads="1" noChangeShapeType="1" noTextEdit="1"/>
+          </p:cNvSpPr>
+          <p:nvPr>
+            <p:extLst>
+              <p:ext uri="{386F3935-93C4-4BCD-93E2-E3B085C9AB24}">
+                <p16:designElem xmlns:p16="http://schemas.microsoft.com/office/powerpoint/2015/main" val="1"/>
+              </p:ext>
+            </p:extLst>
+          </p:nvPr>
+        </p:nvSpPr>
+        <p:spPr>
+          <a:xfrm>
+            <a:off x="2" y="0"/>
+            <a:ext cx="12191695" cy="6858000"/>
+          </a:xfrm>
+          <a:prstGeom prst="rect">
+            <a:avLst/>
+          </a:prstGeom>
+          <a:ln>
+            <a:noFill/>
+          </a:ln>
+        </p:spPr>
+        <p:style>
+          <a:lnRef idx="2">
+            <a:schemeClr val="accent1">
+              <a:shade val="50000"/>
+            </a:schemeClr>
+          </a:lnRef>
+          <a:fillRef idx="1">
+            <a:schemeClr val="accent1"/>
+          </a:fillRef>
+          <a:effectRef idx="0">
+            <a:schemeClr val="accent1"/>
+          </a:effectRef>
+          <a:fontRef idx="minor">
+            <a:schemeClr val="lt1"/>
+          </a:fontRef>
+        </p:style>
+        <p:txBody>
+          <a:bodyPr rtlCol="0" anchor="ctr"/>
+          <a:lstStyle/>
+          <a:p>
+            <a:pPr algn="ctr"/>
+            <a:endParaRPr lang="en-US"/>
+          </a:p>
+        </p:txBody>
+      </p:sp>
+      <p:sp>
+        <p:nvSpPr>
+          <p:cNvPr id="7" name="Title 6">
+            <a:extLst>
+              <a:ext uri="{FF2B5EF4-FFF2-40B4-BE49-F238E27FC236}">
+                <a16:creationId xmlns:a16="http://schemas.microsoft.com/office/drawing/2014/main" id="{515770A2-8B1E-D6A2-F5F8-0639A563EEE2}"/>
+              </a:ext>
+            </a:extLst>
+          </p:cNvPr>
+          <p:cNvSpPr>
+            <a:spLocks noGrp="1"/>
+          </p:cNvSpPr>
+          <p:nvPr>
+            <p:ph type="title"/>
+          </p:nvPr>
+        </p:nvSpPr>
+        <p:spPr>
+          <a:xfrm>
+            <a:off x="844476" y="1600199"/>
+            <a:ext cx="3539266" cy="4297680"/>
+          </a:xfrm>
+        </p:spPr>
+        <p:txBody>
+          <a:bodyPr anchor="ctr">
+            <a:normAutofit/>
+          </a:bodyPr>
+          <a:lstStyle/>
+          <a:p>
+            <a:r>
+              <a:rPr lang="en-US" dirty="0"/>
+              <a:t>The </a:t>
+            </a:r>
+            <a:r>
+              <a:rPr lang="en-US" dirty="0" err="1"/>
+              <a:t>openwemi</a:t>
+            </a:r>
+            <a:r>
+              <a:rPr lang="en-US" dirty="0"/>
+              <a:t> working group</a:t>
+            </a:r>
+          </a:p>
+        </p:txBody>
+      </p:sp>
+      <p:cxnSp>
+        <p:nvCxnSpPr>
+          <p:cNvPr id="15" name="Straight Connector 14">
+            <a:extLst>
+              <a:ext uri="{FF2B5EF4-FFF2-40B4-BE49-F238E27FC236}">
+                <a16:creationId xmlns:a16="http://schemas.microsoft.com/office/drawing/2014/main" id="{9EC65442-F244-409C-BF44-C5D6472E810A}"/>
+              </a:ext>
+              <a:ext uri="{C183D7F6-B498-43B3-948B-1728B52AA6E4}">
+                <adec:decorative xmlns:adec="http://schemas.microsoft.com/office/drawing/2017/decorative" val="1"/>
+              </a:ext>
+            </a:extLst>
+          </p:cNvPr>
+          <p:cNvCxnSpPr>
+            <a:cxnSpLocks noGrp="1" noRot="1" noChangeAspect="1" noMove="1" noResize="1" noEditPoints="1" noAdjustHandles="1" noChangeArrowheads="1" noChangeShapeType="1"/>
+          </p:cNvCxnSpPr>
+          <p:nvPr>
+            <p:extLst>
+              <p:ext uri="{386F3935-93C4-4BCD-93E2-E3B085C9AB24}">
+                <p16:designElem xmlns:p16="http://schemas.microsoft.com/office/powerpoint/2015/main" val="1"/>
+              </p:ext>
+            </p:extLst>
+          </p:nvPr>
+        </p:nvCxnSpPr>
+        <p:spPr>
+          <a:xfrm>
+            <a:off x="4654296" y="2148839"/>
+            <a:ext cx="0" cy="3200400"/>
+          </a:xfrm>
+          <a:prstGeom prst="line">
+            <a:avLst/>
+          </a:prstGeom>
+          <a:ln w="31750"/>
+        </p:spPr>
+        <p:style>
+          <a:lnRef idx="1">
+            <a:schemeClr val="accent1"/>
+          </a:lnRef>
+          <a:fillRef idx="0">
+            <a:schemeClr val="accent1"/>
+          </a:fillRef>
+          <a:effectRef idx="0">
+            <a:schemeClr val="accent1"/>
+          </a:effectRef>
+          <a:fontRef idx="minor">
+            <a:schemeClr val="tx1"/>
+          </a:fontRef>
+        </p:style>
+      </p:cxnSp>
+      <p:sp>
+        <p:nvSpPr>
+          <p:cNvPr id="8" name="Content Placeholder 7">
+            <a:extLst>
+              <a:ext uri="{FF2B5EF4-FFF2-40B4-BE49-F238E27FC236}">
+                <a16:creationId xmlns:a16="http://schemas.microsoft.com/office/drawing/2014/main" id="{95424C84-D45B-4EBC-0885-C0F525A00EDA}"/>
+              </a:ext>
+            </a:extLst>
+          </p:cNvPr>
+          <p:cNvSpPr>
+            <a:spLocks noGrp="1"/>
+          </p:cNvSpPr>
+          <p:nvPr>
+            <p:ph idx="1"/>
+          </p:nvPr>
+        </p:nvSpPr>
+        <p:spPr>
+          <a:xfrm>
+            <a:off x="4924851" y="1600199"/>
+            <a:ext cx="6130003" cy="4297680"/>
+          </a:xfrm>
+        </p:spPr>
+        <p:txBody>
+          <a:bodyPr anchor="ctr">
+            <a:normAutofit/>
+          </a:bodyPr>
+          <a:lstStyle/>
+          <a:p>
+            <a:r>
+              <a:rPr lang="en-US" sz="3200" dirty="0"/>
+              <a:t>Phil Barker</a:t>
+            </a:r>
+          </a:p>
+          <a:p>
+            <a:r>
+              <a:rPr lang="en-US" sz="3200" dirty="0"/>
+              <a:t>Sean </a:t>
+            </a:r>
+            <a:r>
+              <a:rPr lang="en-US" sz="3200" dirty="0" err="1"/>
+              <a:t>Petiya</a:t>
+            </a:r>
+            <a:endParaRPr lang="en-US" sz="3200" dirty="0"/>
+          </a:p>
+          <a:p>
+            <a:r>
+              <a:rPr lang="en-US" sz="3200" dirty="0"/>
+              <a:t>Ross Singer</a:t>
+            </a:r>
+          </a:p>
+          <a:p>
+            <a:r>
+              <a:rPr lang="en-US" sz="3200" dirty="0"/>
+              <a:t>Graeme Williams</a:t>
+            </a:r>
+          </a:p>
+          <a:p>
+            <a:r>
+              <a:rPr lang="en-US" sz="3200" dirty="0"/>
+              <a:t>Karen Coyle (chair)</a:t>
+            </a:r>
+          </a:p>
+        </p:txBody>
+      </p:sp>
+    </p:spTree>
+    <p:extLst>
+      <p:ext uri="{BB962C8B-B14F-4D97-AF65-F5344CB8AC3E}">
+        <p14:creationId xmlns:p14="http://schemas.microsoft.com/office/powerpoint/2010/main" val="2554098903"/>
+      </p:ext>
+    </p:extLst>
+  </p:cSld>
+  <p:clrMapOvr>
+    <a:masterClrMapping/>
+  </p:clrMapOvr>
+</p:sld>
+</file>
+
+<file path=ppt/slides/slide14.xml><?xml version="1.0" encoding="utf-8"?>
+<p:sld xmlns:a="http://schemas.openxmlformats.org/drawingml/2006/main" xmlns:r="http://schemas.openxmlformats.org/officeDocument/2006/relationships" xmlns:p="http://schemas.openxmlformats.org/presentationml/2006/main">
+  <p:cSld>
+    <p:spTree>
+      <p:nvGrpSpPr>
+        <p:cNvPr id="1" name=""/>
+        <p:cNvGrpSpPr/>
+        <p:nvPr/>
+      </p:nvGrpSpPr>
+      <p:grpSpPr>
+        <a:xfrm>
+          <a:off x="0" y="0"/>
+          <a:ext cx="0" cy="0"/>
+          <a:chOff x="0" y="0"/>
+          <a:chExt cx="0" cy="0"/>
+        </a:xfrm>
+      </p:grpSpPr>
+      <p:sp>
+        <p:nvSpPr>
+          <p:cNvPr id="2" name="Title 1">
+            <a:extLst>
+              <a:ext uri="{FF2B5EF4-FFF2-40B4-BE49-F238E27FC236}">
+                <a16:creationId xmlns:a16="http://schemas.microsoft.com/office/drawing/2014/main" id="{A43934B5-8965-7A18-1032-6A1AF6DB1D56}"/>
+              </a:ext>
+            </a:extLst>
+          </p:cNvPr>
+          <p:cNvSpPr>
+            <a:spLocks noGrp="1"/>
+          </p:cNvSpPr>
+          <p:nvPr>
+            <p:ph type="title"/>
+          </p:nvPr>
+        </p:nvSpPr>
+        <p:spPr/>
+        <p:txBody>
+          <a:bodyPr/>
+          <a:lstStyle/>
+          <a:p>
+            <a:r>
+              <a:rPr lang="en-US" dirty="0"/>
+              <a:t>Links again</a:t>
+            </a:r>
+          </a:p>
+        </p:txBody>
+      </p:sp>
+      <p:sp>
+        <p:nvSpPr>
+          <p:cNvPr id="5" name="Content Placeholder 4">
+            <a:extLst>
+              <a:ext uri="{FF2B5EF4-FFF2-40B4-BE49-F238E27FC236}">
+                <a16:creationId xmlns:a16="http://schemas.microsoft.com/office/drawing/2014/main" id="{2A5C211C-D5A9-7017-BD4B-4861A88F4D73}"/>
+              </a:ext>
+            </a:extLst>
+          </p:cNvPr>
+          <p:cNvSpPr txBox="1">
+            <a:spLocks noGrp="1"/>
+          </p:cNvSpPr>
+          <p:nvPr>
+            <p:ph idx="1"/>
+          </p:nvPr>
+        </p:nvSpPr>
+        <p:spPr>
+          <a:xfrm>
+            <a:off x="1405091" y="2035257"/>
+            <a:ext cx="4930068" cy="1211037"/>
+          </a:xfrm>
+          <a:prstGeom prst="rect">
+            <a:avLst/>
+          </a:prstGeom>
+          <a:noFill/>
+        </p:spPr>
+        <p:txBody>
+          <a:bodyPr wrap="none" rtlCol="0">
+            <a:spAutoFit/>
+          </a:bodyPr>
+          <a:lstStyle/>
+          <a:p>
+            <a:pPr marL="0" indent="0">
+              <a:buNone/>
+            </a:pPr>
+            <a:r>
+              <a:rPr lang="en-US" sz="2800" dirty="0">
+                <a:solidFill>
+                  <a:schemeClr val="bg2">
+                    <a:lumMod val="25000"/>
+                  </a:schemeClr>
+                </a:solidFill>
+              </a:rPr>
+              <a:t>https://dcmi.github.io/openwemi/</a:t>
+            </a:r>
+          </a:p>
+          <a:p>
+            <a:endParaRPr lang="en-US" sz="2800" dirty="0">
+              <a:solidFill>
+                <a:schemeClr val="bg2">
+                  <a:lumMod val="25000"/>
+                </a:schemeClr>
+              </a:solidFill>
+            </a:endParaRPr>
+          </a:p>
+        </p:txBody>
+      </p:sp>
+      <p:sp>
+        <p:nvSpPr>
+          <p:cNvPr id="6" name="TextBox 5">
+            <a:extLst>
+              <a:ext uri="{FF2B5EF4-FFF2-40B4-BE49-F238E27FC236}">
+                <a16:creationId xmlns:a16="http://schemas.microsoft.com/office/drawing/2014/main" id="{E6CD9C9A-D679-6EA9-EBF5-6E1C2457FBBE}"/>
+              </a:ext>
+            </a:extLst>
+          </p:cNvPr>
+          <p:cNvSpPr txBox="1"/>
+          <p:nvPr/>
+        </p:nvSpPr>
+        <p:spPr>
+          <a:xfrm>
+            <a:off x="1405091" y="3369622"/>
+            <a:ext cx="5207388" cy="523220"/>
+          </a:xfrm>
+          <a:prstGeom prst="rect">
+            <a:avLst/>
+          </a:prstGeom>
+          <a:noFill/>
+        </p:spPr>
+        <p:txBody>
+          <a:bodyPr wrap="none" rtlCol="0">
+            <a:spAutoFit/>
+          </a:bodyPr>
+          <a:lstStyle/>
+          <a:p>
+            <a:r>
+              <a:rPr lang="en-US" sz="2800" dirty="0">
+                <a:solidFill>
+                  <a:schemeClr val="bg2">
+                    <a:lumMod val="25000"/>
+                  </a:schemeClr>
+                </a:solidFill>
+              </a:rPr>
+              <a:t>https://</a:t>
+            </a:r>
+            <a:r>
+              <a:rPr lang="en-US" sz="2800" dirty="0" err="1">
+                <a:solidFill>
+                  <a:schemeClr val="bg2">
+                    <a:lumMod val="25000"/>
+                  </a:schemeClr>
+                </a:solidFill>
+              </a:rPr>
+              <a:t>github.com</a:t>
+            </a:r>
+            <a:r>
+              <a:rPr lang="en-US" sz="2800" dirty="0">
+                <a:solidFill>
+                  <a:schemeClr val="bg2">
+                    <a:lumMod val="25000"/>
+                  </a:schemeClr>
+                </a:solidFill>
+              </a:rPr>
+              <a:t>/</a:t>
+            </a:r>
+            <a:r>
+              <a:rPr lang="en-US" sz="2800" dirty="0" err="1">
+                <a:solidFill>
+                  <a:schemeClr val="bg2">
+                    <a:lumMod val="25000"/>
+                  </a:schemeClr>
+                </a:solidFill>
+              </a:rPr>
+              <a:t>dcmi</a:t>
+            </a:r>
+            <a:r>
+              <a:rPr lang="en-US" sz="2800" dirty="0">
+                <a:solidFill>
+                  <a:schemeClr val="bg2">
+                    <a:lumMod val="25000"/>
+                  </a:schemeClr>
+                </a:solidFill>
+              </a:rPr>
+              <a:t>/</a:t>
+            </a:r>
+            <a:r>
+              <a:rPr lang="en-US" sz="2800" dirty="0" err="1">
+                <a:solidFill>
+                  <a:schemeClr val="bg2">
+                    <a:lumMod val="25000"/>
+                  </a:schemeClr>
+                </a:solidFill>
+              </a:rPr>
+              <a:t>openwemi</a:t>
+            </a:r>
+            <a:endParaRPr lang="en-US" sz="2800" dirty="0">
+              <a:solidFill>
+                <a:schemeClr val="bg2">
+                  <a:lumMod val="25000"/>
+                </a:schemeClr>
+              </a:solidFill>
+            </a:endParaRPr>
+          </a:p>
+        </p:txBody>
+      </p:sp>
+    </p:spTree>
+    <p:extLst>
+      <p:ext uri="{BB962C8B-B14F-4D97-AF65-F5344CB8AC3E}">
+        <p14:creationId xmlns:p14="http://schemas.microsoft.com/office/powerpoint/2010/main" val="15645783"/>
+      </p:ext>
+    </p:extLst>
+  </p:cSld>
+  <p:clrMapOvr>
+    <a:masterClrMapping/>
+  </p:clrMapOvr>
+</p:sld>
+</file>
+
+<file path=ppt/slides/slide2.xml><?xml version="1.0" encoding="utf-8"?>
+<p:sld xmlns:a="http://schemas.openxmlformats.org/drawingml/2006/main" xmlns:r="http://schemas.openxmlformats.org/officeDocument/2006/relationships" xmlns:p="http://schemas.openxmlformats.org/presentationml/2006/main">
+  <p:cSld>
+    <p:bg>
+      <p:bgPr>
+        <a:gradFill rotWithShape="1">
+          <a:gsLst>
+            <a:gs pos="0">
+              <a:schemeClr val="bg2">
+                <a:tint val="94000"/>
+                <a:satMod val="80000"/>
+                <a:lumMod val="106000"/>
+              </a:schemeClr>
+            </a:gs>
+            <a:gs pos="100000">
+              <a:schemeClr val="bg2">
+                <a:shade val="80000"/>
+              </a:schemeClr>
+            </a:gs>
+          </a:gsLst>
+          <a:path path="circle">
+            <a:fillToRect l="43000" r="43000" b="100000"/>
+          </a:path>
+        </a:gradFill>
+        <a:effectLst/>
+      </p:bgPr>
+    </p:bg>
+    <p:spTree>
+      <p:nvGrpSpPr>
+        <p:cNvPr id="1" name="">
+          <a:extLst>
+            <a:ext uri="{FF2B5EF4-FFF2-40B4-BE49-F238E27FC236}">
+              <a16:creationId xmlns:a16="http://schemas.microsoft.com/office/drawing/2014/main" id="{858935CB-D8CC-9A84-30F3-B0D758A7C536}"/>
+            </a:ext>
+          </a:extLst>
+        </p:cNvPr>
+        <p:cNvGrpSpPr/>
+        <p:nvPr/>
+      </p:nvGrpSpPr>
+      <p:grpSpPr>
+        <a:xfrm>
+          <a:off x="0" y="0"/>
+          <a:ext cx="0" cy="0"/>
+          <a:chOff x="0" y="0"/>
+          <a:chExt cx="0" cy="0"/>
+        </a:xfrm>
+      </p:grpSpPr>
+      <p:sp>
+        <p:nvSpPr>
+          <p:cNvPr id="17" name="Rectangle 16">
+            <a:extLst>
+              <a:ext uri="{FF2B5EF4-FFF2-40B4-BE49-F238E27FC236}">
+                <a16:creationId xmlns:a16="http://schemas.microsoft.com/office/drawing/2014/main" id="{0CABCAE3-64FC-4149-819F-2C1812824154}"/>
+              </a:ext>
+              <a:ext uri="{C183D7F6-B498-43B3-948B-1728B52AA6E4}">
+                <adec:decorative xmlns:adec="http://schemas.microsoft.com/office/drawing/2017/decorative" val="1"/>
+              </a:ext>
+            </a:extLst>
+          </p:cNvPr>
+          <p:cNvSpPr>
+            <a:spLocks noGrp="1" noRot="1" noChangeAspect="1" noMove="1" noResize="1" noEditPoints="1" noAdjustHandles="1" noChangeArrowheads="1" noChangeShapeType="1" noTextEdit="1"/>
+          </p:cNvSpPr>
+          <p:nvPr>
+            <p:extLst>
+              <p:ext uri="{386F3935-93C4-4BCD-93E2-E3B085C9AB24}">
+                <p16:designElem xmlns:p16="http://schemas.microsoft.com/office/powerpoint/2015/main" val="1"/>
+              </p:ext>
+            </p:extLst>
+          </p:nvPr>
+        </p:nvSpPr>
+        <p:spPr>
+          <a:xfrm>
+            <a:off x="0" y="2019476"/>
+            <a:ext cx="12192000" cy="4105941"/>
+          </a:xfrm>
+          <a:prstGeom prst="rect">
+            <a:avLst/>
+          </a:prstGeom>
+          <a:gradFill flip="none" rotWithShape="1">
+            <a:gsLst>
+              <a:gs pos="0">
+                <a:schemeClr val="bg2">
+                  <a:alpha val="0"/>
+                </a:schemeClr>
+              </a:gs>
+              <a:gs pos="100000">
+                <a:schemeClr val="bg2"/>
+              </a:gs>
+            </a:gsLst>
+            <a:lin ang="5400000" scaled="0"/>
+            <a:tileRect/>
+          </a:gradFill>
+          <a:ln>
+            <a:noFill/>
+          </a:ln>
+        </p:spPr>
+        <p:style>
+          <a:lnRef idx="2">
+            <a:schemeClr val="accent1">
+              <a:shade val="50000"/>
+            </a:schemeClr>
+          </a:lnRef>
+          <a:fillRef idx="1">
+            <a:schemeClr val="accent1"/>
+          </a:fillRef>
+          <a:effectRef idx="0">
+            <a:schemeClr val="accent1"/>
+          </a:effectRef>
+          <a:fontRef idx="minor">
+            <a:schemeClr val="lt1"/>
+          </a:fontRef>
+        </p:style>
+      </p:sp>
+      <p:pic>
+        <p:nvPicPr>
+          <p:cNvPr id="19" name="Picture 18">
+            <a:extLst>
+              <a:ext uri="{FF2B5EF4-FFF2-40B4-BE49-F238E27FC236}">
+                <a16:creationId xmlns:a16="http://schemas.microsoft.com/office/drawing/2014/main" id="{012FDCFE-9AD2-4D8A-8CBF-B3AA37EBF6DD}"/>
+              </a:ext>
+              <a:ext uri="{C183D7F6-B498-43B3-948B-1728B52AA6E4}">
+                <adec:decorative xmlns:adec="http://schemas.microsoft.com/office/drawing/2017/decorative" val="1"/>
+              </a:ext>
+            </a:extLst>
+          </p:cNvPr>
+          <p:cNvPicPr>
+            <a:picLocks noGrp="1" noRot="1" noChangeAspect="1" noMove="1" noResize="1" noEditPoints="1" noAdjustHandles="1" noChangeArrowheads="1" noChangeShapeType="1" noCrop="1"/>
+          </p:cNvPicPr>
+          <p:nvPr>
+            <p:extLst>
+              <p:ext uri="{386F3935-93C4-4BCD-93E2-E3B085C9AB24}">
+                <p16:designElem xmlns:p16="http://schemas.microsoft.com/office/powerpoint/2015/main" val="1"/>
+              </p:ext>
+            </p:extLst>
+          </p:nvPr>
+        </p:nvPicPr>
+        <p:blipFill rotWithShape="1">
+          <a:blip r:embed="rId3">
+            <a:extLst>
+              <a:ext uri="{28A0092B-C50C-407E-A947-70E740481C1C}">
+                <a14:useLocalDpi xmlns:a14="http://schemas.microsoft.com/office/drawing/2010/main" val="0"/>
+              </a:ext>
+            </a:extLst>
+          </a:blip>
+          <a:srcRect t="1538" b="-1538"/>
+          <a:stretch/>
+        </p:blipFill>
+        <p:spPr bwMode="black">
+          <a:xfrm>
+            <a:off x="0" y="6126480"/>
+            <a:ext cx="12192000" cy="742950"/>
+          </a:xfrm>
+          <a:prstGeom prst="rect">
+            <a:avLst/>
+          </a:prstGeom>
+        </p:spPr>
+      </p:pic>
+      <p:cxnSp>
+        <p:nvCxnSpPr>
+          <p:cNvPr id="21" name="Straight Connector 20">
+            <a:extLst>
+              <a:ext uri="{FF2B5EF4-FFF2-40B4-BE49-F238E27FC236}">
+                <a16:creationId xmlns:a16="http://schemas.microsoft.com/office/drawing/2014/main" id="{FBD463FC-4CA8-4FF4-85A3-AF9F4B98D210}"/>
+              </a:ext>
+              <a:ext uri="{C183D7F6-B498-43B3-948B-1728B52AA6E4}">
+                <adec:decorative xmlns:adec="http://schemas.microsoft.com/office/drawing/2017/decorative" val="1"/>
+              </a:ext>
+            </a:extLst>
+          </p:cNvPr>
+          <p:cNvCxnSpPr>
+            <a:cxnSpLocks noGrp="1" noRot="1" noChangeAspect="1" noMove="1" noResize="1" noEditPoints="1" noAdjustHandles="1" noChangeArrowheads="1" noChangeShapeType="1"/>
+          </p:cNvCxnSpPr>
+          <p:nvPr>
+            <p:extLst>
+              <p:ext uri="{386F3935-93C4-4BCD-93E2-E3B085C9AB24}">
+                <p16:designElem xmlns:p16="http://schemas.microsoft.com/office/powerpoint/2015/main" val="1"/>
+              </p:ext>
+            </p:extLst>
+          </p:nvPr>
+        </p:nvCxnSpPr>
+        <p:spPr>
+          <a:xfrm>
+            <a:off x="0" y="6128413"/>
+            <a:ext cx="12192000" cy="0"/>
+          </a:xfrm>
+          <a:prstGeom prst="line">
+            <a:avLst/>
+          </a:prstGeom>
+          <a:ln w="12700">
+            <a:solidFill>
+              <a:srgbClr val="000001">
+                <a:alpha val="20000"/>
+              </a:srgbClr>
+            </a:solidFill>
+          </a:ln>
+        </p:spPr>
+        <p:style>
+          <a:lnRef idx="1">
+            <a:schemeClr val="accent1"/>
+          </a:lnRef>
+          <a:fillRef idx="0">
+            <a:schemeClr val="accent1"/>
+          </a:fillRef>
+          <a:effectRef idx="0">
+            <a:schemeClr val="accent1"/>
+          </a:effectRef>
+          <a:fontRef idx="minor">
+            <a:schemeClr val="tx1"/>
+          </a:fontRef>
+        </p:style>
+      </p:cxnSp>
+      <p:cxnSp>
+        <p:nvCxnSpPr>
+          <p:cNvPr id="23" name="Straight Connector 22">
+            <a:extLst>
+              <a:ext uri="{FF2B5EF4-FFF2-40B4-BE49-F238E27FC236}">
+                <a16:creationId xmlns:a16="http://schemas.microsoft.com/office/drawing/2014/main" id="{BECF35C3-8B44-4F4B-BD25-4C01823DB22A}"/>
+              </a:ext>
+              <a:ext uri="{C183D7F6-B498-43B3-948B-1728B52AA6E4}">
+                <adec:decorative xmlns:adec="http://schemas.microsoft.com/office/drawing/2017/decorative" val="1"/>
+              </a:ext>
+            </a:extLst>
+          </p:cNvPr>
+          <p:cNvCxnSpPr>
+            <a:cxnSpLocks noGrp="1" noRot="1" noChangeAspect="1" noMove="1" noResize="1" noEditPoints="1" noAdjustHandles="1" noChangeArrowheads="1" noChangeShapeType="1"/>
+          </p:cNvCxnSpPr>
+          <p:nvPr>
+            <p:extLst>
+              <p:ext uri="{386F3935-93C4-4BCD-93E2-E3B085C9AB24}">
+                <p16:designElem xmlns:p16="http://schemas.microsoft.com/office/powerpoint/2015/main" val="1"/>
+              </p:ext>
+            </p:extLst>
+          </p:nvPr>
+        </p:nvCxnSpPr>
+        <p:spPr>
+          <a:xfrm>
+            <a:off x="2417780" y="3528542"/>
+            <a:ext cx="8637072" cy="0"/>
+          </a:xfrm>
+          <a:prstGeom prst="line">
+            <a:avLst/>
+          </a:prstGeom>
+          <a:ln w="31750"/>
+        </p:spPr>
+        <p:style>
+          <a:lnRef idx="3">
+            <a:schemeClr val="accent1"/>
+          </a:lnRef>
+          <a:fillRef idx="0">
+            <a:schemeClr val="accent1"/>
+          </a:fillRef>
+          <a:effectRef idx="2">
+            <a:schemeClr val="accent1"/>
+          </a:effectRef>
+          <a:fontRef idx="minor">
+            <a:schemeClr val="tx1"/>
+          </a:fontRef>
+        </p:style>
+      </p:cxnSp>
+      <p:sp useBgFill="1">
+        <p:nvSpPr>
+          <p:cNvPr id="25" name="Rectangle 24">
+            <a:extLst>
+              <a:ext uri="{FF2B5EF4-FFF2-40B4-BE49-F238E27FC236}">
+                <a16:creationId xmlns:a16="http://schemas.microsoft.com/office/drawing/2014/main" id="{2FA7AD0A-1871-4DF8-9235-F49D0513B9C1}"/>
+              </a:ext>
+              <a:ext uri="{C183D7F6-B498-43B3-948B-1728B52AA6E4}">
+                <adec:decorative xmlns:adec="http://schemas.microsoft.com/office/drawing/2017/decorative" val="1"/>
+              </a:ext>
+            </a:extLst>
+          </p:cNvPr>
+          <p:cNvSpPr>
+            <a:spLocks noGrp="1" noRot="1" noChangeAspect="1" noMove="1" noResize="1" noEditPoints="1" noAdjustHandles="1" noChangeArrowheads="1" noChangeShapeType="1" noTextEdit="1"/>
+          </p:cNvSpPr>
+          <p:nvPr>
+            <p:extLst>
+              <p:ext uri="{386F3935-93C4-4BCD-93E2-E3B085C9AB24}">
+                <p16:designElem xmlns:p16="http://schemas.microsoft.com/office/powerpoint/2015/main" val="1"/>
+              </p:ext>
+            </p:extLst>
+          </p:nvPr>
+        </p:nvSpPr>
+        <p:spPr>
+          <a:xfrm>
+            <a:off x="2" y="0"/>
+            <a:ext cx="12191695" cy="6858000"/>
+          </a:xfrm>
+          <a:prstGeom prst="rect">
+            <a:avLst/>
+          </a:prstGeom>
+          <a:ln>
+            <a:noFill/>
+          </a:ln>
+        </p:spPr>
+        <p:style>
+          <a:lnRef idx="2">
+            <a:schemeClr val="accent1">
+              <a:shade val="50000"/>
+            </a:schemeClr>
+          </a:lnRef>
+          <a:fillRef idx="1">
+            <a:schemeClr val="accent1"/>
+          </a:fillRef>
+          <a:effectRef idx="0">
+            <a:schemeClr val="accent1"/>
+          </a:effectRef>
+          <a:fontRef idx="minor">
+            <a:schemeClr val="lt1"/>
+          </a:fontRef>
+        </p:style>
+        <p:txBody>
+          <a:bodyPr rtlCol="0" anchor="ctr"/>
+          <a:lstStyle/>
+          <a:p>
+            <a:pPr algn="ctr"/>
+            <a:endParaRPr lang="en-US"/>
+          </a:p>
+        </p:txBody>
+      </p:sp>
+      <p:sp>
+        <p:nvSpPr>
+          <p:cNvPr id="27" name="Rectangle 26">
+            <a:extLst>
+              <a:ext uri="{FF2B5EF4-FFF2-40B4-BE49-F238E27FC236}">
+                <a16:creationId xmlns:a16="http://schemas.microsoft.com/office/drawing/2014/main" id="{36B04CFB-FAE5-47DD-9B3E-4E9BA7A89CC1}"/>
+              </a:ext>
+              <a:ext uri="{C183D7F6-B498-43B3-948B-1728B52AA6E4}">
+                <adec:decorative xmlns:adec="http://schemas.microsoft.com/office/drawing/2017/decorative" val="1"/>
+              </a:ext>
+            </a:extLst>
+          </p:cNvPr>
+          <p:cNvSpPr>
+            <a:spLocks noGrp="1" noRot="1" noChangeAspect="1" noMove="1" noResize="1" noEditPoints="1" noAdjustHandles="1" noChangeArrowheads="1" noChangeShapeType="1" noTextEdit="1"/>
+          </p:cNvSpPr>
+          <p:nvPr>
+            <p:extLst>
+              <p:ext uri="{386F3935-93C4-4BCD-93E2-E3B085C9AB24}">
+                <p16:designElem xmlns:p16="http://schemas.microsoft.com/office/powerpoint/2015/main" val="1"/>
+              </p:ext>
+            </p:extLst>
+          </p:nvPr>
+        </p:nvSpPr>
+        <p:spPr>
+          <a:xfrm>
+            <a:off x="0" y="2019476"/>
+            <a:ext cx="12192000" cy="4105941"/>
+          </a:xfrm>
+          <a:prstGeom prst="rect">
+            <a:avLst/>
+          </a:prstGeom>
+          <a:gradFill flip="none" rotWithShape="1">
+            <a:gsLst>
+              <a:gs pos="0">
+                <a:schemeClr val="bg2">
+                  <a:alpha val="0"/>
+                </a:schemeClr>
+              </a:gs>
+              <a:gs pos="100000">
+                <a:schemeClr val="bg2"/>
+              </a:gs>
+            </a:gsLst>
+            <a:lin ang="5400000" scaled="0"/>
+            <a:tileRect/>
+          </a:gradFill>
+          <a:ln>
+            <a:noFill/>
+          </a:ln>
+        </p:spPr>
+        <p:style>
+          <a:lnRef idx="2">
+            <a:schemeClr val="accent1">
+              <a:shade val="50000"/>
+            </a:schemeClr>
+          </a:lnRef>
+          <a:fillRef idx="1">
+            <a:schemeClr val="accent1"/>
+          </a:fillRef>
+          <a:effectRef idx="0">
+            <a:schemeClr val="accent1"/>
+          </a:effectRef>
+          <a:fontRef idx="minor">
+            <a:schemeClr val="lt1"/>
+          </a:fontRef>
+        </p:style>
+        <p:txBody>
+          <a:bodyPr rtlCol="0" anchor="ctr"/>
+          <a:lstStyle/>
+          <a:p>
+            <a:pPr lvl="0" algn="ctr"/>
+            <a:endParaRPr lang="en-US"/>
+          </a:p>
+        </p:txBody>
+      </p:sp>
+      <p:sp>
+        <p:nvSpPr>
+          <p:cNvPr id="2" name="Title 1">
+            <a:extLst>
+              <a:ext uri="{FF2B5EF4-FFF2-40B4-BE49-F238E27FC236}">
+                <a16:creationId xmlns:a16="http://schemas.microsoft.com/office/drawing/2014/main" id="{42F7182D-5B60-00C9-8570-09796574FBBA}"/>
+              </a:ext>
+            </a:extLst>
+          </p:cNvPr>
+          <p:cNvSpPr>
+            <a:spLocks noGrp="1"/>
+          </p:cNvSpPr>
+          <p:nvPr>
+            <p:ph type="title"/>
+          </p:nvPr>
+        </p:nvSpPr>
+        <p:spPr>
+          <a:xfrm>
+            <a:off x="659301" y="1474969"/>
+            <a:ext cx="2823919" cy="1868760"/>
+          </a:xfrm>
+          <a:prstGeom prst="ellipse">
+            <a:avLst/>
+          </a:prstGeom>
+        </p:spPr>
+        <p:txBody>
+          <a:bodyPr vert="horz" lIns="91440" tIns="45720" rIns="91440" bIns="0" rtlCol="0" anchor="b">
+            <a:normAutofit/>
+          </a:bodyPr>
+          <a:lstStyle/>
+          <a:p>
+            <a:r>
+              <a:rPr lang="en-US" sz="3100"/>
+              <a:t>FRBR-LRM WEMI</a:t>
+            </a:r>
+          </a:p>
+        </p:txBody>
+      </p:sp>
+      <p:cxnSp>
+        <p:nvCxnSpPr>
+          <p:cNvPr id="29" name="Straight Connector 28">
+            <a:extLst>
+              <a:ext uri="{FF2B5EF4-FFF2-40B4-BE49-F238E27FC236}">
+                <a16:creationId xmlns:a16="http://schemas.microsoft.com/office/drawing/2014/main" id="{EE68D41B-9286-479F-9AB7-678C8E348D71}"/>
+              </a:ext>
+              <a:ext uri="{C183D7F6-B498-43B3-948B-1728B52AA6E4}">
+                <adec:decorative xmlns:adec="http://schemas.microsoft.com/office/drawing/2017/decorative" val="1"/>
+              </a:ext>
+            </a:extLst>
+          </p:cNvPr>
+          <p:cNvCxnSpPr>
+            <a:cxnSpLocks noGrp="1" noRot="1" noChangeAspect="1" noMove="1" noResize="1" noEditPoints="1" noAdjustHandles="1" noChangeArrowheads="1" noChangeShapeType="1"/>
+          </p:cNvCxnSpPr>
+          <p:nvPr>
+            <p:extLst>
+              <p:ext uri="{386F3935-93C4-4BCD-93E2-E3B085C9AB24}">
+                <p16:designElem xmlns:p16="http://schemas.microsoft.com/office/powerpoint/2015/main" val="1"/>
+              </p:ext>
+            </p:extLst>
+          </p:nvPr>
+        </p:nvCxnSpPr>
+        <p:spPr>
+          <a:xfrm>
+            <a:off x="659301" y="3528543"/>
+            <a:ext cx="2823919" cy="0"/>
+          </a:xfrm>
+          <a:prstGeom prst="line">
+            <a:avLst/>
+          </a:prstGeom>
+          <a:ln w="31750"/>
+        </p:spPr>
+        <p:style>
+          <a:lnRef idx="3">
+            <a:schemeClr val="accent1"/>
+          </a:lnRef>
+          <a:fillRef idx="0">
+            <a:schemeClr val="accent1"/>
+          </a:fillRef>
+          <a:effectRef idx="2">
+            <a:schemeClr val="accent1"/>
+          </a:effectRef>
+          <a:fontRef idx="minor">
+            <a:schemeClr val="tx1"/>
+          </a:fontRef>
+        </p:style>
+      </p:cxnSp>
+      <p:grpSp>
+        <p:nvGrpSpPr>
+          <p:cNvPr id="31" name="Group 30">
+            <a:extLst>
+              <a:ext uri="{FF2B5EF4-FFF2-40B4-BE49-F238E27FC236}">
+                <a16:creationId xmlns:a16="http://schemas.microsoft.com/office/drawing/2014/main" id="{E8ACF89C-CFC3-4D68-B3C4-2BEFB7BBE5F7}"/>
+              </a:ext>
+              <a:ext uri="{C183D7F6-B498-43B3-948B-1728B52AA6E4}">
+                <adec:decorative xmlns:adec="http://schemas.microsoft.com/office/drawing/2017/decorative" val="1"/>
+              </a:ext>
+            </a:extLst>
+          </p:cNvPr>
+          <p:cNvGrpSpPr>
+            <a:grpSpLocks noGrp="1" noUngrp="1" noRot="1" noChangeAspect="1" noMove="1" noResize="1"/>
+          </p:cNvGrpSpPr>
+          <p:nvPr>
+            <p:extLst>
+              <p:ext uri="{386F3935-93C4-4BCD-93E2-E3B085C9AB24}">
+                <p16:designElem xmlns:p16="http://schemas.microsoft.com/office/powerpoint/2015/main" val="1"/>
+              </p:ext>
+            </p:extLst>
+          </p:nvPr>
+        </p:nvGrpSpPr>
+        <p:grpSpPr>
+          <a:xfrm>
+            <a:off x="3979389" y="482171"/>
+            <a:ext cx="7560115" cy="5149101"/>
+            <a:chOff x="3979389" y="482171"/>
+            <a:chExt cx="7560115" cy="5149101"/>
+          </a:xfrm>
+        </p:grpSpPr>
+        <p:sp>
+          <p:nvSpPr>
+            <p:cNvPr id="32" name="Rectangle 31">
+              <a:extLst>
+                <a:ext uri="{FF2B5EF4-FFF2-40B4-BE49-F238E27FC236}">
+                  <a16:creationId xmlns:a16="http://schemas.microsoft.com/office/drawing/2014/main" id="{3B770B7D-3C5C-4682-8DF0-20783592F3B6}"/>
+                </a:ext>
+                <a:ext uri="{C183D7F6-B498-43B3-948B-1728B52AA6E4}">
+                  <adec:decorative xmlns:adec="http://schemas.microsoft.com/office/drawing/2017/decorative" val="1"/>
+                </a:ext>
+              </a:extLst>
+            </p:cNvPr>
+            <p:cNvSpPr/>
+            <p:nvPr>
+              <p:extLst>
+                <p:ext uri="{386F3935-93C4-4BCD-93E2-E3B085C9AB24}">
+                  <p16:designElem xmlns:p16="http://schemas.microsoft.com/office/powerpoint/2015/main" val="1"/>
+                </p:ext>
+              </p:extLst>
+            </p:nvPr>
+          </p:nvSpPr>
+          <p:spPr>
+            <a:xfrm>
+              <a:off x="3979389" y="482171"/>
+              <a:ext cx="7560115" cy="5149101"/>
+            </a:xfrm>
+            <a:prstGeom prst="rect">
+              <a:avLst/>
+            </a:prstGeom>
+            <a:gradFill>
+              <a:gsLst>
+                <a:gs pos="0">
+                  <a:srgbClr val="000001"/>
+                </a:gs>
+                <a:gs pos="100000">
+                  <a:srgbClr val="191919"/>
+                </a:gs>
+              </a:gsLst>
+            </a:gradFill>
+            <a:ln w="76200" cmpd="sng">
+              <a:noFill/>
+              <a:miter lim="800000"/>
+            </a:ln>
+            <a:effectLst>
+              <a:outerShdw blurRad="127000" dist="228600" dir="4740000" sx="98000" sy="98000" algn="tl" rotWithShape="0">
+                <a:srgbClr val="000000">
+                  <a:alpha val="34000"/>
+                </a:srgbClr>
+              </a:outerShdw>
+            </a:effectLst>
+            <a:scene3d>
+              <a:camera prst="orthographicFront"/>
+              <a:lightRig rig="threePt" dir="t"/>
+            </a:scene3d>
+            <a:sp3d>
+              <a:bevelT w="152400" h="50800" prst="softRound"/>
+            </a:sp3d>
+          </p:spPr>
+          <p:style>
+            <a:lnRef idx="1">
+              <a:schemeClr val="accent1"/>
+            </a:lnRef>
+            <a:fillRef idx="3">
+              <a:schemeClr val="accent1"/>
+            </a:fillRef>
+            <a:effectRef idx="2">
+              <a:schemeClr val="accent1"/>
+            </a:effectRef>
+            <a:fontRef idx="minor">
+              <a:schemeClr val="lt1"/>
+            </a:fontRef>
+          </p:style>
+          <p:txBody>
+            <a:bodyPr rtlCol="0" anchor="ctr"/>
+            <a:lstStyle/>
+            <a:p>
+              <a:pPr algn="ctr"/>
+              <a:endParaRPr lang="en-US"/>
+            </a:p>
+          </p:txBody>
+        </p:sp>
+        <p:sp>
+          <p:nvSpPr>
+            <p:cNvPr id="33" name="Rectangle 32">
+              <a:extLst>
+                <a:ext uri="{FF2B5EF4-FFF2-40B4-BE49-F238E27FC236}">
+                  <a16:creationId xmlns:a16="http://schemas.microsoft.com/office/drawing/2014/main" id="{A6893E11-7EC1-4EB6-A2A8-0B693F8FE576}"/>
+                </a:ext>
+                <a:ext uri="{C183D7F6-B498-43B3-948B-1728B52AA6E4}">
+                  <adec:decorative xmlns:adec="http://schemas.microsoft.com/office/drawing/2017/decorative" val="1"/>
+                </a:ext>
+              </a:extLst>
+            </p:cNvPr>
+            <p:cNvSpPr/>
+            <p:nvPr>
+              <p:extLst>
+                <p:ext uri="{386F3935-93C4-4BCD-93E2-E3B085C9AB24}">
+                  <p16:designElem xmlns:p16="http://schemas.microsoft.com/office/powerpoint/2015/main" val="1"/>
+                </p:ext>
+              </p:extLst>
+            </p:nvPr>
+          </p:nvSpPr>
+          <p:spPr>
+            <a:xfrm>
+              <a:off x="4292448" y="812507"/>
+              <a:ext cx="6928279" cy="4466452"/>
+            </a:xfrm>
+            <a:prstGeom prst="rect">
+              <a:avLst/>
+            </a:prstGeom>
+            <a:gradFill>
+              <a:gsLst>
+                <a:gs pos="0">
+                  <a:srgbClr val="DADADA"/>
+                </a:gs>
+                <a:gs pos="100000">
+                  <a:srgbClr val="FFFFFE"/>
+                </a:gs>
+              </a:gsLst>
+              <a:lin ang="16200000" scaled="0"/>
+            </a:gradFill>
+            <a:ln w="50800" cmpd="sng">
+              <a:solidFill>
+                <a:srgbClr val="191919"/>
+              </a:solidFill>
+              <a:miter lim="800000"/>
+            </a:ln>
+            <a:effectLst>
+              <a:innerShdw blurRad="63500" dist="88900" dir="14100000">
+                <a:srgbClr val="000000">
+                  <a:alpha val="30000"/>
+                </a:srgbClr>
+              </a:innerShdw>
+            </a:effectLst>
+            <a:scene3d>
+              <a:camera prst="orthographicFront"/>
+              <a:lightRig rig="threePt" dir="t"/>
+            </a:scene3d>
+            <a:sp3d>
+              <a:bevelT prst="relaxedInset"/>
+            </a:sp3d>
+          </p:spPr>
+          <p:style>
+            <a:lnRef idx="1">
+              <a:schemeClr val="accent1"/>
+            </a:lnRef>
+            <a:fillRef idx="3">
+              <a:schemeClr val="accent1"/>
+            </a:fillRef>
+            <a:effectRef idx="2">
+              <a:schemeClr val="accent1"/>
+            </a:effectRef>
+            <a:fontRef idx="minor">
+              <a:schemeClr val="lt1"/>
+            </a:fontRef>
+          </p:style>
+          <p:txBody>
+            <a:bodyPr rtlCol="0" anchor="ctr"/>
+            <a:lstStyle/>
+            <a:p>
+              <a:pPr algn="ctr"/>
+              <a:endParaRPr lang="en-US"/>
+            </a:p>
+          </p:txBody>
+        </p:sp>
+      </p:grpSp>
+      <p:sp>
+        <p:nvSpPr>
+          <p:cNvPr id="35" name="Rectangle 34">
+            <a:extLst>
+              <a:ext uri="{FF2B5EF4-FFF2-40B4-BE49-F238E27FC236}">
+                <a16:creationId xmlns:a16="http://schemas.microsoft.com/office/drawing/2014/main" id="{622F7FD7-8884-4FD5-95AB-0B5C6033ADF7}"/>
+              </a:ext>
+              <a:ext uri="{C183D7F6-B498-43B3-948B-1728B52AA6E4}">
+                <adec:decorative xmlns:adec="http://schemas.microsoft.com/office/drawing/2017/decorative" val="1"/>
+              </a:ext>
+            </a:extLst>
+          </p:cNvPr>
+          <p:cNvSpPr>
+            <a:spLocks noGrp="1" noRot="1" noChangeAspect="1" noMove="1" noResize="1" noEditPoints="1" noAdjustHandles="1" noChangeArrowheads="1" noChangeShapeType="1" noTextEdit="1"/>
+          </p:cNvSpPr>
+          <p:nvPr>
+            <p:extLst>
+              <p:ext uri="{386F3935-93C4-4BCD-93E2-E3B085C9AB24}">
+                <p16:designElem xmlns:p16="http://schemas.microsoft.com/office/powerpoint/2015/main" val="1"/>
+              </p:ext>
+            </p:extLst>
+          </p:nvPr>
+        </p:nvSpPr>
+        <p:spPr>
+          <a:xfrm>
+            <a:off x="4455487" y="977965"/>
+            <a:ext cx="6615582" cy="4135339"/>
+          </a:xfrm>
+          <a:prstGeom prst="rect">
+            <a:avLst/>
+          </a:prstGeom>
+          <a:solidFill>
+            <a:schemeClr val="bg1"/>
+          </a:solidFill>
+          <a:ln w="6350">
+            <a:solidFill>
+              <a:schemeClr val="bg2"/>
+            </a:solidFill>
+          </a:ln>
+        </p:spPr>
+        <p:style>
+          <a:lnRef idx="2">
+            <a:schemeClr val="accent1">
+              <a:shade val="50000"/>
+            </a:schemeClr>
+          </a:lnRef>
+          <a:fillRef idx="1">
+            <a:schemeClr val="accent1"/>
+          </a:fillRef>
+          <a:effectRef idx="0">
+            <a:schemeClr val="accent1"/>
+          </a:effectRef>
+          <a:fontRef idx="minor">
+            <a:schemeClr val="lt1"/>
+          </a:fontRef>
+        </p:style>
+        <p:txBody>
+          <a:bodyPr rtlCol="0" anchor="ctr"/>
+          <a:lstStyle/>
+          <a:p>
+            <a:pPr algn="ctr"/>
+            <a:endParaRPr lang="en-US"/>
+          </a:p>
+        </p:txBody>
+      </p:sp>
+      <p:pic>
+        <p:nvPicPr>
+          <p:cNvPr id="5" name="Content Placeholder 4" descr="A picture containing screenshot&#10;&#10;Description automatically generated">
+            <a:extLst>
+              <a:ext uri="{FF2B5EF4-FFF2-40B4-BE49-F238E27FC236}">
+                <a16:creationId xmlns:a16="http://schemas.microsoft.com/office/drawing/2014/main" id="{13675691-37A5-67D7-80A3-7CEC1CBE22BF}"/>
+              </a:ext>
+            </a:extLst>
+          </p:cNvPr>
+          <p:cNvPicPr>
+            <a:picLocks noGrp="1" noChangeAspect="1"/>
+          </p:cNvPicPr>
+          <p:nvPr>
+            <p:ph idx="1"/>
+          </p:nvPr>
+        </p:nvPicPr>
+        <p:blipFill>
+          <a:blip r:embed="rId4"/>
+          <a:stretch>
+            <a:fillRect/>
+          </a:stretch>
+        </p:blipFill>
+        <p:spPr>
+          <a:xfrm>
+            <a:off x="4618374" y="1148848"/>
+            <a:ext cx="6282919" cy="3801166"/>
+          </a:xfrm>
+          <a:prstGeom prst="rect">
+            <a:avLst/>
+          </a:prstGeom>
+        </p:spPr>
+      </p:pic>
+      <p:pic>
+        <p:nvPicPr>
+          <p:cNvPr id="37" name="Picture 36">
+            <a:extLst>
+              <a:ext uri="{FF2B5EF4-FFF2-40B4-BE49-F238E27FC236}">
+                <a16:creationId xmlns:a16="http://schemas.microsoft.com/office/drawing/2014/main" id="{16EFE474-4FE0-4E8F-8F09-5ED2C9E76A84}"/>
+              </a:ext>
+              <a:ext uri="{C183D7F6-B498-43B3-948B-1728B52AA6E4}">
+                <adec:decorative xmlns:adec="http://schemas.microsoft.com/office/drawing/2017/decorative" val="1"/>
+              </a:ext>
+            </a:extLst>
+          </p:cNvPr>
+          <p:cNvPicPr>
+            <a:picLocks noGrp="1" noRot="1" noChangeAspect="1" noMove="1" noResize="1" noEditPoints="1" noAdjustHandles="1" noChangeArrowheads="1" noChangeShapeType="1" noCrop="1"/>
+          </p:cNvPicPr>
+          <p:nvPr>
+            <p:extLst>
+              <p:ext uri="{386F3935-93C4-4BCD-93E2-E3B085C9AB24}">
+                <p16:designElem xmlns:p16="http://schemas.microsoft.com/office/powerpoint/2015/main" val="1"/>
+              </p:ext>
+            </p:extLst>
+          </p:nvPr>
+        </p:nvPicPr>
+        <p:blipFill rotWithShape="1">
+          <a:blip r:embed="rId3">
+            <a:extLst>
+              <a:ext uri="{28A0092B-C50C-407E-A947-70E740481C1C}">
+                <a14:useLocalDpi xmlns:a14="http://schemas.microsoft.com/office/drawing/2010/main" val="0"/>
+              </a:ext>
+            </a:extLst>
+          </a:blip>
+          <a:srcRect t="1538" b="-1538"/>
+          <a:stretch/>
+        </p:blipFill>
+        <p:spPr bwMode="black">
+          <a:xfrm>
+            <a:off x="0" y="6126480"/>
+            <a:ext cx="12192000" cy="742950"/>
+          </a:xfrm>
+          <a:prstGeom prst="rect">
+            <a:avLst/>
+          </a:prstGeom>
+        </p:spPr>
+      </p:pic>
+      <p:cxnSp>
+        <p:nvCxnSpPr>
+          <p:cNvPr id="39" name="Straight Connector 38">
+            <a:extLst>
+              <a:ext uri="{FF2B5EF4-FFF2-40B4-BE49-F238E27FC236}">
+                <a16:creationId xmlns:a16="http://schemas.microsoft.com/office/drawing/2014/main" id="{CF8B8C81-54DC-4AF5-B682-3A2C70A6B55C}"/>
+              </a:ext>
+              <a:ext uri="{C183D7F6-B498-43B3-948B-1728B52AA6E4}">
+                <adec:decorative xmlns:adec="http://schemas.microsoft.com/office/drawing/2017/decorative" val="1"/>
+              </a:ext>
+            </a:extLst>
+          </p:cNvPr>
+          <p:cNvCxnSpPr>
+            <a:cxnSpLocks noGrp="1" noRot="1" noChangeAspect="1" noMove="1" noResize="1" noEditPoints="1" noAdjustHandles="1" noChangeArrowheads="1" noChangeShapeType="1"/>
+          </p:cNvCxnSpPr>
+          <p:nvPr>
+            <p:extLst>
+              <p:ext uri="{386F3935-93C4-4BCD-93E2-E3B085C9AB24}">
+                <p16:designElem xmlns:p16="http://schemas.microsoft.com/office/powerpoint/2015/main" val="1"/>
+              </p:ext>
+            </p:extLst>
+          </p:nvPr>
+        </p:nvCxnSpPr>
+        <p:spPr>
+          <a:xfrm>
+            <a:off x="0" y="6128413"/>
+            <a:ext cx="12192000" cy="0"/>
+          </a:xfrm>
+          <a:prstGeom prst="line">
+            <a:avLst/>
+          </a:prstGeom>
+          <a:ln w="12700">
+            <a:solidFill>
+              <a:srgbClr val="000001">
+                <a:alpha val="20000"/>
+              </a:srgbClr>
+            </a:solidFill>
+          </a:ln>
+        </p:spPr>
+        <p:style>
+          <a:lnRef idx="1">
+            <a:schemeClr val="accent1"/>
+          </a:lnRef>
+          <a:fillRef idx="0">
+            <a:schemeClr val="accent1"/>
+          </a:fillRef>
+          <a:effectRef idx="0">
+            <a:schemeClr val="accent1"/>
+          </a:effectRef>
+          <a:fontRef idx="minor">
+            <a:schemeClr val="tx1"/>
+          </a:fontRef>
+        </p:style>
+      </p:cxnSp>
+    </p:spTree>
+    <p:extLst>
+      <p:ext uri="{BB962C8B-B14F-4D97-AF65-F5344CB8AC3E}">
+        <p14:creationId xmlns:p14="http://schemas.microsoft.com/office/powerpoint/2010/main" val="608343299"/>
+      </p:ext>
+    </p:extLst>
+  </p:cSld>
+  <p:clrMapOvr>
+    <a:masterClrMapping/>
+  </p:clrMapOvr>
+</p:sld>
+</file>
+
+<file path=ppt/slides/slide3.xml><?xml version="1.0" encoding="utf-8"?>
+<p:sld xmlns:a="http://schemas.openxmlformats.org/drawingml/2006/main" xmlns:r="http://schemas.openxmlformats.org/officeDocument/2006/relationships" xmlns:p="http://schemas.openxmlformats.org/presentationml/2006/main">
+  <p:cSld>
+    <p:bg>
+      <p:bgPr>
+        <a:gradFill rotWithShape="1">
+          <a:gsLst>
+            <a:gs pos="0">
+              <a:schemeClr val="bg2">
+                <a:tint val="94000"/>
+                <a:satMod val="80000"/>
+                <a:lumMod val="106000"/>
+              </a:schemeClr>
+            </a:gs>
+            <a:gs pos="100000">
+              <a:schemeClr val="bg2">
+                <a:shade val="80000"/>
+              </a:schemeClr>
+            </a:gs>
+          </a:gsLst>
+          <a:path path="circle">
+            <a:fillToRect l="43000" r="43000" b="100000"/>
+          </a:path>
+        </a:gradFill>
+        <a:effectLst/>
+      </p:bgPr>
+    </p:bg>
+    <p:spTree>
+      <p:nvGrpSpPr>
+        <p:cNvPr id="1" name="">
+          <a:extLst>
+            <a:ext uri="{FF2B5EF4-FFF2-40B4-BE49-F238E27FC236}">
+              <a16:creationId xmlns:a16="http://schemas.microsoft.com/office/drawing/2014/main" id="{005A5947-7556-48A0-6E79-FA26FDA3723C}"/>
+            </a:ext>
+          </a:extLst>
+        </p:cNvPr>
+        <p:cNvGrpSpPr/>
+        <p:nvPr/>
+      </p:nvGrpSpPr>
+      <p:grpSpPr>
+        <a:xfrm>
+          <a:off x="0" y="0"/>
+          <a:ext cx="0" cy="0"/>
+          <a:chOff x="0" y="0"/>
+          <a:chExt cx="0" cy="0"/>
+        </a:xfrm>
+      </p:grpSpPr>
+      <p:sp useBgFill="1">
+        <p:nvSpPr>
+          <p:cNvPr id="26" name="Rectangle 25">
+            <a:extLst>
+              <a:ext uri="{FF2B5EF4-FFF2-40B4-BE49-F238E27FC236}">
+                <a16:creationId xmlns:a16="http://schemas.microsoft.com/office/drawing/2014/main" id="{482E7304-2AC2-4A5C-924D-A6AC3FFC5EAC}"/>
+              </a:ext>
+              <a:ext uri="{C183D7F6-B498-43B3-948B-1728B52AA6E4}">
+                <adec:decorative xmlns:adec="http://schemas.microsoft.com/office/drawing/2017/decorative" val="1"/>
+              </a:ext>
+            </a:extLst>
+          </p:cNvPr>
+          <p:cNvSpPr>
+            <a:spLocks noGrp="1" noRot="1" noChangeAspect="1" noMove="1" noResize="1" noEditPoints="1" noAdjustHandles="1" noChangeArrowheads="1" noChangeShapeType="1" noTextEdit="1"/>
+          </p:cNvSpPr>
+          <p:nvPr>
+            <p:extLst>
+              <p:ext uri="{386F3935-93C4-4BCD-93E2-E3B085C9AB24}">
+                <p16:designElem xmlns:p16="http://schemas.microsoft.com/office/powerpoint/2015/main" val="1"/>
+              </p:ext>
+            </p:extLst>
+          </p:nvPr>
+        </p:nvSpPr>
+        <p:spPr>
+          <a:xfrm>
+            <a:off x="2" y="0"/>
+            <a:ext cx="12191695" cy="6858000"/>
+          </a:xfrm>
+          <a:prstGeom prst="rect">
+            <a:avLst/>
+          </a:prstGeom>
+          <a:ln>
+            <a:noFill/>
+          </a:ln>
+        </p:spPr>
+        <p:style>
+          <a:lnRef idx="2">
+            <a:schemeClr val="accent1">
+              <a:shade val="50000"/>
+            </a:schemeClr>
+          </a:lnRef>
+          <a:fillRef idx="1">
+            <a:schemeClr val="accent1"/>
+          </a:fillRef>
+          <a:effectRef idx="0">
+            <a:schemeClr val="accent1"/>
+          </a:effectRef>
+          <a:fontRef idx="minor">
+            <a:schemeClr val="lt1"/>
+          </a:fontRef>
+        </p:style>
+        <p:txBody>
+          <a:bodyPr rtlCol="0" anchor="ctr"/>
+          <a:lstStyle/>
+          <a:p>
+            <a:pPr algn="ctr"/>
+            <a:endParaRPr lang="en-US"/>
+          </a:p>
+        </p:txBody>
+      </p:sp>
+      <p:sp>
+        <p:nvSpPr>
+          <p:cNvPr id="2" name="Title 1">
+            <a:extLst>
+              <a:ext uri="{FF2B5EF4-FFF2-40B4-BE49-F238E27FC236}">
+                <a16:creationId xmlns:a16="http://schemas.microsoft.com/office/drawing/2014/main" id="{1FADBFA8-CB37-E663-86AD-82F7C4898407}"/>
+              </a:ext>
+            </a:extLst>
+          </p:cNvPr>
+          <p:cNvSpPr>
+            <a:spLocks noGrp="1"/>
+          </p:cNvSpPr>
+          <p:nvPr>
+            <p:ph type="title"/>
+          </p:nvPr>
+        </p:nvSpPr>
+        <p:spPr>
+          <a:xfrm>
+            <a:off x="1451579" y="804519"/>
+            <a:ext cx="9603275" cy="1049235"/>
+          </a:xfrm>
+        </p:spPr>
+        <p:txBody>
+          <a:bodyPr vert="horz" lIns="91440" tIns="45720" rIns="91440" bIns="45720" rtlCol="0">
+            <a:normAutofit/>
+          </a:bodyPr>
+          <a:lstStyle/>
+          <a:p>
+            <a:r>
+              <a:rPr lang="en-US" kern="1200" dirty="0">
+                <a:latin typeface="+mj-lt"/>
+                <a:ea typeface="+mj-ea"/>
+                <a:cs typeface="+mj-cs"/>
+              </a:rPr>
+              <a:t>The motivator: non-traditional uses of WEMI concepts</a:t>
+            </a:r>
+          </a:p>
+        </p:txBody>
+      </p:sp>
+      <p:cxnSp>
+        <p:nvCxnSpPr>
+          <p:cNvPr id="28" name="Straight Connector 27">
+            <a:extLst>
+              <a:ext uri="{FF2B5EF4-FFF2-40B4-BE49-F238E27FC236}">
+                <a16:creationId xmlns:a16="http://schemas.microsoft.com/office/drawing/2014/main" id="{D259FEF2-F6A5-442F-BA10-4E39EECD0ABE}"/>
+              </a:ext>
+              <a:ext uri="{C183D7F6-B498-43B3-948B-1728B52AA6E4}">
+                <adec:decorative xmlns:adec="http://schemas.microsoft.com/office/drawing/2017/decorative" val="1"/>
+              </a:ext>
+            </a:extLst>
+          </p:cNvPr>
+          <p:cNvCxnSpPr>
+            <a:cxnSpLocks noGrp="1" noRot="1" noChangeAspect="1" noMove="1" noResize="1" noEditPoints="1" noAdjustHandles="1" noChangeArrowheads="1" noChangeShapeType="1"/>
+          </p:cNvCxnSpPr>
+          <p:nvPr>
+            <p:extLst>
+              <p:ext uri="{386F3935-93C4-4BCD-93E2-E3B085C9AB24}">
+                <p16:designElem xmlns:p16="http://schemas.microsoft.com/office/powerpoint/2015/main" val="1"/>
+              </p:ext>
+            </p:extLst>
+          </p:nvPr>
+        </p:nvCxnSpPr>
+        <p:spPr>
+          <a:xfrm>
+            <a:off x="1451579" y="1853754"/>
+            <a:ext cx="9603274" cy="0"/>
+          </a:xfrm>
+          <a:prstGeom prst="line">
+            <a:avLst/>
+          </a:prstGeom>
+          <a:ln w="31750"/>
+        </p:spPr>
+        <p:style>
+          <a:lnRef idx="3">
+            <a:schemeClr val="accent1"/>
+          </a:lnRef>
+          <a:fillRef idx="0">
+            <a:schemeClr val="accent1"/>
+          </a:fillRef>
+          <a:effectRef idx="2">
+            <a:schemeClr val="accent1"/>
+          </a:effectRef>
+          <a:fontRef idx="minor">
+            <a:schemeClr val="tx1"/>
+          </a:fontRef>
+        </p:style>
+      </p:cxnSp>
+      <p:sp>
+        <p:nvSpPr>
+          <p:cNvPr id="30" name="Rectangle 29">
+            <a:extLst>
+              <a:ext uri="{FF2B5EF4-FFF2-40B4-BE49-F238E27FC236}">
+                <a16:creationId xmlns:a16="http://schemas.microsoft.com/office/drawing/2014/main" id="{A3C183B1-1D4B-4E3D-A02E-A426E3BFA016}"/>
+              </a:ext>
+              <a:ext uri="{C183D7F6-B498-43B3-948B-1728B52AA6E4}">
+                <adec:decorative xmlns:adec="http://schemas.microsoft.com/office/drawing/2017/decorative" val="1"/>
+              </a:ext>
+            </a:extLst>
+          </p:cNvPr>
+          <p:cNvSpPr>
+            <a:spLocks noGrp="1" noRot="1" noChangeAspect="1" noMove="1" noResize="1" noEditPoints="1" noAdjustHandles="1" noChangeArrowheads="1" noChangeShapeType="1" noTextEdit="1"/>
+          </p:cNvSpPr>
+          <p:nvPr>
+            <p:extLst>
+              <p:ext uri="{386F3935-93C4-4BCD-93E2-E3B085C9AB24}">
+                <p16:designElem xmlns:p16="http://schemas.microsoft.com/office/powerpoint/2015/main" val="1"/>
+              </p:ext>
+            </p:extLst>
+          </p:nvPr>
+        </p:nvSpPr>
+        <p:spPr>
+          <a:xfrm>
+            <a:off x="0" y="2019476"/>
+            <a:ext cx="12192000" cy="4838524"/>
+          </a:xfrm>
+          <a:prstGeom prst="rect">
+            <a:avLst/>
+          </a:prstGeom>
+          <a:gradFill flip="none" rotWithShape="1">
+            <a:gsLst>
+              <a:gs pos="0">
+                <a:schemeClr val="bg2">
+                  <a:alpha val="0"/>
+                </a:schemeClr>
+              </a:gs>
+              <a:gs pos="100000">
+                <a:schemeClr val="bg2"/>
+              </a:gs>
+            </a:gsLst>
+            <a:lin ang="5400000" scaled="0"/>
+            <a:tileRect/>
+          </a:gradFill>
+          <a:ln>
+            <a:noFill/>
+          </a:ln>
+        </p:spPr>
+        <p:style>
+          <a:lnRef idx="2">
+            <a:schemeClr val="accent1">
+              <a:shade val="50000"/>
+            </a:schemeClr>
+          </a:lnRef>
+          <a:fillRef idx="1">
+            <a:schemeClr val="accent1"/>
+          </a:fillRef>
+          <a:effectRef idx="0">
+            <a:schemeClr val="accent1"/>
+          </a:effectRef>
+          <a:fontRef idx="minor">
+            <a:schemeClr val="lt1"/>
+          </a:fontRef>
+        </p:style>
+        <p:txBody>
+          <a:bodyPr rtlCol="0" anchor="ctr"/>
+          <a:lstStyle/>
+          <a:p>
+            <a:pPr lvl="0" algn="ctr"/>
+            <a:endParaRPr lang="en-US"/>
+          </a:p>
+        </p:txBody>
+      </p:sp>
+      <p:graphicFrame>
+        <p:nvGraphicFramePr>
+          <p:cNvPr id="5" name="Content Placeholder 2">
+            <a:extLst>
+              <a:ext uri="{FF2B5EF4-FFF2-40B4-BE49-F238E27FC236}">
+                <a16:creationId xmlns:a16="http://schemas.microsoft.com/office/drawing/2014/main" id="{A8282457-4EDE-45AF-1C62-7385A97EFE6C}"/>
+              </a:ext>
+            </a:extLst>
+          </p:cNvPr>
+          <p:cNvGraphicFramePr>
+            <a:graphicFrameLocks noGrp="1"/>
+          </p:cNvGraphicFramePr>
+          <p:nvPr>
+            <p:ph idx="1"/>
+            <p:extLst>
+              <p:ext uri="{D42A27DB-BD31-4B8C-83A1-F6EECF244321}">
+                <p14:modId xmlns:p14="http://schemas.microsoft.com/office/powerpoint/2010/main" val="2174208959"/>
+              </p:ext>
+            </p:extLst>
+          </p:nvPr>
+        </p:nvGraphicFramePr>
+        <p:xfrm>
+          <a:off x="1450975" y="2331497"/>
+          <a:ext cx="9604375" cy="3723227"/>
+        </p:xfrm>
+        <a:graphic>
+          <a:graphicData uri="http://schemas.openxmlformats.org/drawingml/2006/diagram">
+            <dgm:relIds xmlns:dgm="http://schemas.openxmlformats.org/drawingml/2006/diagram" xmlns:r="http://schemas.openxmlformats.org/officeDocument/2006/relationships" r:dm="rId3" r:lo="rId4" r:qs="rId5" r:cs="rId6"/>
+          </a:graphicData>
+        </a:graphic>
+      </p:graphicFrame>
+    </p:spTree>
+    <p:extLst>
+      <p:ext uri="{BB962C8B-B14F-4D97-AF65-F5344CB8AC3E}">
+        <p14:creationId xmlns:p14="http://schemas.microsoft.com/office/powerpoint/2010/main" val="1833561600"/>
+      </p:ext>
+    </p:extLst>
+  </p:cSld>
+  <p:clrMapOvr>
+    <a:masterClrMapping/>
+  </p:clrMapOvr>
+</p:sld>
+</file>
+
+<file path=ppt/slides/slide4.xml><?xml version="1.0" encoding="utf-8"?>
+<p:sld xmlns:a="http://schemas.openxmlformats.org/drawingml/2006/main" xmlns:r="http://schemas.openxmlformats.org/officeDocument/2006/relationships" xmlns:p="http://schemas.openxmlformats.org/presentationml/2006/main">
+  <p:cSld>
+    <p:spTree>
+      <p:nvGrpSpPr>
+        <p:cNvPr id="1" name="">
+          <a:extLst>
+            <a:ext uri="{FF2B5EF4-FFF2-40B4-BE49-F238E27FC236}">
+              <a16:creationId xmlns:a16="http://schemas.microsoft.com/office/drawing/2014/main" id="{9BA38826-3A00-6CE8-98CF-32F6A4DAAA30}"/>
+            </a:ext>
+          </a:extLst>
+        </p:cNvPr>
+        <p:cNvGrpSpPr/>
+        <p:nvPr/>
+      </p:nvGrpSpPr>
+      <p:grpSpPr>
+        <a:xfrm>
+          <a:off x="0" y="0"/>
+          <a:ext cx="0" cy="0"/>
+          <a:chOff x="0" y="0"/>
+          <a:chExt cx="0" cy="0"/>
+        </a:xfrm>
+      </p:grpSpPr>
+      <p:sp>
+        <p:nvSpPr>
+          <p:cNvPr id="5" name="Title 4">
+            <a:extLst>
+              <a:ext uri="{FF2B5EF4-FFF2-40B4-BE49-F238E27FC236}">
+                <a16:creationId xmlns:a16="http://schemas.microsoft.com/office/drawing/2014/main" id="{31598365-F042-993F-1EC1-C270F56DF679}"/>
+              </a:ext>
+            </a:extLst>
+          </p:cNvPr>
+          <p:cNvSpPr>
+            <a:spLocks noGrp="1"/>
+          </p:cNvSpPr>
+          <p:nvPr>
+            <p:ph type="title"/>
+          </p:nvPr>
+        </p:nvSpPr>
+        <p:spPr>
+          <a:xfrm>
+            <a:off x="838200" y="365125"/>
+            <a:ext cx="10515600" cy="754185"/>
+          </a:xfrm>
+        </p:spPr>
+        <p:txBody>
+          <a:bodyPr/>
+          <a:lstStyle/>
+          <a:p>
+            <a:r>
+              <a:rPr lang="en-US" dirty="0"/>
+              <a:t>No library schema for </a:t>
+            </a:r>
+            <a:r>
+              <a:rPr lang="en-US" dirty="0" err="1"/>
+              <a:t>frbr</a:t>
+            </a:r>
+            <a:r>
+              <a:rPr lang="en-US" dirty="0"/>
+              <a:t>/</a:t>
+            </a:r>
+            <a:r>
+              <a:rPr lang="en-US" dirty="0" err="1"/>
+              <a:t>wemi</a:t>
+            </a:r>
+            <a:endParaRPr lang="en-US" dirty="0"/>
+          </a:p>
+        </p:txBody>
+      </p:sp>
+      <p:pic>
+        <p:nvPicPr>
+          <p:cNvPr id="8" name="Content Placeholder 7" descr="Text&#10;&#10;Description automatically generated">
+            <a:extLst>
+              <a:ext uri="{FF2B5EF4-FFF2-40B4-BE49-F238E27FC236}">
+                <a16:creationId xmlns:a16="http://schemas.microsoft.com/office/drawing/2014/main" id="{5EA38903-9A5D-A864-C28B-7D00333B9200}"/>
+              </a:ext>
+            </a:extLst>
+          </p:cNvPr>
+          <p:cNvPicPr>
+            <a:picLocks noGrp="1" noChangeAspect="1"/>
+          </p:cNvPicPr>
+          <p:nvPr>
+            <p:ph idx="1"/>
+          </p:nvPr>
+        </p:nvPicPr>
+        <p:blipFill>
+          <a:blip r:embed="rId3"/>
+          <a:stretch>
+            <a:fillRect/>
+          </a:stretch>
+        </p:blipFill>
+        <p:spPr>
+          <a:xfrm>
+            <a:off x="838200" y="2130275"/>
+            <a:ext cx="10515600" cy="3742037"/>
+          </a:xfrm>
+        </p:spPr>
+      </p:pic>
+      <p:pic>
+        <p:nvPicPr>
+          <p:cNvPr id="10" name="Picture 9">
+            <a:extLst>
+              <a:ext uri="{FF2B5EF4-FFF2-40B4-BE49-F238E27FC236}">
+                <a16:creationId xmlns:a16="http://schemas.microsoft.com/office/drawing/2014/main" id="{B81D1E14-7D8C-E341-6F8C-AC3099918101}"/>
+              </a:ext>
+            </a:extLst>
+          </p:cNvPr>
+          <p:cNvPicPr>
+            <a:picLocks noChangeAspect="1"/>
+          </p:cNvPicPr>
+          <p:nvPr/>
+        </p:nvPicPr>
+        <p:blipFill>
+          <a:blip r:embed="rId4"/>
+          <a:stretch>
+            <a:fillRect/>
+          </a:stretch>
+        </p:blipFill>
+        <p:spPr>
+          <a:xfrm>
+            <a:off x="838200" y="1113730"/>
+            <a:ext cx="8089900" cy="736600"/>
+          </a:xfrm>
+          <a:prstGeom prst="rect">
+            <a:avLst/>
+          </a:prstGeom>
+        </p:spPr>
+      </p:pic>
+      <p:sp>
+        <p:nvSpPr>
+          <p:cNvPr id="11" name="TextBox 10">
+            <a:extLst>
+              <a:ext uri="{FF2B5EF4-FFF2-40B4-BE49-F238E27FC236}">
+                <a16:creationId xmlns:a16="http://schemas.microsoft.com/office/drawing/2014/main" id="{25C09A39-A8F5-E4C4-A917-AD7253FAFB54}"/>
+              </a:ext>
+            </a:extLst>
+          </p:cNvPr>
+          <p:cNvSpPr txBox="1"/>
+          <p:nvPr/>
+        </p:nvSpPr>
+        <p:spPr>
+          <a:xfrm>
+            <a:off x="8928100" y="1251197"/>
+            <a:ext cx="1908151" cy="461665"/>
+          </a:xfrm>
+          <a:prstGeom prst="rect">
+            <a:avLst/>
+          </a:prstGeom>
+          <a:noFill/>
+        </p:spPr>
+        <p:txBody>
+          <a:bodyPr wrap="none" rtlCol="0">
+            <a:spAutoFit/>
+          </a:bodyPr>
+          <a:lstStyle/>
+          <a:p>
+            <a:r>
+              <a:rPr lang="en-US" sz="2400" dirty="0"/>
+              <a:t>(at </a:t>
+            </a:r>
+            <a:r>
+              <a:rPr lang="en-US" sz="2400" dirty="0" err="1"/>
+              <a:t>vocab.org</a:t>
+            </a:r>
+            <a:r>
+              <a:rPr lang="en-US" sz="2400" dirty="0"/>
+              <a:t>)</a:t>
+            </a:r>
+          </a:p>
+        </p:txBody>
+      </p:sp>
+    </p:spTree>
+    <p:extLst>
+      <p:ext uri="{BB962C8B-B14F-4D97-AF65-F5344CB8AC3E}">
+        <p14:creationId xmlns:p14="http://schemas.microsoft.com/office/powerpoint/2010/main" val="3300003942"/>
+      </p:ext>
+    </p:extLst>
+  </p:cSld>
+  <p:clrMapOvr>
+    <a:masterClrMapping/>
+  </p:clrMapOvr>
+</p:sld>
+</file>
+
+<file path=ppt/slides/slide5.xml><?xml version="1.0" encoding="utf-8"?>
+<p:sld xmlns:a="http://schemas.openxmlformats.org/drawingml/2006/main" xmlns:r="http://schemas.openxmlformats.org/officeDocument/2006/relationships" xmlns:p="http://schemas.openxmlformats.org/presentationml/2006/main">
+  <p:cSld>
+    <p:spTree>
+      <p:nvGrpSpPr>
+        <p:cNvPr id="1" name=""/>
+        <p:cNvGrpSpPr/>
+        <p:nvPr/>
+      </p:nvGrpSpPr>
+      <p:grpSpPr>
+        <a:xfrm>
+          <a:off x="0" y="0"/>
+          <a:ext cx="0" cy="0"/>
+          <a:chOff x="0" y="0"/>
+          <a:chExt cx="0" cy="0"/>
+        </a:xfrm>
+      </p:grpSpPr>
+      <p:pic>
+        <p:nvPicPr>
+          <p:cNvPr id="2" name="Content Placeholder 4" descr="Graphical user interface, text, application, email&#10;&#10;Description automatically generated">
+            <a:extLst>
+              <a:ext uri="{FF2B5EF4-FFF2-40B4-BE49-F238E27FC236}">
+                <a16:creationId xmlns:a16="http://schemas.microsoft.com/office/drawing/2014/main" id="{2428D273-D852-31E4-9606-B265CF7C9281}"/>
+              </a:ext>
+            </a:extLst>
+          </p:cNvPr>
+          <p:cNvPicPr>
+            <a:picLocks noChangeAspect="1"/>
+          </p:cNvPicPr>
+          <p:nvPr/>
+        </p:nvPicPr>
+        <p:blipFill>
+          <a:blip r:embed="rId3"/>
+          <a:stretch>
+            <a:fillRect/>
+          </a:stretch>
+        </p:blipFill>
+        <p:spPr>
+          <a:xfrm>
+            <a:off x="643467" y="1956816"/>
+            <a:ext cx="10905066" cy="2944366"/>
+          </a:xfrm>
+          <a:prstGeom prst="rect">
+            <a:avLst/>
+          </a:prstGeom>
+          <a:ln>
+            <a:noFill/>
+          </a:ln>
+        </p:spPr>
+      </p:pic>
+      <p:sp>
+        <p:nvSpPr>
+          <p:cNvPr id="3" name="Title 2">
+            <a:extLst>
+              <a:ext uri="{FF2B5EF4-FFF2-40B4-BE49-F238E27FC236}">
+                <a16:creationId xmlns:a16="http://schemas.microsoft.com/office/drawing/2014/main" id="{7B9F9712-B1DA-8758-D466-4221E21A6118}"/>
+              </a:ext>
+            </a:extLst>
+          </p:cNvPr>
+          <p:cNvSpPr>
+            <a:spLocks noGrp="1"/>
+          </p:cNvSpPr>
+          <p:nvPr>
+            <p:ph type="title"/>
+          </p:nvPr>
+        </p:nvSpPr>
+        <p:spPr/>
+        <p:txBody>
+          <a:bodyPr/>
+          <a:lstStyle/>
+          <a:p>
+            <a:r>
+              <a:rPr lang="en-US" dirty="0"/>
+              <a:t>built-in constraints</a:t>
+            </a:r>
+          </a:p>
+        </p:txBody>
+      </p:sp>
+    </p:spTree>
+    <p:extLst>
+      <p:ext uri="{BB962C8B-B14F-4D97-AF65-F5344CB8AC3E}">
+        <p14:creationId xmlns:p14="http://schemas.microsoft.com/office/powerpoint/2010/main" val="2877526543"/>
+      </p:ext>
+    </p:extLst>
+  </p:cSld>
+  <p:clrMapOvr>
+    <a:masterClrMapping/>
+  </p:clrMapOvr>
+</p:sld>
+</file>
+
+<file path=ppt/slides/slide6.xml><?xml version="1.0" encoding="utf-8"?>
+<p:sld xmlns:a="http://schemas.openxmlformats.org/drawingml/2006/main" xmlns:r="http://schemas.openxmlformats.org/officeDocument/2006/relationships" xmlns:p="http://schemas.openxmlformats.org/presentationml/2006/main">
+  <p:cSld>
+    <p:spTree>
+      <p:nvGrpSpPr>
+        <p:cNvPr id="1" name=""/>
+        <p:cNvGrpSpPr/>
+        <p:nvPr/>
+      </p:nvGrpSpPr>
+      <p:grpSpPr>
+        <a:xfrm>
+          <a:off x="0" y="0"/>
+          <a:ext cx="0" cy="0"/>
+          <a:chOff x="0" y="0"/>
+          <a:chExt cx="0" cy="0"/>
+        </a:xfrm>
+      </p:grpSpPr>
+      <p:sp>
+        <p:nvSpPr>
+          <p:cNvPr id="2" name="Title 1">
+            <a:extLst>
+              <a:ext uri="{FF2B5EF4-FFF2-40B4-BE49-F238E27FC236}">
+                <a16:creationId xmlns:a16="http://schemas.microsoft.com/office/drawing/2014/main" id="{837FCC20-08AA-4D81-6FF3-BF3717FAE478}"/>
+              </a:ext>
+            </a:extLst>
+          </p:cNvPr>
+          <p:cNvSpPr>
+            <a:spLocks noGrp="1"/>
+          </p:cNvSpPr>
+          <p:nvPr>
+            <p:ph type="title"/>
+          </p:nvPr>
+        </p:nvSpPr>
+        <p:spPr/>
+        <p:txBody>
+          <a:bodyPr/>
+          <a:lstStyle/>
+          <a:p>
+            <a:r>
+              <a:rPr lang="en-US" dirty="0"/>
+              <a:t>The </a:t>
+            </a:r>
+            <a:r>
+              <a:rPr lang="en-US" dirty="0" err="1"/>
+              <a:t>openWEMI</a:t>
+            </a:r>
+            <a:r>
+              <a:rPr lang="en-US" dirty="0"/>
+              <a:t> proposal</a:t>
+            </a:r>
+          </a:p>
+        </p:txBody>
+      </p:sp>
+      <p:sp>
+        <p:nvSpPr>
+          <p:cNvPr id="4" name="Text Placeholder 3">
+            <a:extLst>
+              <a:ext uri="{FF2B5EF4-FFF2-40B4-BE49-F238E27FC236}">
+                <a16:creationId xmlns:a16="http://schemas.microsoft.com/office/drawing/2014/main" id="{B823FCD7-B7E3-B627-E951-947BA63F7B3C}"/>
+              </a:ext>
+            </a:extLst>
+          </p:cNvPr>
+          <p:cNvSpPr>
+            <a:spLocks noGrp="1"/>
+          </p:cNvSpPr>
+          <p:nvPr>
+            <p:ph type="body" idx="1"/>
+          </p:nvPr>
+        </p:nvSpPr>
+        <p:spPr/>
+        <p:txBody>
+          <a:bodyPr/>
+          <a:lstStyle/>
+          <a:p>
+            <a:r>
+              <a:rPr lang="en-US" u="sng" dirty="0">
+                <a:solidFill>
+                  <a:schemeClr val="bg2">
+                    <a:lumMod val="50000"/>
+                  </a:schemeClr>
+                </a:solidFill>
+              </a:rPr>
+              <a:t>Classes</a:t>
+            </a:r>
+          </a:p>
+        </p:txBody>
+      </p:sp>
+      <p:sp>
+        <p:nvSpPr>
+          <p:cNvPr id="5" name="Content Placeholder 4">
+            <a:extLst>
+              <a:ext uri="{FF2B5EF4-FFF2-40B4-BE49-F238E27FC236}">
+                <a16:creationId xmlns:a16="http://schemas.microsoft.com/office/drawing/2014/main" id="{228A5E76-D622-EC74-9156-870513EE8C2C}"/>
+              </a:ext>
+            </a:extLst>
+          </p:cNvPr>
+          <p:cNvSpPr>
+            <a:spLocks noGrp="1"/>
+          </p:cNvSpPr>
+          <p:nvPr>
+            <p:ph sz="half" idx="2"/>
+          </p:nvPr>
+        </p:nvSpPr>
+        <p:spPr>
+          <a:xfrm>
+            <a:off x="1001597" y="2980560"/>
+            <a:ext cx="4698355" cy="2851830"/>
+          </a:xfrm>
+        </p:spPr>
+        <p:txBody>
+          <a:bodyPr>
+            <a:normAutofit fontScale="92500" lnSpcReduction="10000"/>
+          </a:bodyPr>
+          <a:lstStyle/>
+          <a:p>
+            <a:r>
+              <a:rPr lang="en-US" sz="2400" dirty="0" err="1"/>
+              <a:t>openwemi:Endeavor</a:t>
+            </a:r>
+            <a:endParaRPr lang="en-US" sz="2400" dirty="0"/>
+          </a:p>
+          <a:p>
+            <a:r>
+              <a:rPr lang="en-US" sz="2400" dirty="0" err="1"/>
+              <a:t>openwemi:Work</a:t>
+            </a:r>
+            <a:endParaRPr lang="en-US" sz="2400" dirty="0"/>
+          </a:p>
+          <a:p>
+            <a:r>
+              <a:rPr lang="en-US" sz="2400" dirty="0" err="1"/>
+              <a:t>openwemi:Expression</a:t>
+            </a:r>
+            <a:endParaRPr lang="en-US" sz="2400" dirty="0"/>
+          </a:p>
+          <a:p>
+            <a:r>
+              <a:rPr lang="en-US" sz="2400" dirty="0" err="1"/>
+              <a:t>openwemi:Manifestation</a:t>
+            </a:r>
+            <a:endParaRPr lang="en-US" sz="2400" dirty="0"/>
+          </a:p>
+          <a:p>
+            <a:r>
+              <a:rPr lang="en-US" sz="2400" dirty="0" err="1"/>
+              <a:t>openwemi:Item</a:t>
+            </a:r>
+            <a:endParaRPr lang="en-US" sz="2400" dirty="0"/>
+          </a:p>
+          <a:p>
+            <a:pPr marL="0" indent="0">
+              <a:buNone/>
+            </a:pPr>
+            <a:endParaRPr lang="en-US" sz="2400" b="1" dirty="0"/>
+          </a:p>
+        </p:txBody>
+      </p:sp>
+      <p:sp>
+        <p:nvSpPr>
+          <p:cNvPr id="6" name="Text Placeholder 5">
+            <a:extLst>
+              <a:ext uri="{FF2B5EF4-FFF2-40B4-BE49-F238E27FC236}">
+                <a16:creationId xmlns:a16="http://schemas.microsoft.com/office/drawing/2014/main" id="{BF41738C-0805-74DA-12D2-D1F6525BB8E4}"/>
+              </a:ext>
+            </a:extLst>
+          </p:cNvPr>
+          <p:cNvSpPr>
+            <a:spLocks noGrp="1"/>
+          </p:cNvSpPr>
+          <p:nvPr>
+            <p:ph type="body" sz="quarter" idx="3"/>
+          </p:nvPr>
+        </p:nvSpPr>
+        <p:spPr/>
+        <p:txBody>
+          <a:bodyPr/>
+          <a:lstStyle/>
+          <a:p>
+            <a:r>
+              <a:rPr lang="en-US" u="sng" dirty="0">
+                <a:solidFill>
+                  <a:schemeClr val="bg2">
+                    <a:lumMod val="50000"/>
+                  </a:schemeClr>
+                </a:solidFill>
+              </a:rPr>
+              <a:t>properties</a:t>
+            </a:r>
+          </a:p>
+        </p:txBody>
+      </p:sp>
+      <p:sp>
+        <p:nvSpPr>
+          <p:cNvPr id="7" name="Content Placeholder 6">
+            <a:extLst>
+              <a:ext uri="{FF2B5EF4-FFF2-40B4-BE49-F238E27FC236}">
+                <a16:creationId xmlns:a16="http://schemas.microsoft.com/office/drawing/2014/main" id="{CB4FA72C-027A-9A73-0E70-2B047A3E2489}"/>
+              </a:ext>
+            </a:extLst>
+          </p:cNvPr>
+          <p:cNvSpPr>
+            <a:spLocks noGrp="1"/>
+          </p:cNvSpPr>
+          <p:nvPr>
+            <p:ph sz="quarter" idx="4"/>
+          </p:nvPr>
+        </p:nvSpPr>
+        <p:spPr>
+          <a:xfrm>
+            <a:off x="5378677" y="3251914"/>
+            <a:ext cx="6570302" cy="2063873"/>
+          </a:xfrm>
+        </p:spPr>
+        <p:txBody>
+          <a:bodyPr>
+            <a:normAutofit fontScale="92500" lnSpcReduction="10000"/>
+          </a:bodyPr>
+          <a:lstStyle/>
+          <a:p>
+            <a:r>
+              <a:rPr lang="en-US" sz="2600" dirty="0" err="1"/>
+              <a:t>openwemi:expresses</a:t>
+            </a:r>
+            <a:r>
+              <a:rPr lang="en-US" sz="2600" dirty="0"/>
+              <a:t> (range: Work)</a:t>
+            </a:r>
+          </a:p>
+          <a:p>
+            <a:r>
+              <a:rPr lang="en-US" sz="2600" dirty="0" err="1"/>
+              <a:t>openwemi:manifests</a:t>
+            </a:r>
+            <a:r>
+              <a:rPr lang="en-US" sz="2600" dirty="0"/>
+              <a:t> (range: Work or Expression)</a:t>
+            </a:r>
+          </a:p>
+          <a:p>
+            <a:r>
+              <a:rPr lang="en-US" sz="2600" dirty="0" err="1"/>
+              <a:t>openwemi:instantiates</a:t>
+            </a:r>
+            <a:r>
+              <a:rPr lang="en-US" sz="2600" dirty="0"/>
+              <a:t> (range: Work or Expression or Manifestation)</a:t>
+            </a:r>
+          </a:p>
+          <a:p>
+            <a:endParaRPr lang="en-US" dirty="0"/>
+          </a:p>
+        </p:txBody>
+      </p:sp>
+      <p:cxnSp>
+        <p:nvCxnSpPr>
+          <p:cNvPr id="8" name="Straight Connector 7">
+            <a:extLst>
+              <a:ext uri="{FF2B5EF4-FFF2-40B4-BE49-F238E27FC236}">
+                <a16:creationId xmlns:a16="http://schemas.microsoft.com/office/drawing/2014/main" id="{8D36EE93-C687-7626-D3C6-155E084C6CA5}"/>
+              </a:ext>
+            </a:extLst>
+          </p:cNvPr>
+          <p:cNvCxnSpPr/>
+          <p:nvPr/>
+        </p:nvCxnSpPr>
+        <p:spPr>
+          <a:xfrm>
+            <a:off x="4512989" y="2761861"/>
+            <a:ext cx="0" cy="2500604"/>
+          </a:xfrm>
+          <a:prstGeom prst="line">
+            <a:avLst/>
+          </a:prstGeom>
+          <a:ln w="63500"/>
+        </p:spPr>
+        <p:style>
+          <a:lnRef idx="1">
+            <a:schemeClr val="accent1"/>
+          </a:lnRef>
+          <a:fillRef idx="0">
+            <a:schemeClr val="accent1"/>
+          </a:fillRef>
+          <a:effectRef idx="0">
+            <a:schemeClr val="accent1"/>
+          </a:effectRef>
+          <a:fontRef idx="minor">
+            <a:schemeClr val="tx1"/>
+          </a:fontRef>
+        </p:style>
+      </p:cxnSp>
+    </p:spTree>
+    <p:extLst>
+      <p:ext uri="{BB962C8B-B14F-4D97-AF65-F5344CB8AC3E}">
+        <p14:creationId xmlns:p14="http://schemas.microsoft.com/office/powerpoint/2010/main" val="2906075327"/>
+      </p:ext>
+    </p:extLst>
+  </p:cSld>
+  <p:clrMapOvr>
+    <a:masterClrMapping/>
+  </p:clrMapOvr>
+</p:sld>
+</file>
+
+<file path=ppt/slides/slide7.xml><?xml version="1.0" encoding="utf-8"?>
+<p:sld xmlns:a="http://schemas.openxmlformats.org/drawingml/2006/main" xmlns:r="http://schemas.openxmlformats.org/officeDocument/2006/relationships" xmlns:p="http://schemas.openxmlformats.org/presentationml/2006/main">
+  <p:cSld>
+    <p:spTree>
+      <p:nvGrpSpPr>
+        <p:cNvPr id="1" name=""/>
+        <p:cNvGrpSpPr/>
+        <p:nvPr/>
+      </p:nvGrpSpPr>
+      <p:grpSpPr>
+        <a:xfrm>
+          <a:off x="0" y="0"/>
+          <a:ext cx="0" cy="0"/>
+          <a:chOff x="0" y="0"/>
+          <a:chExt cx="0" cy="0"/>
+        </a:xfrm>
+      </p:grpSpPr>
+      <p:sp>
+        <p:nvSpPr>
+          <p:cNvPr id="9" name="Title 8">
+            <a:extLst>
+              <a:ext uri="{FF2B5EF4-FFF2-40B4-BE49-F238E27FC236}">
+                <a16:creationId xmlns:a16="http://schemas.microsoft.com/office/drawing/2014/main" id="{4C18B53E-94C6-85E5-E24D-0962ADF90125}"/>
+              </a:ext>
+            </a:extLst>
+          </p:cNvPr>
+          <p:cNvSpPr>
+            <a:spLocks noGrp="1"/>
+          </p:cNvSpPr>
+          <p:nvPr>
+            <p:ph type="title"/>
+          </p:nvPr>
+        </p:nvSpPr>
+        <p:spPr/>
+        <p:txBody>
+          <a:bodyPr/>
+          <a:lstStyle/>
+          <a:p>
+            <a:pPr algn="ctr"/>
+            <a:r>
+              <a:rPr lang="en-US" dirty="0"/>
+              <a:t>endeavor is the superclass that holds it together</a:t>
+            </a:r>
+          </a:p>
+        </p:txBody>
+      </p:sp>
+      <p:pic>
+        <p:nvPicPr>
+          <p:cNvPr id="11" name="Picture 10">
+            <a:extLst>
+              <a:ext uri="{FF2B5EF4-FFF2-40B4-BE49-F238E27FC236}">
+                <a16:creationId xmlns:a16="http://schemas.microsoft.com/office/drawing/2014/main" id="{E9D757EE-6741-65DB-5C5B-15A865FD4911}"/>
+              </a:ext>
+            </a:extLst>
+          </p:cNvPr>
+          <p:cNvPicPr>
+            <a:picLocks noChangeAspect="1"/>
+          </p:cNvPicPr>
+          <p:nvPr/>
+        </p:nvPicPr>
+        <p:blipFill>
+          <a:blip r:embed="rId3"/>
+          <a:stretch>
+            <a:fillRect/>
+          </a:stretch>
+        </p:blipFill>
+        <p:spPr>
+          <a:xfrm>
+            <a:off x="2916795" y="2403560"/>
+            <a:ext cx="6358409" cy="2755824"/>
+          </a:xfrm>
+          <a:prstGeom prst="rect">
+            <a:avLst/>
+          </a:prstGeom>
+          <a:ln>
+            <a:solidFill>
+              <a:schemeClr val="tx1"/>
+            </a:solidFill>
+          </a:ln>
+          <a:effectLst>
+            <a:outerShdw blurRad="50800" dist="38100" algn="l" rotWithShape="0">
+              <a:prstClr val="black">
+                <a:alpha val="40000"/>
+              </a:prstClr>
+            </a:outerShdw>
+          </a:effectLst>
+        </p:spPr>
+      </p:pic>
+    </p:spTree>
+    <p:extLst>
+      <p:ext uri="{BB962C8B-B14F-4D97-AF65-F5344CB8AC3E}">
+        <p14:creationId xmlns:p14="http://schemas.microsoft.com/office/powerpoint/2010/main" val="1510663409"/>
+      </p:ext>
+    </p:extLst>
+  </p:cSld>
+  <p:clrMapOvr>
+    <a:masterClrMapping/>
+  </p:clrMapOvr>
+</p:sld>
+</file>
+
+<file path=ppt/slides/slide8.xml><?xml version="1.0" encoding="utf-8"?>
+<p:sld xmlns:a="http://schemas.openxmlformats.org/drawingml/2006/main" xmlns:r="http://schemas.openxmlformats.org/officeDocument/2006/relationships" xmlns:p="http://schemas.openxmlformats.org/presentationml/2006/main">
+  <p:cSld>
+    <p:spTree>
+      <p:nvGrpSpPr>
+        <p:cNvPr id="1" name="">
+          <a:extLst>
+            <a:ext uri="{FF2B5EF4-FFF2-40B4-BE49-F238E27FC236}">
+              <a16:creationId xmlns:a16="http://schemas.microsoft.com/office/drawing/2014/main" id="{C8A3BFE0-3947-BBF2-83E2-85218A28B5A6}"/>
+            </a:ext>
+          </a:extLst>
+        </p:cNvPr>
+        <p:cNvGrpSpPr/>
+        <p:nvPr/>
+      </p:nvGrpSpPr>
+      <p:grpSpPr>
+        <a:xfrm>
+          <a:off x="0" y="0"/>
+          <a:ext cx="0" cy="0"/>
+          <a:chOff x="0" y="0"/>
+          <a:chExt cx="0" cy="0"/>
+        </a:xfrm>
+      </p:grpSpPr>
+      <p:sp>
+        <p:nvSpPr>
+          <p:cNvPr id="9" name="Title 8">
+            <a:extLst>
+              <a:ext uri="{FF2B5EF4-FFF2-40B4-BE49-F238E27FC236}">
+                <a16:creationId xmlns:a16="http://schemas.microsoft.com/office/drawing/2014/main" id="{BFA26D7B-4083-7DD3-20AD-EB7E1EDD9879}"/>
+              </a:ext>
+            </a:extLst>
+          </p:cNvPr>
+          <p:cNvSpPr>
+            <a:spLocks noGrp="1"/>
+          </p:cNvSpPr>
+          <p:nvPr>
+            <p:ph type="title"/>
+          </p:nvPr>
+        </p:nvSpPr>
+        <p:spPr>
+          <a:xfrm>
+            <a:off x="1463936" y="409103"/>
+            <a:ext cx="9603275" cy="1049235"/>
+          </a:xfrm>
+        </p:spPr>
+        <p:txBody>
+          <a:bodyPr>
+            <a:normAutofit/>
+          </a:bodyPr>
+          <a:lstStyle/>
+          <a:p>
+            <a:pPr algn="ctr"/>
+            <a:r>
+              <a:rPr lang="en-US" sz="2400" dirty="0"/>
+              <a:t>and allows other classes to be created at a high level to complement </a:t>
+            </a:r>
+            <a:r>
+              <a:rPr lang="en-US" sz="2400" dirty="0" err="1"/>
+              <a:t>openwemi</a:t>
+            </a:r>
+            <a:endParaRPr lang="en-US" sz="2400" dirty="0"/>
+          </a:p>
+        </p:txBody>
+      </p:sp>
+      <p:pic>
+        <p:nvPicPr>
+          <p:cNvPr id="11" name="Picture 10">
+            <a:extLst>
+              <a:ext uri="{FF2B5EF4-FFF2-40B4-BE49-F238E27FC236}">
+                <a16:creationId xmlns:a16="http://schemas.microsoft.com/office/drawing/2014/main" id="{3D59356C-1842-F7C8-052E-9ECEB445CABF}"/>
+              </a:ext>
+            </a:extLst>
+          </p:cNvPr>
+          <p:cNvPicPr>
+            <a:picLocks noChangeAspect="1"/>
+          </p:cNvPicPr>
+          <p:nvPr/>
+        </p:nvPicPr>
+        <p:blipFill>
+          <a:blip r:embed="rId3"/>
+          <a:stretch>
+            <a:fillRect/>
+          </a:stretch>
+        </p:blipFill>
+        <p:spPr>
+          <a:xfrm>
+            <a:off x="2916795" y="2403560"/>
+            <a:ext cx="6358409" cy="2755824"/>
+          </a:xfrm>
+          <a:prstGeom prst="rect">
+            <a:avLst/>
+          </a:prstGeom>
+          <a:ln>
+            <a:solidFill>
+              <a:schemeClr val="tx1"/>
+            </a:solidFill>
+          </a:ln>
+          <a:effectLst>
+            <a:outerShdw blurRad="50800" dist="38100" algn="l" rotWithShape="0">
+              <a:prstClr val="black">
+                <a:alpha val="40000"/>
+              </a:prstClr>
+            </a:outerShdw>
+          </a:effectLst>
+        </p:spPr>
+      </p:pic>
+      <p:sp>
+        <p:nvSpPr>
+          <p:cNvPr id="2" name="Rounded Rectangle 1">
+            <a:extLst>
+              <a:ext uri="{FF2B5EF4-FFF2-40B4-BE49-F238E27FC236}">
+                <a16:creationId xmlns:a16="http://schemas.microsoft.com/office/drawing/2014/main" id="{85B9F222-8460-C2DA-65DF-2EC370876F0E}"/>
+              </a:ext>
+            </a:extLst>
+          </p:cNvPr>
+          <p:cNvSpPr/>
+          <p:nvPr/>
+        </p:nvSpPr>
+        <p:spPr>
+          <a:xfrm>
+            <a:off x="1149178" y="4090086"/>
+            <a:ext cx="1371600" cy="1069298"/>
+          </a:xfrm>
+          <a:prstGeom prst="roundRect">
+            <a:avLst/>
+          </a:prstGeom>
+          <a:solidFill>
+            <a:schemeClr val="bg2">
+              <a:lumMod val="75000"/>
+            </a:schemeClr>
+          </a:solidFill>
+        </p:spPr>
+        <p:style>
+          <a:lnRef idx="2">
+            <a:schemeClr val="accent1">
+              <a:shade val="15000"/>
+            </a:schemeClr>
+          </a:lnRef>
+          <a:fillRef idx="1">
+            <a:schemeClr val="accent1"/>
+          </a:fillRef>
+          <a:effectRef idx="0">
+            <a:schemeClr val="accent1"/>
+          </a:effectRef>
+          <a:fontRef idx="minor">
+            <a:schemeClr val="lt1"/>
+          </a:fontRef>
+        </p:style>
+        <p:txBody>
+          <a:bodyPr rtlCol="0" anchor="ctr"/>
+          <a:lstStyle/>
+          <a:p>
+            <a:pPr algn="ctr"/>
+            <a:r>
+              <a:rPr lang="en-US" dirty="0" err="1"/>
+              <a:t>MyShape</a:t>
+            </a:r>
+            <a:endParaRPr lang="en-US" dirty="0"/>
+          </a:p>
+        </p:txBody>
+      </p:sp>
+      <p:cxnSp>
+        <p:nvCxnSpPr>
+          <p:cNvPr id="4" name="Curved Connector 3">
+            <a:extLst>
+              <a:ext uri="{FF2B5EF4-FFF2-40B4-BE49-F238E27FC236}">
+                <a16:creationId xmlns:a16="http://schemas.microsoft.com/office/drawing/2014/main" id="{619537F0-9532-E6B1-648B-A49A12D948B7}"/>
+              </a:ext>
+            </a:extLst>
+          </p:cNvPr>
+          <p:cNvCxnSpPr>
+            <a:stCxn id="2" idx="0"/>
+          </p:cNvCxnSpPr>
+          <p:nvPr/>
+        </p:nvCxnSpPr>
+        <p:spPr>
+          <a:xfrm rot="5400000" flipH="1" flipV="1">
+            <a:off x="3342503" y="1921475"/>
+            <a:ext cx="661086" cy="3676136"/>
+          </a:xfrm>
+          <a:prstGeom prst="curvedConnector2">
+            <a:avLst/>
+          </a:prstGeom>
+          <a:ln>
+            <a:tailEnd type="triangle"/>
+          </a:ln>
+        </p:spPr>
+        <p:style>
+          <a:lnRef idx="1">
+            <a:schemeClr val="accent1"/>
+          </a:lnRef>
+          <a:fillRef idx="0">
+            <a:schemeClr val="accent1"/>
+          </a:fillRef>
+          <a:effectRef idx="0">
+            <a:schemeClr val="accent1"/>
+          </a:effectRef>
+          <a:fontRef idx="minor">
+            <a:schemeClr val="tx1"/>
+          </a:fontRef>
+        </p:style>
+      </p:cxnSp>
+      <p:sp>
+        <p:nvSpPr>
+          <p:cNvPr id="5" name="TextBox 4">
+            <a:extLst>
+              <a:ext uri="{FF2B5EF4-FFF2-40B4-BE49-F238E27FC236}">
+                <a16:creationId xmlns:a16="http://schemas.microsoft.com/office/drawing/2014/main" id="{C6E29A51-CF74-7BB2-C294-39F1429A6ECE}"/>
+              </a:ext>
+            </a:extLst>
+          </p:cNvPr>
+          <p:cNvSpPr txBox="1"/>
+          <p:nvPr/>
+        </p:nvSpPr>
+        <p:spPr>
+          <a:xfrm>
+            <a:off x="2714129" y="3473695"/>
+            <a:ext cx="958917" cy="307777"/>
+          </a:xfrm>
+          <a:prstGeom prst="rect">
+            <a:avLst/>
+          </a:prstGeom>
+          <a:noFill/>
+        </p:spPr>
+        <p:txBody>
+          <a:bodyPr wrap="none" rtlCol="0">
+            <a:spAutoFit/>
+          </a:bodyPr>
+          <a:lstStyle/>
+          <a:p>
+            <a:r>
+              <a:rPr lang="en-US" sz="1400" dirty="0" err="1"/>
+              <a:t>subclassOf</a:t>
+            </a:r>
+            <a:endParaRPr lang="en-US" sz="1400" dirty="0"/>
+          </a:p>
+        </p:txBody>
+      </p:sp>
+    </p:spTree>
+    <p:extLst>
+      <p:ext uri="{BB962C8B-B14F-4D97-AF65-F5344CB8AC3E}">
+        <p14:creationId xmlns:p14="http://schemas.microsoft.com/office/powerpoint/2010/main" val="3998696126"/>
+      </p:ext>
+    </p:extLst>
+  </p:cSld>
+  <p:clrMapOvr>
+    <a:masterClrMapping/>
+  </p:clrMapOvr>
+</p:sld>
+</file>
+
+<file path=ppt/slides/slide9.xml><?xml version="1.0" encoding="utf-8"?>
 <p:sld xmlns:a="http://schemas.openxmlformats.org/drawingml/2006/main" xmlns:r="http://schemas.openxmlformats.org/officeDocument/2006/relationships" xmlns:p="http://schemas.openxmlformats.org/presentationml/2006/main">
   <p:cSld>
     <p:spTree>
@@ -12650,3234 +16272,6 @@
       </p:par>
     </p:tnLst>
   </p:timing>
-</p:sld>
-</file>
-
-<file path=ppt/slides/slide11.xml><?xml version="1.0" encoding="utf-8"?>
-<p:sld xmlns:a="http://schemas.openxmlformats.org/drawingml/2006/main" xmlns:r="http://schemas.openxmlformats.org/officeDocument/2006/relationships" xmlns:p="http://schemas.openxmlformats.org/presentationml/2006/main">
-  <p:cSld>
-    <p:spTree>
-      <p:nvGrpSpPr>
-        <p:cNvPr id="1" name=""/>
-        <p:cNvGrpSpPr/>
-        <p:nvPr/>
-      </p:nvGrpSpPr>
-      <p:grpSpPr>
-        <a:xfrm>
-          <a:off x="0" y="0"/>
-          <a:ext cx="0" cy="0"/>
-          <a:chOff x="0" y="0"/>
-          <a:chExt cx="0" cy="0"/>
-        </a:xfrm>
-      </p:grpSpPr>
-      <p:sp>
-        <p:nvSpPr>
-          <p:cNvPr id="2" name="Title 1">
-            <a:extLst>
-              <a:ext uri="{FF2B5EF4-FFF2-40B4-BE49-F238E27FC236}">
-                <a16:creationId xmlns:a16="http://schemas.microsoft.com/office/drawing/2014/main" id="{832BCD45-9B02-DA3F-2D2D-52C47DAFD5B7}"/>
-              </a:ext>
-            </a:extLst>
-          </p:cNvPr>
-          <p:cNvSpPr>
-            <a:spLocks noGrp="1"/>
-          </p:cNvSpPr>
-          <p:nvPr>
-            <p:ph type="title"/>
-          </p:nvPr>
-        </p:nvSpPr>
-        <p:spPr/>
-        <p:txBody>
-          <a:bodyPr/>
-          <a:lstStyle/>
-          <a:p>
-            <a:r>
-              <a:rPr lang="en-US" dirty="0"/>
-              <a:t>Added properties</a:t>
-            </a:r>
-          </a:p>
-        </p:txBody>
-      </p:sp>
-      <p:sp>
-        <p:nvSpPr>
-          <p:cNvPr id="7" name="Content Placeholder 6">
-            <a:extLst>
-              <a:ext uri="{FF2B5EF4-FFF2-40B4-BE49-F238E27FC236}">
-                <a16:creationId xmlns:a16="http://schemas.microsoft.com/office/drawing/2014/main" id="{4132C3F1-7389-02EE-C4C9-6BF7C19802A3}"/>
-              </a:ext>
-            </a:extLst>
-          </p:cNvPr>
-          <p:cNvSpPr>
-            <a:spLocks noGrp="1"/>
-          </p:cNvSpPr>
-          <p:nvPr>
-            <p:ph idx="1"/>
-          </p:nvPr>
-        </p:nvSpPr>
-        <p:spPr>
-          <a:xfrm>
-            <a:off x="1451580" y="2015732"/>
-            <a:ext cx="3651762" cy="3450613"/>
-          </a:xfrm>
-        </p:spPr>
-        <p:txBody>
-          <a:bodyPr/>
-          <a:lstStyle/>
-          <a:p>
-            <a:r>
-              <a:rPr lang="en-US" dirty="0" err="1"/>
-              <a:t>commonWork</a:t>
-            </a:r>
-            <a:endParaRPr lang="en-US" dirty="0"/>
-          </a:p>
-          <a:p>
-            <a:r>
-              <a:rPr lang="en-US" dirty="0" err="1"/>
-              <a:t>commonExpression</a:t>
-            </a:r>
-            <a:endParaRPr lang="en-US" dirty="0"/>
-          </a:p>
-          <a:p>
-            <a:r>
-              <a:rPr lang="en-US" dirty="0" err="1"/>
-              <a:t>commonManifestation</a:t>
-            </a:r>
-            <a:endParaRPr lang="en-US" dirty="0"/>
-          </a:p>
-          <a:p>
-            <a:r>
-              <a:rPr lang="en-US" dirty="0" err="1"/>
-              <a:t>commonItem</a:t>
-            </a:r>
-            <a:endParaRPr lang="en-US" dirty="0"/>
-          </a:p>
-        </p:txBody>
-      </p:sp>
-      <p:sp>
-        <p:nvSpPr>
-          <p:cNvPr id="8" name="TextBox 7">
-            <a:extLst>
-              <a:ext uri="{FF2B5EF4-FFF2-40B4-BE49-F238E27FC236}">
-                <a16:creationId xmlns:a16="http://schemas.microsoft.com/office/drawing/2014/main" id="{BC91F9E3-94F1-D78D-DA2D-2A4B73242770}"/>
-              </a:ext>
-            </a:extLst>
-          </p:cNvPr>
-          <p:cNvSpPr txBox="1"/>
-          <p:nvPr/>
-        </p:nvSpPr>
-        <p:spPr>
-          <a:xfrm>
-            <a:off x="6289589" y="2755557"/>
-            <a:ext cx="2879125" cy="1477328"/>
-          </a:xfrm>
-          <a:prstGeom prst="rect">
-            <a:avLst/>
-          </a:prstGeom>
-          <a:noFill/>
-        </p:spPr>
-        <p:txBody>
-          <a:bodyPr wrap="square" rtlCol="0">
-            <a:spAutoFit/>
-          </a:bodyPr>
-          <a:lstStyle/>
-          <a:p>
-            <a:r>
-              <a:rPr lang="en-US" dirty="0"/>
-              <a:t>For use between disparate metadata entities. Subject and object may be totally different in their format and content. </a:t>
-            </a:r>
-          </a:p>
-        </p:txBody>
-      </p:sp>
-    </p:spTree>
-    <p:extLst>
-      <p:ext uri="{BB962C8B-B14F-4D97-AF65-F5344CB8AC3E}">
-        <p14:creationId xmlns:p14="http://schemas.microsoft.com/office/powerpoint/2010/main" val="976770132"/>
-      </p:ext>
-    </p:extLst>
-  </p:cSld>
-  <p:clrMapOvr>
-    <a:masterClrMapping/>
-  </p:clrMapOvr>
-</p:sld>
-</file>
-
-<file path=ppt/slides/slide12.xml><?xml version="1.0" encoding="utf-8"?>
-<p:sld xmlns:a="http://schemas.openxmlformats.org/drawingml/2006/main" xmlns:r="http://schemas.openxmlformats.org/officeDocument/2006/relationships" xmlns:p="http://schemas.openxmlformats.org/presentationml/2006/main">
-  <p:cSld>
-    <p:spTree>
-      <p:nvGrpSpPr>
-        <p:cNvPr id="1" name=""/>
-        <p:cNvGrpSpPr/>
-        <p:nvPr/>
-      </p:nvGrpSpPr>
-      <p:grpSpPr>
-        <a:xfrm>
-          <a:off x="0" y="0"/>
-          <a:ext cx="0" cy="0"/>
-          <a:chOff x="0" y="0"/>
-          <a:chExt cx="0" cy="0"/>
-        </a:xfrm>
-      </p:grpSpPr>
-      <p:sp>
-        <p:nvSpPr>
-          <p:cNvPr id="7" name="Title 6">
-            <a:extLst>
-              <a:ext uri="{FF2B5EF4-FFF2-40B4-BE49-F238E27FC236}">
-                <a16:creationId xmlns:a16="http://schemas.microsoft.com/office/drawing/2014/main" id="{ECEA50B7-5B73-C091-D79B-59B4443ECCDD}"/>
-              </a:ext>
-            </a:extLst>
-          </p:cNvPr>
-          <p:cNvSpPr>
-            <a:spLocks noGrp="1"/>
-          </p:cNvSpPr>
-          <p:nvPr>
-            <p:ph type="title"/>
-          </p:nvPr>
-        </p:nvSpPr>
-        <p:spPr/>
-        <p:txBody>
-          <a:bodyPr/>
-          <a:lstStyle/>
-          <a:p>
-            <a:r>
-              <a:rPr lang="en-US" dirty="0"/>
-              <a:t>very broad Definitions</a:t>
-            </a:r>
-          </a:p>
-        </p:txBody>
-      </p:sp>
-      <p:sp>
-        <p:nvSpPr>
-          <p:cNvPr id="11" name="Text Placeholder 10">
-            <a:extLst>
-              <a:ext uri="{FF2B5EF4-FFF2-40B4-BE49-F238E27FC236}">
-                <a16:creationId xmlns:a16="http://schemas.microsoft.com/office/drawing/2014/main" id="{D3259B42-CBE3-742A-CE7D-4DE393750F61}"/>
-              </a:ext>
-            </a:extLst>
-          </p:cNvPr>
-          <p:cNvSpPr>
-            <a:spLocks noGrp="1"/>
-          </p:cNvSpPr>
-          <p:nvPr>
-            <p:ph type="body" idx="1"/>
-          </p:nvPr>
-        </p:nvSpPr>
-        <p:spPr>
-          <a:xfrm>
-            <a:off x="1417584" y="1809351"/>
-            <a:ext cx="4645152" cy="801943"/>
-          </a:xfrm>
-        </p:spPr>
-        <p:txBody>
-          <a:bodyPr/>
-          <a:lstStyle/>
-          <a:p>
-            <a:r>
-              <a:rPr lang="en-US" dirty="0">
-                <a:solidFill>
-                  <a:schemeClr val="bg2">
-                    <a:lumMod val="25000"/>
-                  </a:schemeClr>
-                </a:solidFill>
-              </a:rPr>
-              <a:t>LRM</a:t>
-            </a:r>
-          </a:p>
-        </p:txBody>
-      </p:sp>
-      <p:sp useBgFill="1">
-        <p:nvSpPr>
-          <p:cNvPr id="12" name="Content Placeholder 11">
-            <a:extLst>
-              <a:ext uri="{FF2B5EF4-FFF2-40B4-BE49-F238E27FC236}">
-                <a16:creationId xmlns:a16="http://schemas.microsoft.com/office/drawing/2014/main" id="{A45DCB47-45A7-BEDC-766C-4B8F8D7DAA10}"/>
-              </a:ext>
-            </a:extLst>
-          </p:cNvPr>
-          <p:cNvSpPr>
-            <a:spLocks noGrp="1"/>
-          </p:cNvSpPr>
-          <p:nvPr>
-            <p:ph sz="half" idx="2"/>
-          </p:nvPr>
-        </p:nvSpPr>
-        <p:spPr>
-          <a:xfrm>
-            <a:off x="411260" y="3030008"/>
-            <a:ext cx="5378677" cy="2906179"/>
-          </a:xfrm>
-          <a:ln>
-            <a:solidFill>
-              <a:schemeClr val="bg2">
-                <a:lumMod val="75000"/>
-              </a:schemeClr>
-            </a:solidFill>
-          </a:ln>
-        </p:spPr>
-        <p:txBody>
-          <a:bodyPr>
-            <a:normAutofit fontScale="92500" lnSpcReduction="10000"/>
-          </a:bodyPr>
-          <a:lstStyle/>
-          <a:p>
-            <a:r>
-              <a:rPr lang="en-US" b="1" dirty="0"/>
-              <a:t>Work</a:t>
-            </a:r>
-            <a:r>
-              <a:rPr lang="en-US" dirty="0"/>
-              <a:t>: "An abstract notion of an artistic or intellectual creation.”</a:t>
-            </a:r>
-          </a:p>
-          <a:p>
-            <a:r>
-              <a:rPr lang="en-US" b="1" dirty="0"/>
-              <a:t>Expression</a:t>
-            </a:r>
-            <a:r>
-              <a:rPr lang="en-US" dirty="0"/>
-              <a:t>: "An expression of a work in signs.”</a:t>
-            </a:r>
-          </a:p>
-          <a:p>
-            <a:r>
-              <a:rPr lang="en-US" b="1" dirty="0"/>
-              <a:t>Manifestation</a:t>
-            </a:r>
-            <a:r>
-              <a:rPr lang="en-US" dirty="0"/>
-              <a:t>: "The physical embodiment of one or more expressions”</a:t>
-            </a:r>
-          </a:p>
-          <a:p>
-            <a:r>
-              <a:rPr lang="en-US" b="1" dirty="0"/>
-              <a:t>Item</a:t>
-            </a:r>
-            <a:r>
-              <a:rPr lang="en-US" dirty="0"/>
-              <a:t>: "An exemplar of a single manifestation."</a:t>
-            </a:r>
-          </a:p>
-        </p:txBody>
-      </p:sp>
-      <p:sp>
-        <p:nvSpPr>
-          <p:cNvPr id="13" name="Text Placeholder 12">
-            <a:extLst>
-              <a:ext uri="{FF2B5EF4-FFF2-40B4-BE49-F238E27FC236}">
-                <a16:creationId xmlns:a16="http://schemas.microsoft.com/office/drawing/2014/main" id="{51E1DBDA-431C-A2ED-F077-1C7C767A320C}"/>
-              </a:ext>
-            </a:extLst>
-          </p:cNvPr>
-          <p:cNvSpPr>
-            <a:spLocks noGrp="1"/>
-          </p:cNvSpPr>
-          <p:nvPr>
-            <p:ph type="body" sz="quarter" idx="3"/>
-          </p:nvPr>
-        </p:nvSpPr>
-        <p:spPr>
-          <a:xfrm>
-            <a:off x="6409700" y="1722395"/>
-            <a:ext cx="4645152" cy="802237"/>
-          </a:xfrm>
-        </p:spPr>
-        <p:txBody>
-          <a:bodyPr/>
-          <a:lstStyle/>
-          <a:p>
-            <a:pPr algn="ctr"/>
-            <a:r>
-              <a:rPr lang="en-US" dirty="0" err="1">
-                <a:solidFill>
-                  <a:schemeClr val="bg2">
-                    <a:lumMod val="25000"/>
-                  </a:schemeClr>
-                </a:solidFill>
-              </a:rPr>
-              <a:t>openWEMI</a:t>
-            </a:r>
-            <a:endParaRPr lang="en-US" dirty="0">
-              <a:solidFill>
-                <a:schemeClr val="bg2">
-                  <a:lumMod val="25000"/>
-                </a:schemeClr>
-              </a:solidFill>
-            </a:endParaRPr>
-          </a:p>
-        </p:txBody>
-      </p:sp>
-      <p:sp useBgFill="1">
-        <p:nvSpPr>
-          <p:cNvPr id="14" name="Content Placeholder 13">
-            <a:extLst>
-              <a:ext uri="{FF2B5EF4-FFF2-40B4-BE49-F238E27FC236}">
-                <a16:creationId xmlns:a16="http://schemas.microsoft.com/office/drawing/2014/main" id="{96FB3B09-233A-692F-5CEB-579CABA6463E}"/>
-              </a:ext>
-            </a:extLst>
-          </p:cNvPr>
-          <p:cNvSpPr>
-            <a:spLocks noGrp="1"/>
-          </p:cNvSpPr>
-          <p:nvPr>
-            <p:ph sz="quarter" idx="4"/>
-          </p:nvPr>
-        </p:nvSpPr>
-        <p:spPr>
-          <a:xfrm>
-            <a:off x="5944083" y="3030007"/>
-            <a:ext cx="5576385" cy="2906179"/>
-          </a:xfrm>
-          <a:ln>
-            <a:solidFill>
-              <a:schemeClr val="tx1"/>
-            </a:solidFill>
-          </a:ln>
-        </p:spPr>
-        <p:txBody>
-          <a:bodyPr>
-            <a:normAutofit fontScale="92500" lnSpcReduction="10000"/>
-          </a:bodyPr>
-          <a:lstStyle/>
-          <a:p>
-            <a:r>
-              <a:rPr lang="en-US" b="1" dirty="0"/>
-              <a:t>Endeavor: </a:t>
-            </a:r>
-            <a:r>
-              <a:rPr lang="en-US" dirty="0"/>
-              <a:t>“A creation”</a:t>
-            </a:r>
-          </a:p>
-          <a:p>
-            <a:r>
-              <a:rPr lang="en-US" b="1" dirty="0"/>
-              <a:t>Work</a:t>
-            </a:r>
-            <a:r>
-              <a:rPr lang="en-US" dirty="0"/>
-              <a:t>: "An abstract notion of an artistic or intellectual creation.”</a:t>
-            </a:r>
-          </a:p>
-          <a:p>
-            <a:r>
-              <a:rPr lang="en-US" b="1" dirty="0"/>
-              <a:t>Expression</a:t>
-            </a:r>
-            <a:r>
-              <a:rPr lang="en-US" dirty="0"/>
-              <a:t>: ”A perceivable form of a creation.”</a:t>
-            </a:r>
-          </a:p>
-          <a:p>
-            <a:r>
-              <a:rPr lang="en-US" b="1" dirty="0"/>
-              <a:t>Manifestation</a:t>
-            </a:r>
-            <a:r>
-              <a:rPr lang="en-US" dirty="0"/>
-              <a:t>: "The physical embodiment of a creation”</a:t>
-            </a:r>
-          </a:p>
-          <a:p>
-            <a:r>
-              <a:rPr lang="en-US" b="1" dirty="0"/>
-              <a:t>Item</a:t>
-            </a:r>
-            <a:r>
-              <a:rPr lang="en-US" dirty="0"/>
-              <a:t>: "An exemplar of a creation."</a:t>
-            </a:r>
-          </a:p>
-        </p:txBody>
-      </p:sp>
-    </p:spTree>
-    <p:extLst>
-      <p:ext uri="{BB962C8B-B14F-4D97-AF65-F5344CB8AC3E}">
-        <p14:creationId xmlns:p14="http://schemas.microsoft.com/office/powerpoint/2010/main" val="1676663223"/>
-      </p:ext>
-    </p:extLst>
-  </p:cSld>
-  <p:clrMapOvr>
-    <a:masterClrMapping/>
-  </p:clrMapOvr>
-</p:sld>
-</file>
-
-<file path=ppt/slides/slide13.xml><?xml version="1.0" encoding="utf-8"?>
-<p:sld xmlns:a="http://schemas.openxmlformats.org/drawingml/2006/main" xmlns:r="http://schemas.openxmlformats.org/officeDocument/2006/relationships" xmlns:p="http://schemas.openxmlformats.org/presentationml/2006/main">
-  <p:cSld>
-    <p:spTree>
-      <p:nvGrpSpPr>
-        <p:cNvPr id="1" name=""/>
-        <p:cNvGrpSpPr/>
-        <p:nvPr/>
-      </p:nvGrpSpPr>
-      <p:grpSpPr>
-        <a:xfrm>
-          <a:off x="0" y="0"/>
-          <a:ext cx="0" cy="0"/>
-          <a:chOff x="0" y="0"/>
-          <a:chExt cx="0" cy="0"/>
-        </a:xfrm>
-      </p:grpSpPr>
-      <p:sp>
-        <p:nvSpPr>
-          <p:cNvPr id="2" name="Title 1">
-            <a:extLst>
-              <a:ext uri="{FF2B5EF4-FFF2-40B4-BE49-F238E27FC236}">
-                <a16:creationId xmlns:a16="http://schemas.microsoft.com/office/drawing/2014/main" id="{EBBD9DF5-AE0E-02B1-4F60-08E7D8D557B9}"/>
-              </a:ext>
-            </a:extLst>
-          </p:cNvPr>
-          <p:cNvSpPr>
-            <a:spLocks noGrp="1"/>
-          </p:cNvSpPr>
-          <p:nvPr>
-            <p:ph type="title"/>
-          </p:nvPr>
-        </p:nvSpPr>
-        <p:spPr>
-          <a:xfrm>
-            <a:off x="1294362" y="359675"/>
-            <a:ext cx="9603275" cy="1049235"/>
-          </a:xfrm>
-        </p:spPr>
-        <p:txBody>
-          <a:bodyPr>
-            <a:normAutofit/>
-          </a:bodyPr>
-          <a:lstStyle/>
-          <a:p>
-            <a:pPr algn="ctr"/>
-            <a:r>
-              <a:rPr lang="en-US" sz="2400" dirty="0"/>
-              <a:t>we hope for resource-specific subclasses and </a:t>
-            </a:r>
-            <a:r>
-              <a:rPr lang="en-US" sz="2400" dirty="0" err="1"/>
-              <a:t>subproperties</a:t>
-            </a:r>
-            <a:r>
-              <a:rPr lang="en-US" sz="2400" dirty="0"/>
-              <a:t> </a:t>
-            </a:r>
-          </a:p>
-        </p:txBody>
-      </p:sp>
-      <p:graphicFrame>
-        <p:nvGraphicFramePr>
-          <p:cNvPr id="3" name="Diagram 2">
-            <a:extLst>
-              <a:ext uri="{FF2B5EF4-FFF2-40B4-BE49-F238E27FC236}">
-                <a16:creationId xmlns:a16="http://schemas.microsoft.com/office/drawing/2014/main" id="{602BD9EB-20B1-72D9-1153-61936D1E9DCE}"/>
-              </a:ext>
-            </a:extLst>
-          </p:cNvPr>
-          <p:cNvGraphicFramePr/>
-          <p:nvPr>
-            <p:extLst>
-              <p:ext uri="{D42A27DB-BD31-4B8C-83A1-F6EECF244321}">
-                <p14:modId xmlns:p14="http://schemas.microsoft.com/office/powerpoint/2010/main" val="1206860721"/>
-              </p:ext>
-            </p:extLst>
-          </p:nvPr>
-        </p:nvGraphicFramePr>
-        <p:xfrm>
-          <a:off x="1897818" y="1293697"/>
-          <a:ext cx="8128000" cy="5418667"/>
-        </p:xfrm>
-        <a:graphic>
-          <a:graphicData uri="http://schemas.openxmlformats.org/drawingml/2006/diagram">
-            <dgm:relIds xmlns:dgm="http://schemas.openxmlformats.org/drawingml/2006/diagram" xmlns:r="http://schemas.openxmlformats.org/officeDocument/2006/relationships" r:dm="rId3" r:lo="rId4" r:qs="rId5" r:cs="rId6"/>
-          </a:graphicData>
-        </a:graphic>
-      </p:graphicFrame>
-    </p:spTree>
-    <p:extLst>
-      <p:ext uri="{BB962C8B-B14F-4D97-AF65-F5344CB8AC3E}">
-        <p14:creationId xmlns:p14="http://schemas.microsoft.com/office/powerpoint/2010/main" val="613439204"/>
-      </p:ext>
-    </p:extLst>
-  </p:cSld>
-  <p:clrMapOvr>
-    <a:masterClrMapping/>
-  </p:clrMapOvr>
-</p:sld>
-</file>
-
-<file path=ppt/slides/slide14.xml><?xml version="1.0" encoding="utf-8"?>
-<p:sld xmlns:a="http://schemas.openxmlformats.org/drawingml/2006/main" xmlns:r="http://schemas.openxmlformats.org/officeDocument/2006/relationships" xmlns:p="http://schemas.openxmlformats.org/presentationml/2006/main">
-  <p:cSld>
-    <p:bg>
-      <p:bgPr>
-        <a:gradFill rotWithShape="1">
-          <a:gsLst>
-            <a:gs pos="0">
-              <a:schemeClr val="bg2">
-                <a:tint val="94000"/>
-                <a:satMod val="80000"/>
-                <a:lumMod val="106000"/>
-              </a:schemeClr>
-            </a:gs>
-            <a:gs pos="100000">
-              <a:schemeClr val="bg2">
-                <a:shade val="80000"/>
-              </a:schemeClr>
-            </a:gs>
-          </a:gsLst>
-          <a:path path="circle">
-            <a:fillToRect l="50000" t="50000" r="50000" b="50000"/>
-          </a:path>
-        </a:gradFill>
-        <a:effectLst/>
-      </p:bgPr>
-    </p:bg>
-    <p:spTree>
-      <p:nvGrpSpPr>
-        <p:cNvPr id="1" name=""/>
-        <p:cNvGrpSpPr/>
-        <p:nvPr/>
-      </p:nvGrpSpPr>
-      <p:grpSpPr>
-        <a:xfrm>
-          <a:off x="0" y="0"/>
-          <a:ext cx="0" cy="0"/>
-          <a:chOff x="0" y="0"/>
-          <a:chExt cx="0" cy="0"/>
-        </a:xfrm>
-      </p:grpSpPr>
-      <p:sp useBgFill="1">
-        <p:nvSpPr>
-          <p:cNvPr id="13" name="Rectangle 12">
-            <a:extLst>
-              <a:ext uri="{FF2B5EF4-FFF2-40B4-BE49-F238E27FC236}">
-                <a16:creationId xmlns:a16="http://schemas.microsoft.com/office/drawing/2014/main" id="{29C51009-A09A-4689-8E6C-F8FC99E6A840}"/>
-              </a:ext>
-              <a:ext uri="{C183D7F6-B498-43B3-948B-1728B52AA6E4}">
-                <adec:decorative xmlns:adec="http://schemas.microsoft.com/office/drawing/2017/decorative" val="1"/>
-              </a:ext>
-            </a:extLst>
-          </p:cNvPr>
-          <p:cNvSpPr>
-            <a:spLocks noGrp="1" noRot="1" noChangeAspect="1" noMove="1" noResize="1" noEditPoints="1" noAdjustHandles="1" noChangeArrowheads="1" noChangeShapeType="1" noTextEdit="1"/>
-          </p:cNvSpPr>
-          <p:nvPr>
-            <p:extLst>
-              <p:ext uri="{386F3935-93C4-4BCD-93E2-E3B085C9AB24}">
-                <p16:designElem xmlns:p16="http://schemas.microsoft.com/office/powerpoint/2015/main" val="1"/>
-              </p:ext>
-            </p:extLst>
-          </p:nvPr>
-        </p:nvSpPr>
-        <p:spPr>
-          <a:xfrm>
-            <a:off x="2" y="0"/>
-            <a:ext cx="12191695" cy="6858000"/>
-          </a:xfrm>
-          <a:prstGeom prst="rect">
-            <a:avLst/>
-          </a:prstGeom>
-          <a:ln>
-            <a:noFill/>
-          </a:ln>
-        </p:spPr>
-        <p:style>
-          <a:lnRef idx="2">
-            <a:schemeClr val="accent1">
-              <a:shade val="50000"/>
-            </a:schemeClr>
-          </a:lnRef>
-          <a:fillRef idx="1">
-            <a:schemeClr val="accent1"/>
-          </a:fillRef>
-          <a:effectRef idx="0">
-            <a:schemeClr val="accent1"/>
-          </a:effectRef>
-          <a:fontRef idx="minor">
-            <a:schemeClr val="lt1"/>
-          </a:fontRef>
-        </p:style>
-        <p:txBody>
-          <a:bodyPr rtlCol="0" anchor="ctr"/>
-          <a:lstStyle/>
-          <a:p>
-            <a:pPr algn="ctr"/>
-            <a:endParaRPr lang="en-US"/>
-          </a:p>
-        </p:txBody>
-      </p:sp>
-      <p:sp>
-        <p:nvSpPr>
-          <p:cNvPr id="7" name="Title 6">
-            <a:extLst>
-              <a:ext uri="{FF2B5EF4-FFF2-40B4-BE49-F238E27FC236}">
-                <a16:creationId xmlns:a16="http://schemas.microsoft.com/office/drawing/2014/main" id="{515770A2-8B1E-D6A2-F5F8-0639A563EEE2}"/>
-              </a:ext>
-            </a:extLst>
-          </p:cNvPr>
-          <p:cNvSpPr>
-            <a:spLocks noGrp="1"/>
-          </p:cNvSpPr>
-          <p:nvPr>
-            <p:ph type="title"/>
-          </p:nvPr>
-        </p:nvSpPr>
-        <p:spPr>
-          <a:xfrm>
-            <a:off x="844476" y="1600199"/>
-            <a:ext cx="3539266" cy="4297680"/>
-          </a:xfrm>
-        </p:spPr>
-        <p:txBody>
-          <a:bodyPr anchor="ctr">
-            <a:normAutofit/>
-          </a:bodyPr>
-          <a:lstStyle/>
-          <a:p>
-            <a:r>
-              <a:rPr lang="en-US" dirty="0"/>
-              <a:t>The </a:t>
-            </a:r>
-            <a:r>
-              <a:rPr lang="en-US" dirty="0" err="1"/>
-              <a:t>openwemi</a:t>
-            </a:r>
-            <a:r>
-              <a:rPr lang="en-US" dirty="0"/>
-              <a:t> working group</a:t>
-            </a:r>
-          </a:p>
-        </p:txBody>
-      </p:sp>
-      <p:cxnSp>
-        <p:nvCxnSpPr>
-          <p:cNvPr id="15" name="Straight Connector 14">
-            <a:extLst>
-              <a:ext uri="{FF2B5EF4-FFF2-40B4-BE49-F238E27FC236}">
-                <a16:creationId xmlns:a16="http://schemas.microsoft.com/office/drawing/2014/main" id="{9EC65442-F244-409C-BF44-C5D6472E810A}"/>
-              </a:ext>
-              <a:ext uri="{C183D7F6-B498-43B3-948B-1728B52AA6E4}">
-                <adec:decorative xmlns:adec="http://schemas.microsoft.com/office/drawing/2017/decorative" val="1"/>
-              </a:ext>
-            </a:extLst>
-          </p:cNvPr>
-          <p:cNvCxnSpPr>
-            <a:cxnSpLocks noGrp="1" noRot="1" noChangeAspect="1" noMove="1" noResize="1" noEditPoints="1" noAdjustHandles="1" noChangeArrowheads="1" noChangeShapeType="1"/>
-          </p:cNvCxnSpPr>
-          <p:nvPr>
-            <p:extLst>
-              <p:ext uri="{386F3935-93C4-4BCD-93E2-E3B085C9AB24}">
-                <p16:designElem xmlns:p16="http://schemas.microsoft.com/office/powerpoint/2015/main" val="1"/>
-              </p:ext>
-            </p:extLst>
-          </p:nvPr>
-        </p:nvCxnSpPr>
-        <p:spPr>
-          <a:xfrm>
-            <a:off x="4654296" y="2148839"/>
-            <a:ext cx="0" cy="3200400"/>
-          </a:xfrm>
-          <a:prstGeom prst="line">
-            <a:avLst/>
-          </a:prstGeom>
-          <a:ln w="31750"/>
-        </p:spPr>
-        <p:style>
-          <a:lnRef idx="1">
-            <a:schemeClr val="accent1"/>
-          </a:lnRef>
-          <a:fillRef idx="0">
-            <a:schemeClr val="accent1"/>
-          </a:fillRef>
-          <a:effectRef idx="0">
-            <a:schemeClr val="accent1"/>
-          </a:effectRef>
-          <a:fontRef idx="minor">
-            <a:schemeClr val="tx1"/>
-          </a:fontRef>
-        </p:style>
-      </p:cxnSp>
-      <p:sp>
-        <p:nvSpPr>
-          <p:cNvPr id="8" name="Content Placeholder 7">
-            <a:extLst>
-              <a:ext uri="{FF2B5EF4-FFF2-40B4-BE49-F238E27FC236}">
-                <a16:creationId xmlns:a16="http://schemas.microsoft.com/office/drawing/2014/main" id="{95424C84-D45B-4EBC-0885-C0F525A00EDA}"/>
-              </a:ext>
-            </a:extLst>
-          </p:cNvPr>
-          <p:cNvSpPr>
-            <a:spLocks noGrp="1"/>
-          </p:cNvSpPr>
-          <p:nvPr>
-            <p:ph idx="1"/>
-          </p:nvPr>
-        </p:nvSpPr>
-        <p:spPr>
-          <a:xfrm>
-            <a:off x="4924851" y="1600199"/>
-            <a:ext cx="6130003" cy="4297680"/>
-          </a:xfrm>
-        </p:spPr>
-        <p:txBody>
-          <a:bodyPr anchor="ctr">
-            <a:normAutofit/>
-          </a:bodyPr>
-          <a:lstStyle/>
-          <a:p>
-            <a:r>
-              <a:rPr lang="en-US" sz="3200" dirty="0"/>
-              <a:t>Phil Barker</a:t>
-            </a:r>
-          </a:p>
-          <a:p>
-            <a:r>
-              <a:rPr lang="en-US" sz="3200" dirty="0"/>
-              <a:t>Sean </a:t>
-            </a:r>
-            <a:r>
-              <a:rPr lang="en-US" sz="3200" dirty="0" err="1"/>
-              <a:t>Petiya</a:t>
-            </a:r>
-            <a:endParaRPr lang="en-US" sz="3200" dirty="0"/>
-          </a:p>
-          <a:p>
-            <a:r>
-              <a:rPr lang="en-US" sz="3200" dirty="0"/>
-              <a:t>Ross Singer</a:t>
-            </a:r>
-          </a:p>
-          <a:p>
-            <a:r>
-              <a:rPr lang="en-US" sz="3200" dirty="0"/>
-              <a:t>Graeme Williams</a:t>
-            </a:r>
-          </a:p>
-          <a:p>
-            <a:r>
-              <a:rPr lang="en-US" sz="3200" dirty="0"/>
-              <a:t>Karen Coyle (chair)</a:t>
-            </a:r>
-          </a:p>
-        </p:txBody>
-      </p:sp>
-    </p:spTree>
-    <p:extLst>
-      <p:ext uri="{BB962C8B-B14F-4D97-AF65-F5344CB8AC3E}">
-        <p14:creationId xmlns:p14="http://schemas.microsoft.com/office/powerpoint/2010/main" val="2554098903"/>
-      </p:ext>
-    </p:extLst>
-  </p:cSld>
-  <p:clrMapOvr>
-    <a:masterClrMapping/>
-  </p:clrMapOvr>
-</p:sld>
-</file>
-
-<file path=ppt/slides/slide15.xml><?xml version="1.0" encoding="utf-8"?>
-<p:sld xmlns:a="http://schemas.openxmlformats.org/drawingml/2006/main" xmlns:r="http://schemas.openxmlformats.org/officeDocument/2006/relationships" xmlns:p="http://schemas.openxmlformats.org/presentationml/2006/main">
-  <p:cSld>
-    <p:spTree>
-      <p:nvGrpSpPr>
-        <p:cNvPr id="1" name=""/>
-        <p:cNvGrpSpPr/>
-        <p:nvPr/>
-      </p:nvGrpSpPr>
-      <p:grpSpPr>
-        <a:xfrm>
-          <a:off x="0" y="0"/>
-          <a:ext cx="0" cy="0"/>
-          <a:chOff x="0" y="0"/>
-          <a:chExt cx="0" cy="0"/>
-        </a:xfrm>
-      </p:grpSpPr>
-      <p:sp>
-        <p:nvSpPr>
-          <p:cNvPr id="2" name="Title 1">
-            <a:extLst>
-              <a:ext uri="{FF2B5EF4-FFF2-40B4-BE49-F238E27FC236}">
-                <a16:creationId xmlns:a16="http://schemas.microsoft.com/office/drawing/2014/main" id="{A43934B5-8965-7A18-1032-6A1AF6DB1D56}"/>
-              </a:ext>
-            </a:extLst>
-          </p:cNvPr>
-          <p:cNvSpPr>
-            <a:spLocks noGrp="1"/>
-          </p:cNvSpPr>
-          <p:nvPr>
-            <p:ph type="title"/>
-          </p:nvPr>
-        </p:nvSpPr>
-        <p:spPr/>
-        <p:txBody>
-          <a:bodyPr/>
-          <a:lstStyle/>
-          <a:p>
-            <a:r>
-              <a:rPr lang="en-US" dirty="0"/>
-              <a:t>Links again</a:t>
-            </a:r>
-          </a:p>
-        </p:txBody>
-      </p:sp>
-      <p:sp>
-        <p:nvSpPr>
-          <p:cNvPr id="5" name="Content Placeholder 4">
-            <a:extLst>
-              <a:ext uri="{FF2B5EF4-FFF2-40B4-BE49-F238E27FC236}">
-                <a16:creationId xmlns:a16="http://schemas.microsoft.com/office/drawing/2014/main" id="{2A5C211C-D5A9-7017-BD4B-4861A88F4D73}"/>
-              </a:ext>
-            </a:extLst>
-          </p:cNvPr>
-          <p:cNvSpPr txBox="1">
-            <a:spLocks noGrp="1"/>
-          </p:cNvSpPr>
-          <p:nvPr>
-            <p:ph idx="1"/>
-          </p:nvPr>
-        </p:nvSpPr>
-        <p:spPr>
-          <a:xfrm>
-            <a:off x="1405091" y="2035257"/>
-            <a:ext cx="4930068" cy="1211037"/>
-          </a:xfrm>
-          <a:prstGeom prst="rect">
-            <a:avLst/>
-          </a:prstGeom>
-          <a:noFill/>
-        </p:spPr>
-        <p:txBody>
-          <a:bodyPr wrap="none" rtlCol="0">
-            <a:spAutoFit/>
-          </a:bodyPr>
-          <a:lstStyle/>
-          <a:p>
-            <a:pPr marL="0" indent="0">
-              <a:buNone/>
-            </a:pPr>
-            <a:r>
-              <a:rPr lang="en-US" sz="2800" dirty="0">
-                <a:solidFill>
-                  <a:schemeClr val="bg2">
-                    <a:lumMod val="25000"/>
-                  </a:schemeClr>
-                </a:solidFill>
-              </a:rPr>
-              <a:t>https://dcmi.github.io/openwemi/</a:t>
-            </a:r>
-          </a:p>
-          <a:p>
-            <a:endParaRPr lang="en-US" sz="2800" dirty="0">
-              <a:solidFill>
-                <a:schemeClr val="bg2">
-                  <a:lumMod val="25000"/>
-                </a:schemeClr>
-              </a:solidFill>
-            </a:endParaRPr>
-          </a:p>
-        </p:txBody>
-      </p:sp>
-      <p:sp>
-        <p:nvSpPr>
-          <p:cNvPr id="6" name="TextBox 5">
-            <a:extLst>
-              <a:ext uri="{FF2B5EF4-FFF2-40B4-BE49-F238E27FC236}">
-                <a16:creationId xmlns:a16="http://schemas.microsoft.com/office/drawing/2014/main" id="{E6CD9C9A-D679-6EA9-EBF5-6E1C2457FBBE}"/>
-              </a:ext>
-            </a:extLst>
-          </p:cNvPr>
-          <p:cNvSpPr txBox="1"/>
-          <p:nvPr/>
-        </p:nvSpPr>
-        <p:spPr>
-          <a:xfrm>
-            <a:off x="1405091" y="3369622"/>
-            <a:ext cx="5207388" cy="523220"/>
-          </a:xfrm>
-          <a:prstGeom prst="rect">
-            <a:avLst/>
-          </a:prstGeom>
-          <a:noFill/>
-        </p:spPr>
-        <p:txBody>
-          <a:bodyPr wrap="none" rtlCol="0">
-            <a:spAutoFit/>
-          </a:bodyPr>
-          <a:lstStyle/>
-          <a:p>
-            <a:r>
-              <a:rPr lang="en-US" sz="2800" dirty="0">
-                <a:solidFill>
-                  <a:schemeClr val="bg2">
-                    <a:lumMod val="25000"/>
-                  </a:schemeClr>
-                </a:solidFill>
-              </a:rPr>
-              <a:t>https://</a:t>
-            </a:r>
-            <a:r>
-              <a:rPr lang="en-US" sz="2800" dirty="0" err="1">
-                <a:solidFill>
-                  <a:schemeClr val="bg2">
-                    <a:lumMod val="25000"/>
-                  </a:schemeClr>
-                </a:solidFill>
-              </a:rPr>
-              <a:t>github.com</a:t>
-            </a:r>
-            <a:r>
-              <a:rPr lang="en-US" sz="2800" dirty="0">
-                <a:solidFill>
-                  <a:schemeClr val="bg2">
-                    <a:lumMod val="25000"/>
-                  </a:schemeClr>
-                </a:solidFill>
-              </a:rPr>
-              <a:t>/</a:t>
-            </a:r>
-            <a:r>
-              <a:rPr lang="en-US" sz="2800" dirty="0" err="1">
-                <a:solidFill>
-                  <a:schemeClr val="bg2">
-                    <a:lumMod val="25000"/>
-                  </a:schemeClr>
-                </a:solidFill>
-              </a:rPr>
-              <a:t>dcmi</a:t>
-            </a:r>
-            <a:r>
-              <a:rPr lang="en-US" sz="2800" dirty="0">
-                <a:solidFill>
-                  <a:schemeClr val="bg2">
-                    <a:lumMod val="25000"/>
-                  </a:schemeClr>
-                </a:solidFill>
-              </a:rPr>
-              <a:t>/</a:t>
-            </a:r>
-            <a:r>
-              <a:rPr lang="en-US" sz="2800" dirty="0" err="1">
-                <a:solidFill>
-                  <a:schemeClr val="bg2">
-                    <a:lumMod val="25000"/>
-                  </a:schemeClr>
-                </a:solidFill>
-              </a:rPr>
-              <a:t>openwemi</a:t>
-            </a:r>
-            <a:endParaRPr lang="en-US" sz="2800" dirty="0">
-              <a:solidFill>
-                <a:schemeClr val="bg2">
-                  <a:lumMod val="25000"/>
-                </a:schemeClr>
-              </a:solidFill>
-            </a:endParaRPr>
-          </a:p>
-        </p:txBody>
-      </p:sp>
-    </p:spTree>
-    <p:extLst>
-      <p:ext uri="{BB962C8B-B14F-4D97-AF65-F5344CB8AC3E}">
-        <p14:creationId xmlns:p14="http://schemas.microsoft.com/office/powerpoint/2010/main" val="15645783"/>
-      </p:ext>
-    </p:extLst>
-  </p:cSld>
-  <p:clrMapOvr>
-    <a:masterClrMapping/>
-  </p:clrMapOvr>
-</p:sld>
-</file>
-
-<file path=ppt/slides/slide2.xml><?xml version="1.0" encoding="utf-8"?>
-<p:sld xmlns:a="http://schemas.openxmlformats.org/drawingml/2006/main" xmlns:r="http://schemas.openxmlformats.org/officeDocument/2006/relationships" xmlns:p="http://schemas.openxmlformats.org/presentationml/2006/main">
-  <p:cSld>
-    <p:bg>
-      <p:bgPr>
-        <a:gradFill rotWithShape="1">
-          <a:gsLst>
-            <a:gs pos="0">
-              <a:schemeClr val="bg2">
-                <a:tint val="94000"/>
-                <a:satMod val="80000"/>
-                <a:lumMod val="106000"/>
-              </a:schemeClr>
-            </a:gs>
-            <a:gs pos="100000">
-              <a:schemeClr val="bg2">
-                <a:shade val="80000"/>
-              </a:schemeClr>
-            </a:gs>
-          </a:gsLst>
-          <a:path path="circle">
-            <a:fillToRect l="43000" r="43000" b="100000"/>
-          </a:path>
-        </a:gradFill>
-        <a:effectLst/>
-      </p:bgPr>
-    </p:bg>
-    <p:spTree>
-      <p:nvGrpSpPr>
-        <p:cNvPr id="1" name="">
-          <a:extLst>
-            <a:ext uri="{FF2B5EF4-FFF2-40B4-BE49-F238E27FC236}">
-              <a16:creationId xmlns:a16="http://schemas.microsoft.com/office/drawing/2014/main" id="{858935CB-D8CC-9A84-30F3-B0D758A7C536}"/>
-            </a:ext>
-          </a:extLst>
-        </p:cNvPr>
-        <p:cNvGrpSpPr/>
-        <p:nvPr/>
-      </p:nvGrpSpPr>
-      <p:grpSpPr>
-        <a:xfrm>
-          <a:off x="0" y="0"/>
-          <a:ext cx="0" cy="0"/>
-          <a:chOff x="0" y="0"/>
-          <a:chExt cx="0" cy="0"/>
-        </a:xfrm>
-      </p:grpSpPr>
-      <p:sp>
-        <p:nvSpPr>
-          <p:cNvPr id="17" name="Rectangle 16">
-            <a:extLst>
-              <a:ext uri="{FF2B5EF4-FFF2-40B4-BE49-F238E27FC236}">
-                <a16:creationId xmlns:a16="http://schemas.microsoft.com/office/drawing/2014/main" id="{0CABCAE3-64FC-4149-819F-2C1812824154}"/>
-              </a:ext>
-              <a:ext uri="{C183D7F6-B498-43B3-948B-1728B52AA6E4}">
-                <adec:decorative xmlns:adec="http://schemas.microsoft.com/office/drawing/2017/decorative" val="1"/>
-              </a:ext>
-            </a:extLst>
-          </p:cNvPr>
-          <p:cNvSpPr>
-            <a:spLocks noGrp="1" noRot="1" noChangeAspect="1" noMove="1" noResize="1" noEditPoints="1" noAdjustHandles="1" noChangeArrowheads="1" noChangeShapeType="1" noTextEdit="1"/>
-          </p:cNvSpPr>
-          <p:nvPr>
-            <p:extLst>
-              <p:ext uri="{386F3935-93C4-4BCD-93E2-E3B085C9AB24}">
-                <p16:designElem xmlns:p16="http://schemas.microsoft.com/office/powerpoint/2015/main" val="1"/>
-              </p:ext>
-            </p:extLst>
-          </p:nvPr>
-        </p:nvSpPr>
-        <p:spPr>
-          <a:xfrm>
-            <a:off x="0" y="2019476"/>
-            <a:ext cx="12192000" cy="4105941"/>
-          </a:xfrm>
-          <a:prstGeom prst="rect">
-            <a:avLst/>
-          </a:prstGeom>
-          <a:gradFill flip="none" rotWithShape="1">
-            <a:gsLst>
-              <a:gs pos="0">
-                <a:schemeClr val="bg2">
-                  <a:alpha val="0"/>
-                </a:schemeClr>
-              </a:gs>
-              <a:gs pos="100000">
-                <a:schemeClr val="bg2"/>
-              </a:gs>
-            </a:gsLst>
-            <a:lin ang="5400000" scaled="0"/>
-            <a:tileRect/>
-          </a:gradFill>
-          <a:ln>
-            <a:noFill/>
-          </a:ln>
-        </p:spPr>
-        <p:style>
-          <a:lnRef idx="2">
-            <a:schemeClr val="accent1">
-              <a:shade val="50000"/>
-            </a:schemeClr>
-          </a:lnRef>
-          <a:fillRef idx="1">
-            <a:schemeClr val="accent1"/>
-          </a:fillRef>
-          <a:effectRef idx="0">
-            <a:schemeClr val="accent1"/>
-          </a:effectRef>
-          <a:fontRef idx="minor">
-            <a:schemeClr val="lt1"/>
-          </a:fontRef>
-        </p:style>
-      </p:sp>
-      <p:pic>
-        <p:nvPicPr>
-          <p:cNvPr id="19" name="Picture 18">
-            <a:extLst>
-              <a:ext uri="{FF2B5EF4-FFF2-40B4-BE49-F238E27FC236}">
-                <a16:creationId xmlns:a16="http://schemas.microsoft.com/office/drawing/2014/main" id="{012FDCFE-9AD2-4D8A-8CBF-B3AA37EBF6DD}"/>
-              </a:ext>
-              <a:ext uri="{C183D7F6-B498-43B3-948B-1728B52AA6E4}">
-                <adec:decorative xmlns:adec="http://schemas.microsoft.com/office/drawing/2017/decorative" val="1"/>
-              </a:ext>
-            </a:extLst>
-          </p:cNvPr>
-          <p:cNvPicPr>
-            <a:picLocks noGrp="1" noRot="1" noChangeAspect="1" noMove="1" noResize="1" noEditPoints="1" noAdjustHandles="1" noChangeArrowheads="1" noChangeShapeType="1" noCrop="1"/>
-          </p:cNvPicPr>
-          <p:nvPr>
-            <p:extLst>
-              <p:ext uri="{386F3935-93C4-4BCD-93E2-E3B085C9AB24}">
-                <p16:designElem xmlns:p16="http://schemas.microsoft.com/office/powerpoint/2015/main" val="1"/>
-              </p:ext>
-            </p:extLst>
-          </p:nvPr>
-        </p:nvPicPr>
-        <p:blipFill rotWithShape="1">
-          <a:blip r:embed="rId3">
-            <a:extLst>
-              <a:ext uri="{28A0092B-C50C-407E-A947-70E740481C1C}">
-                <a14:useLocalDpi xmlns:a14="http://schemas.microsoft.com/office/drawing/2010/main" val="0"/>
-              </a:ext>
-            </a:extLst>
-          </a:blip>
-          <a:srcRect t="1538" b="-1538"/>
-          <a:stretch/>
-        </p:blipFill>
-        <p:spPr bwMode="black">
-          <a:xfrm>
-            <a:off x="0" y="6126480"/>
-            <a:ext cx="12192000" cy="742950"/>
-          </a:xfrm>
-          <a:prstGeom prst="rect">
-            <a:avLst/>
-          </a:prstGeom>
-        </p:spPr>
-      </p:pic>
-      <p:cxnSp>
-        <p:nvCxnSpPr>
-          <p:cNvPr id="21" name="Straight Connector 20">
-            <a:extLst>
-              <a:ext uri="{FF2B5EF4-FFF2-40B4-BE49-F238E27FC236}">
-                <a16:creationId xmlns:a16="http://schemas.microsoft.com/office/drawing/2014/main" id="{FBD463FC-4CA8-4FF4-85A3-AF9F4B98D210}"/>
-              </a:ext>
-              <a:ext uri="{C183D7F6-B498-43B3-948B-1728B52AA6E4}">
-                <adec:decorative xmlns:adec="http://schemas.microsoft.com/office/drawing/2017/decorative" val="1"/>
-              </a:ext>
-            </a:extLst>
-          </p:cNvPr>
-          <p:cNvCxnSpPr>
-            <a:cxnSpLocks noGrp="1" noRot="1" noChangeAspect="1" noMove="1" noResize="1" noEditPoints="1" noAdjustHandles="1" noChangeArrowheads="1" noChangeShapeType="1"/>
-          </p:cNvCxnSpPr>
-          <p:nvPr>
-            <p:extLst>
-              <p:ext uri="{386F3935-93C4-4BCD-93E2-E3B085C9AB24}">
-                <p16:designElem xmlns:p16="http://schemas.microsoft.com/office/powerpoint/2015/main" val="1"/>
-              </p:ext>
-            </p:extLst>
-          </p:nvPr>
-        </p:nvCxnSpPr>
-        <p:spPr>
-          <a:xfrm>
-            <a:off x="0" y="6128413"/>
-            <a:ext cx="12192000" cy="0"/>
-          </a:xfrm>
-          <a:prstGeom prst="line">
-            <a:avLst/>
-          </a:prstGeom>
-          <a:ln w="12700">
-            <a:solidFill>
-              <a:srgbClr val="000001">
-                <a:alpha val="20000"/>
-              </a:srgbClr>
-            </a:solidFill>
-          </a:ln>
-        </p:spPr>
-        <p:style>
-          <a:lnRef idx="1">
-            <a:schemeClr val="accent1"/>
-          </a:lnRef>
-          <a:fillRef idx="0">
-            <a:schemeClr val="accent1"/>
-          </a:fillRef>
-          <a:effectRef idx="0">
-            <a:schemeClr val="accent1"/>
-          </a:effectRef>
-          <a:fontRef idx="minor">
-            <a:schemeClr val="tx1"/>
-          </a:fontRef>
-        </p:style>
-      </p:cxnSp>
-      <p:cxnSp>
-        <p:nvCxnSpPr>
-          <p:cNvPr id="23" name="Straight Connector 22">
-            <a:extLst>
-              <a:ext uri="{FF2B5EF4-FFF2-40B4-BE49-F238E27FC236}">
-                <a16:creationId xmlns:a16="http://schemas.microsoft.com/office/drawing/2014/main" id="{BECF35C3-8B44-4F4B-BD25-4C01823DB22A}"/>
-              </a:ext>
-              <a:ext uri="{C183D7F6-B498-43B3-948B-1728B52AA6E4}">
-                <adec:decorative xmlns:adec="http://schemas.microsoft.com/office/drawing/2017/decorative" val="1"/>
-              </a:ext>
-            </a:extLst>
-          </p:cNvPr>
-          <p:cNvCxnSpPr>
-            <a:cxnSpLocks noGrp="1" noRot="1" noChangeAspect="1" noMove="1" noResize="1" noEditPoints="1" noAdjustHandles="1" noChangeArrowheads="1" noChangeShapeType="1"/>
-          </p:cNvCxnSpPr>
-          <p:nvPr>
-            <p:extLst>
-              <p:ext uri="{386F3935-93C4-4BCD-93E2-E3B085C9AB24}">
-                <p16:designElem xmlns:p16="http://schemas.microsoft.com/office/powerpoint/2015/main" val="1"/>
-              </p:ext>
-            </p:extLst>
-          </p:nvPr>
-        </p:nvCxnSpPr>
-        <p:spPr>
-          <a:xfrm>
-            <a:off x="2417780" y="3528542"/>
-            <a:ext cx="8637072" cy="0"/>
-          </a:xfrm>
-          <a:prstGeom prst="line">
-            <a:avLst/>
-          </a:prstGeom>
-          <a:ln w="31750"/>
-        </p:spPr>
-        <p:style>
-          <a:lnRef idx="3">
-            <a:schemeClr val="accent1"/>
-          </a:lnRef>
-          <a:fillRef idx="0">
-            <a:schemeClr val="accent1"/>
-          </a:fillRef>
-          <a:effectRef idx="2">
-            <a:schemeClr val="accent1"/>
-          </a:effectRef>
-          <a:fontRef idx="minor">
-            <a:schemeClr val="tx1"/>
-          </a:fontRef>
-        </p:style>
-      </p:cxnSp>
-      <p:sp useBgFill="1">
-        <p:nvSpPr>
-          <p:cNvPr id="25" name="Rectangle 24">
-            <a:extLst>
-              <a:ext uri="{FF2B5EF4-FFF2-40B4-BE49-F238E27FC236}">
-                <a16:creationId xmlns:a16="http://schemas.microsoft.com/office/drawing/2014/main" id="{2FA7AD0A-1871-4DF8-9235-F49D0513B9C1}"/>
-              </a:ext>
-              <a:ext uri="{C183D7F6-B498-43B3-948B-1728B52AA6E4}">
-                <adec:decorative xmlns:adec="http://schemas.microsoft.com/office/drawing/2017/decorative" val="1"/>
-              </a:ext>
-            </a:extLst>
-          </p:cNvPr>
-          <p:cNvSpPr>
-            <a:spLocks noGrp="1" noRot="1" noChangeAspect="1" noMove="1" noResize="1" noEditPoints="1" noAdjustHandles="1" noChangeArrowheads="1" noChangeShapeType="1" noTextEdit="1"/>
-          </p:cNvSpPr>
-          <p:nvPr>
-            <p:extLst>
-              <p:ext uri="{386F3935-93C4-4BCD-93E2-E3B085C9AB24}">
-                <p16:designElem xmlns:p16="http://schemas.microsoft.com/office/powerpoint/2015/main" val="1"/>
-              </p:ext>
-            </p:extLst>
-          </p:nvPr>
-        </p:nvSpPr>
-        <p:spPr>
-          <a:xfrm>
-            <a:off x="2" y="0"/>
-            <a:ext cx="12191695" cy="6858000"/>
-          </a:xfrm>
-          <a:prstGeom prst="rect">
-            <a:avLst/>
-          </a:prstGeom>
-          <a:ln>
-            <a:noFill/>
-          </a:ln>
-        </p:spPr>
-        <p:style>
-          <a:lnRef idx="2">
-            <a:schemeClr val="accent1">
-              <a:shade val="50000"/>
-            </a:schemeClr>
-          </a:lnRef>
-          <a:fillRef idx="1">
-            <a:schemeClr val="accent1"/>
-          </a:fillRef>
-          <a:effectRef idx="0">
-            <a:schemeClr val="accent1"/>
-          </a:effectRef>
-          <a:fontRef idx="minor">
-            <a:schemeClr val="lt1"/>
-          </a:fontRef>
-        </p:style>
-        <p:txBody>
-          <a:bodyPr rtlCol="0" anchor="ctr"/>
-          <a:lstStyle/>
-          <a:p>
-            <a:pPr algn="ctr"/>
-            <a:endParaRPr lang="en-US"/>
-          </a:p>
-        </p:txBody>
-      </p:sp>
-      <p:sp>
-        <p:nvSpPr>
-          <p:cNvPr id="27" name="Rectangle 26">
-            <a:extLst>
-              <a:ext uri="{FF2B5EF4-FFF2-40B4-BE49-F238E27FC236}">
-                <a16:creationId xmlns:a16="http://schemas.microsoft.com/office/drawing/2014/main" id="{36B04CFB-FAE5-47DD-9B3E-4E9BA7A89CC1}"/>
-              </a:ext>
-              <a:ext uri="{C183D7F6-B498-43B3-948B-1728B52AA6E4}">
-                <adec:decorative xmlns:adec="http://schemas.microsoft.com/office/drawing/2017/decorative" val="1"/>
-              </a:ext>
-            </a:extLst>
-          </p:cNvPr>
-          <p:cNvSpPr>
-            <a:spLocks noGrp="1" noRot="1" noChangeAspect="1" noMove="1" noResize="1" noEditPoints="1" noAdjustHandles="1" noChangeArrowheads="1" noChangeShapeType="1" noTextEdit="1"/>
-          </p:cNvSpPr>
-          <p:nvPr>
-            <p:extLst>
-              <p:ext uri="{386F3935-93C4-4BCD-93E2-E3B085C9AB24}">
-                <p16:designElem xmlns:p16="http://schemas.microsoft.com/office/powerpoint/2015/main" val="1"/>
-              </p:ext>
-            </p:extLst>
-          </p:nvPr>
-        </p:nvSpPr>
-        <p:spPr>
-          <a:xfrm>
-            <a:off x="0" y="2019476"/>
-            <a:ext cx="12192000" cy="4105941"/>
-          </a:xfrm>
-          <a:prstGeom prst="rect">
-            <a:avLst/>
-          </a:prstGeom>
-          <a:gradFill flip="none" rotWithShape="1">
-            <a:gsLst>
-              <a:gs pos="0">
-                <a:schemeClr val="bg2">
-                  <a:alpha val="0"/>
-                </a:schemeClr>
-              </a:gs>
-              <a:gs pos="100000">
-                <a:schemeClr val="bg2"/>
-              </a:gs>
-            </a:gsLst>
-            <a:lin ang="5400000" scaled="0"/>
-            <a:tileRect/>
-          </a:gradFill>
-          <a:ln>
-            <a:noFill/>
-          </a:ln>
-        </p:spPr>
-        <p:style>
-          <a:lnRef idx="2">
-            <a:schemeClr val="accent1">
-              <a:shade val="50000"/>
-            </a:schemeClr>
-          </a:lnRef>
-          <a:fillRef idx="1">
-            <a:schemeClr val="accent1"/>
-          </a:fillRef>
-          <a:effectRef idx="0">
-            <a:schemeClr val="accent1"/>
-          </a:effectRef>
-          <a:fontRef idx="minor">
-            <a:schemeClr val="lt1"/>
-          </a:fontRef>
-        </p:style>
-        <p:txBody>
-          <a:bodyPr rtlCol="0" anchor="ctr"/>
-          <a:lstStyle/>
-          <a:p>
-            <a:pPr lvl="0" algn="ctr"/>
-            <a:endParaRPr lang="en-US"/>
-          </a:p>
-        </p:txBody>
-      </p:sp>
-      <p:sp>
-        <p:nvSpPr>
-          <p:cNvPr id="2" name="Title 1">
-            <a:extLst>
-              <a:ext uri="{FF2B5EF4-FFF2-40B4-BE49-F238E27FC236}">
-                <a16:creationId xmlns:a16="http://schemas.microsoft.com/office/drawing/2014/main" id="{42F7182D-5B60-00C9-8570-09796574FBBA}"/>
-              </a:ext>
-            </a:extLst>
-          </p:cNvPr>
-          <p:cNvSpPr>
-            <a:spLocks noGrp="1"/>
-          </p:cNvSpPr>
-          <p:nvPr>
-            <p:ph type="title"/>
-          </p:nvPr>
-        </p:nvSpPr>
-        <p:spPr>
-          <a:xfrm>
-            <a:off x="659301" y="1474969"/>
-            <a:ext cx="2823919" cy="1868760"/>
-          </a:xfrm>
-          <a:prstGeom prst="ellipse">
-            <a:avLst/>
-          </a:prstGeom>
-        </p:spPr>
-        <p:txBody>
-          <a:bodyPr vert="horz" lIns="91440" tIns="45720" rIns="91440" bIns="0" rtlCol="0" anchor="b">
-            <a:normAutofit/>
-          </a:bodyPr>
-          <a:lstStyle/>
-          <a:p>
-            <a:r>
-              <a:rPr lang="en-US" sz="3100"/>
-              <a:t>FRBR-LRM WEMI</a:t>
-            </a:r>
-          </a:p>
-        </p:txBody>
-      </p:sp>
-      <p:cxnSp>
-        <p:nvCxnSpPr>
-          <p:cNvPr id="29" name="Straight Connector 28">
-            <a:extLst>
-              <a:ext uri="{FF2B5EF4-FFF2-40B4-BE49-F238E27FC236}">
-                <a16:creationId xmlns:a16="http://schemas.microsoft.com/office/drawing/2014/main" id="{EE68D41B-9286-479F-9AB7-678C8E348D71}"/>
-              </a:ext>
-              <a:ext uri="{C183D7F6-B498-43B3-948B-1728B52AA6E4}">
-                <adec:decorative xmlns:adec="http://schemas.microsoft.com/office/drawing/2017/decorative" val="1"/>
-              </a:ext>
-            </a:extLst>
-          </p:cNvPr>
-          <p:cNvCxnSpPr>
-            <a:cxnSpLocks noGrp="1" noRot="1" noChangeAspect="1" noMove="1" noResize="1" noEditPoints="1" noAdjustHandles="1" noChangeArrowheads="1" noChangeShapeType="1"/>
-          </p:cNvCxnSpPr>
-          <p:nvPr>
-            <p:extLst>
-              <p:ext uri="{386F3935-93C4-4BCD-93E2-E3B085C9AB24}">
-                <p16:designElem xmlns:p16="http://schemas.microsoft.com/office/powerpoint/2015/main" val="1"/>
-              </p:ext>
-            </p:extLst>
-          </p:nvPr>
-        </p:nvCxnSpPr>
-        <p:spPr>
-          <a:xfrm>
-            <a:off x="659301" y="3528543"/>
-            <a:ext cx="2823919" cy="0"/>
-          </a:xfrm>
-          <a:prstGeom prst="line">
-            <a:avLst/>
-          </a:prstGeom>
-          <a:ln w="31750"/>
-        </p:spPr>
-        <p:style>
-          <a:lnRef idx="3">
-            <a:schemeClr val="accent1"/>
-          </a:lnRef>
-          <a:fillRef idx="0">
-            <a:schemeClr val="accent1"/>
-          </a:fillRef>
-          <a:effectRef idx="2">
-            <a:schemeClr val="accent1"/>
-          </a:effectRef>
-          <a:fontRef idx="minor">
-            <a:schemeClr val="tx1"/>
-          </a:fontRef>
-        </p:style>
-      </p:cxnSp>
-      <p:grpSp>
-        <p:nvGrpSpPr>
-          <p:cNvPr id="31" name="Group 30">
-            <a:extLst>
-              <a:ext uri="{FF2B5EF4-FFF2-40B4-BE49-F238E27FC236}">
-                <a16:creationId xmlns:a16="http://schemas.microsoft.com/office/drawing/2014/main" id="{E8ACF89C-CFC3-4D68-B3C4-2BEFB7BBE5F7}"/>
-              </a:ext>
-              <a:ext uri="{C183D7F6-B498-43B3-948B-1728B52AA6E4}">
-                <adec:decorative xmlns:adec="http://schemas.microsoft.com/office/drawing/2017/decorative" val="1"/>
-              </a:ext>
-            </a:extLst>
-          </p:cNvPr>
-          <p:cNvGrpSpPr>
-            <a:grpSpLocks noGrp="1" noUngrp="1" noRot="1" noChangeAspect="1" noMove="1" noResize="1"/>
-          </p:cNvGrpSpPr>
-          <p:nvPr>
-            <p:extLst>
-              <p:ext uri="{386F3935-93C4-4BCD-93E2-E3B085C9AB24}">
-                <p16:designElem xmlns:p16="http://schemas.microsoft.com/office/powerpoint/2015/main" val="1"/>
-              </p:ext>
-            </p:extLst>
-          </p:nvPr>
-        </p:nvGrpSpPr>
-        <p:grpSpPr>
-          <a:xfrm>
-            <a:off x="3979389" y="482171"/>
-            <a:ext cx="7560115" cy="5149101"/>
-            <a:chOff x="3979389" y="482171"/>
-            <a:chExt cx="7560115" cy="5149101"/>
-          </a:xfrm>
-        </p:grpSpPr>
-        <p:sp>
-          <p:nvSpPr>
-            <p:cNvPr id="32" name="Rectangle 31">
-              <a:extLst>
-                <a:ext uri="{FF2B5EF4-FFF2-40B4-BE49-F238E27FC236}">
-                  <a16:creationId xmlns:a16="http://schemas.microsoft.com/office/drawing/2014/main" id="{3B770B7D-3C5C-4682-8DF0-20783592F3B6}"/>
-                </a:ext>
-                <a:ext uri="{C183D7F6-B498-43B3-948B-1728B52AA6E4}">
-                  <adec:decorative xmlns:adec="http://schemas.microsoft.com/office/drawing/2017/decorative" val="1"/>
-                </a:ext>
-              </a:extLst>
-            </p:cNvPr>
-            <p:cNvSpPr/>
-            <p:nvPr>
-              <p:extLst>
-                <p:ext uri="{386F3935-93C4-4BCD-93E2-E3B085C9AB24}">
-                  <p16:designElem xmlns:p16="http://schemas.microsoft.com/office/powerpoint/2015/main" val="1"/>
-                </p:ext>
-              </p:extLst>
-            </p:nvPr>
-          </p:nvSpPr>
-          <p:spPr>
-            <a:xfrm>
-              <a:off x="3979389" y="482171"/>
-              <a:ext cx="7560115" cy="5149101"/>
-            </a:xfrm>
-            <a:prstGeom prst="rect">
-              <a:avLst/>
-            </a:prstGeom>
-            <a:gradFill>
-              <a:gsLst>
-                <a:gs pos="0">
-                  <a:srgbClr val="000001"/>
-                </a:gs>
-                <a:gs pos="100000">
-                  <a:srgbClr val="191919"/>
-                </a:gs>
-              </a:gsLst>
-            </a:gradFill>
-            <a:ln w="76200" cmpd="sng">
-              <a:noFill/>
-              <a:miter lim="800000"/>
-            </a:ln>
-            <a:effectLst>
-              <a:outerShdw blurRad="127000" dist="228600" dir="4740000" sx="98000" sy="98000" algn="tl" rotWithShape="0">
-                <a:srgbClr val="000000">
-                  <a:alpha val="34000"/>
-                </a:srgbClr>
-              </a:outerShdw>
-            </a:effectLst>
-            <a:scene3d>
-              <a:camera prst="orthographicFront"/>
-              <a:lightRig rig="threePt" dir="t"/>
-            </a:scene3d>
-            <a:sp3d>
-              <a:bevelT w="152400" h="50800" prst="softRound"/>
-            </a:sp3d>
-          </p:spPr>
-          <p:style>
-            <a:lnRef idx="1">
-              <a:schemeClr val="accent1"/>
-            </a:lnRef>
-            <a:fillRef idx="3">
-              <a:schemeClr val="accent1"/>
-            </a:fillRef>
-            <a:effectRef idx="2">
-              <a:schemeClr val="accent1"/>
-            </a:effectRef>
-            <a:fontRef idx="minor">
-              <a:schemeClr val="lt1"/>
-            </a:fontRef>
-          </p:style>
-          <p:txBody>
-            <a:bodyPr rtlCol="0" anchor="ctr"/>
-            <a:lstStyle/>
-            <a:p>
-              <a:pPr algn="ctr"/>
-              <a:endParaRPr lang="en-US"/>
-            </a:p>
-          </p:txBody>
-        </p:sp>
-        <p:sp>
-          <p:nvSpPr>
-            <p:cNvPr id="33" name="Rectangle 32">
-              <a:extLst>
-                <a:ext uri="{FF2B5EF4-FFF2-40B4-BE49-F238E27FC236}">
-                  <a16:creationId xmlns:a16="http://schemas.microsoft.com/office/drawing/2014/main" id="{A6893E11-7EC1-4EB6-A2A8-0B693F8FE576}"/>
-                </a:ext>
-                <a:ext uri="{C183D7F6-B498-43B3-948B-1728B52AA6E4}">
-                  <adec:decorative xmlns:adec="http://schemas.microsoft.com/office/drawing/2017/decorative" val="1"/>
-                </a:ext>
-              </a:extLst>
-            </p:cNvPr>
-            <p:cNvSpPr/>
-            <p:nvPr>
-              <p:extLst>
-                <p:ext uri="{386F3935-93C4-4BCD-93E2-E3B085C9AB24}">
-                  <p16:designElem xmlns:p16="http://schemas.microsoft.com/office/powerpoint/2015/main" val="1"/>
-                </p:ext>
-              </p:extLst>
-            </p:nvPr>
-          </p:nvSpPr>
-          <p:spPr>
-            <a:xfrm>
-              <a:off x="4292448" y="812507"/>
-              <a:ext cx="6928279" cy="4466452"/>
-            </a:xfrm>
-            <a:prstGeom prst="rect">
-              <a:avLst/>
-            </a:prstGeom>
-            <a:gradFill>
-              <a:gsLst>
-                <a:gs pos="0">
-                  <a:srgbClr val="DADADA"/>
-                </a:gs>
-                <a:gs pos="100000">
-                  <a:srgbClr val="FFFFFE"/>
-                </a:gs>
-              </a:gsLst>
-              <a:lin ang="16200000" scaled="0"/>
-            </a:gradFill>
-            <a:ln w="50800" cmpd="sng">
-              <a:solidFill>
-                <a:srgbClr val="191919"/>
-              </a:solidFill>
-              <a:miter lim="800000"/>
-            </a:ln>
-            <a:effectLst>
-              <a:innerShdw blurRad="63500" dist="88900" dir="14100000">
-                <a:srgbClr val="000000">
-                  <a:alpha val="30000"/>
-                </a:srgbClr>
-              </a:innerShdw>
-            </a:effectLst>
-            <a:scene3d>
-              <a:camera prst="orthographicFront"/>
-              <a:lightRig rig="threePt" dir="t"/>
-            </a:scene3d>
-            <a:sp3d>
-              <a:bevelT prst="relaxedInset"/>
-            </a:sp3d>
-          </p:spPr>
-          <p:style>
-            <a:lnRef idx="1">
-              <a:schemeClr val="accent1"/>
-            </a:lnRef>
-            <a:fillRef idx="3">
-              <a:schemeClr val="accent1"/>
-            </a:fillRef>
-            <a:effectRef idx="2">
-              <a:schemeClr val="accent1"/>
-            </a:effectRef>
-            <a:fontRef idx="minor">
-              <a:schemeClr val="lt1"/>
-            </a:fontRef>
-          </p:style>
-          <p:txBody>
-            <a:bodyPr rtlCol="0" anchor="ctr"/>
-            <a:lstStyle/>
-            <a:p>
-              <a:pPr algn="ctr"/>
-              <a:endParaRPr lang="en-US"/>
-            </a:p>
-          </p:txBody>
-        </p:sp>
-      </p:grpSp>
-      <p:sp>
-        <p:nvSpPr>
-          <p:cNvPr id="35" name="Rectangle 34">
-            <a:extLst>
-              <a:ext uri="{FF2B5EF4-FFF2-40B4-BE49-F238E27FC236}">
-                <a16:creationId xmlns:a16="http://schemas.microsoft.com/office/drawing/2014/main" id="{622F7FD7-8884-4FD5-95AB-0B5C6033ADF7}"/>
-              </a:ext>
-              <a:ext uri="{C183D7F6-B498-43B3-948B-1728B52AA6E4}">
-                <adec:decorative xmlns:adec="http://schemas.microsoft.com/office/drawing/2017/decorative" val="1"/>
-              </a:ext>
-            </a:extLst>
-          </p:cNvPr>
-          <p:cNvSpPr>
-            <a:spLocks noGrp="1" noRot="1" noChangeAspect="1" noMove="1" noResize="1" noEditPoints="1" noAdjustHandles="1" noChangeArrowheads="1" noChangeShapeType="1" noTextEdit="1"/>
-          </p:cNvSpPr>
-          <p:nvPr>
-            <p:extLst>
-              <p:ext uri="{386F3935-93C4-4BCD-93E2-E3B085C9AB24}">
-                <p16:designElem xmlns:p16="http://schemas.microsoft.com/office/powerpoint/2015/main" val="1"/>
-              </p:ext>
-            </p:extLst>
-          </p:nvPr>
-        </p:nvSpPr>
-        <p:spPr>
-          <a:xfrm>
-            <a:off x="4455487" y="977965"/>
-            <a:ext cx="6615582" cy="4135339"/>
-          </a:xfrm>
-          <a:prstGeom prst="rect">
-            <a:avLst/>
-          </a:prstGeom>
-          <a:solidFill>
-            <a:schemeClr val="bg1"/>
-          </a:solidFill>
-          <a:ln w="6350">
-            <a:solidFill>
-              <a:schemeClr val="bg2"/>
-            </a:solidFill>
-          </a:ln>
-        </p:spPr>
-        <p:style>
-          <a:lnRef idx="2">
-            <a:schemeClr val="accent1">
-              <a:shade val="50000"/>
-            </a:schemeClr>
-          </a:lnRef>
-          <a:fillRef idx="1">
-            <a:schemeClr val="accent1"/>
-          </a:fillRef>
-          <a:effectRef idx="0">
-            <a:schemeClr val="accent1"/>
-          </a:effectRef>
-          <a:fontRef idx="minor">
-            <a:schemeClr val="lt1"/>
-          </a:fontRef>
-        </p:style>
-        <p:txBody>
-          <a:bodyPr rtlCol="0" anchor="ctr"/>
-          <a:lstStyle/>
-          <a:p>
-            <a:pPr algn="ctr"/>
-            <a:endParaRPr lang="en-US"/>
-          </a:p>
-        </p:txBody>
-      </p:sp>
-      <p:pic>
-        <p:nvPicPr>
-          <p:cNvPr id="5" name="Content Placeholder 4" descr="A picture containing screenshot&#10;&#10;Description automatically generated">
-            <a:extLst>
-              <a:ext uri="{FF2B5EF4-FFF2-40B4-BE49-F238E27FC236}">
-                <a16:creationId xmlns:a16="http://schemas.microsoft.com/office/drawing/2014/main" id="{13675691-37A5-67D7-80A3-7CEC1CBE22BF}"/>
-              </a:ext>
-            </a:extLst>
-          </p:cNvPr>
-          <p:cNvPicPr>
-            <a:picLocks noGrp="1" noChangeAspect="1"/>
-          </p:cNvPicPr>
-          <p:nvPr>
-            <p:ph idx="1"/>
-          </p:nvPr>
-        </p:nvPicPr>
-        <p:blipFill>
-          <a:blip r:embed="rId4"/>
-          <a:stretch>
-            <a:fillRect/>
-          </a:stretch>
-        </p:blipFill>
-        <p:spPr>
-          <a:xfrm>
-            <a:off x="4618374" y="1148848"/>
-            <a:ext cx="6282919" cy="3801166"/>
-          </a:xfrm>
-          <a:prstGeom prst="rect">
-            <a:avLst/>
-          </a:prstGeom>
-        </p:spPr>
-      </p:pic>
-      <p:pic>
-        <p:nvPicPr>
-          <p:cNvPr id="37" name="Picture 36">
-            <a:extLst>
-              <a:ext uri="{FF2B5EF4-FFF2-40B4-BE49-F238E27FC236}">
-                <a16:creationId xmlns:a16="http://schemas.microsoft.com/office/drawing/2014/main" id="{16EFE474-4FE0-4E8F-8F09-5ED2C9E76A84}"/>
-              </a:ext>
-              <a:ext uri="{C183D7F6-B498-43B3-948B-1728B52AA6E4}">
-                <adec:decorative xmlns:adec="http://schemas.microsoft.com/office/drawing/2017/decorative" val="1"/>
-              </a:ext>
-            </a:extLst>
-          </p:cNvPr>
-          <p:cNvPicPr>
-            <a:picLocks noGrp="1" noRot="1" noChangeAspect="1" noMove="1" noResize="1" noEditPoints="1" noAdjustHandles="1" noChangeArrowheads="1" noChangeShapeType="1" noCrop="1"/>
-          </p:cNvPicPr>
-          <p:nvPr>
-            <p:extLst>
-              <p:ext uri="{386F3935-93C4-4BCD-93E2-E3B085C9AB24}">
-                <p16:designElem xmlns:p16="http://schemas.microsoft.com/office/powerpoint/2015/main" val="1"/>
-              </p:ext>
-            </p:extLst>
-          </p:nvPr>
-        </p:nvPicPr>
-        <p:blipFill rotWithShape="1">
-          <a:blip r:embed="rId3">
-            <a:extLst>
-              <a:ext uri="{28A0092B-C50C-407E-A947-70E740481C1C}">
-                <a14:useLocalDpi xmlns:a14="http://schemas.microsoft.com/office/drawing/2010/main" val="0"/>
-              </a:ext>
-            </a:extLst>
-          </a:blip>
-          <a:srcRect t="1538" b="-1538"/>
-          <a:stretch/>
-        </p:blipFill>
-        <p:spPr bwMode="black">
-          <a:xfrm>
-            <a:off x="0" y="6126480"/>
-            <a:ext cx="12192000" cy="742950"/>
-          </a:xfrm>
-          <a:prstGeom prst="rect">
-            <a:avLst/>
-          </a:prstGeom>
-        </p:spPr>
-      </p:pic>
-      <p:cxnSp>
-        <p:nvCxnSpPr>
-          <p:cNvPr id="39" name="Straight Connector 38">
-            <a:extLst>
-              <a:ext uri="{FF2B5EF4-FFF2-40B4-BE49-F238E27FC236}">
-                <a16:creationId xmlns:a16="http://schemas.microsoft.com/office/drawing/2014/main" id="{CF8B8C81-54DC-4AF5-B682-3A2C70A6B55C}"/>
-              </a:ext>
-              <a:ext uri="{C183D7F6-B498-43B3-948B-1728B52AA6E4}">
-                <adec:decorative xmlns:adec="http://schemas.microsoft.com/office/drawing/2017/decorative" val="1"/>
-              </a:ext>
-            </a:extLst>
-          </p:cNvPr>
-          <p:cNvCxnSpPr>
-            <a:cxnSpLocks noGrp="1" noRot="1" noChangeAspect="1" noMove="1" noResize="1" noEditPoints="1" noAdjustHandles="1" noChangeArrowheads="1" noChangeShapeType="1"/>
-          </p:cNvCxnSpPr>
-          <p:nvPr>
-            <p:extLst>
-              <p:ext uri="{386F3935-93C4-4BCD-93E2-E3B085C9AB24}">
-                <p16:designElem xmlns:p16="http://schemas.microsoft.com/office/powerpoint/2015/main" val="1"/>
-              </p:ext>
-            </p:extLst>
-          </p:nvPr>
-        </p:nvCxnSpPr>
-        <p:spPr>
-          <a:xfrm>
-            <a:off x="0" y="6128413"/>
-            <a:ext cx="12192000" cy="0"/>
-          </a:xfrm>
-          <a:prstGeom prst="line">
-            <a:avLst/>
-          </a:prstGeom>
-          <a:ln w="12700">
-            <a:solidFill>
-              <a:srgbClr val="000001">
-                <a:alpha val="20000"/>
-              </a:srgbClr>
-            </a:solidFill>
-          </a:ln>
-        </p:spPr>
-        <p:style>
-          <a:lnRef idx="1">
-            <a:schemeClr val="accent1"/>
-          </a:lnRef>
-          <a:fillRef idx="0">
-            <a:schemeClr val="accent1"/>
-          </a:fillRef>
-          <a:effectRef idx="0">
-            <a:schemeClr val="accent1"/>
-          </a:effectRef>
-          <a:fontRef idx="minor">
-            <a:schemeClr val="tx1"/>
-          </a:fontRef>
-        </p:style>
-      </p:cxnSp>
-    </p:spTree>
-    <p:extLst>
-      <p:ext uri="{BB962C8B-B14F-4D97-AF65-F5344CB8AC3E}">
-        <p14:creationId xmlns:p14="http://schemas.microsoft.com/office/powerpoint/2010/main" val="608343299"/>
-      </p:ext>
-    </p:extLst>
-  </p:cSld>
-  <p:clrMapOvr>
-    <a:masterClrMapping/>
-  </p:clrMapOvr>
-</p:sld>
-</file>
-
-<file path=ppt/slides/slide3.xml><?xml version="1.0" encoding="utf-8"?>
-<p:sld xmlns:a="http://schemas.openxmlformats.org/drawingml/2006/main" xmlns:r="http://schemas.openxmlformats.org/officeDocument/2006/relationships" xmlns:p="http://schemas.openxmlformats.org/presentationml/2006/main">
-  <p:cSld>
-    <p:bg>
-      <p:bgPr>
-        <a:gradFill rotWithShape="1">
-          <a:gsLst>
-            <a:gs pos="0">
-              <a:schemeClr val="bg2">
-                <a:tint val="94000"/>
-                <a:satMod val="80000"/>
-                <a:lumMod val="106000"/>
-              </a:schemeClr>
-            </a:gs>
-            <a:gs pos="100000">
-              <a:schemeClr val="bg2">
-                <a:shade val="80000"/>
-              </a:schemeClr>
-            </a:gs>
-          </a:gsLst>
-          <a:path path="circle">
-            <a:fillToRect l="43000" r="43000" b="100000"/>
-          </a:path>
-        </a:gradFill>
-        <a:effectLst/>
-      </p:bgPr>
-    </p:bg>
-    <p:spTree>
-      <p:nvGrpSpPr>
-        <p:cNvPr id="1" name="">
-          <a:extLst>
-            <a:ext uri="{FF2B5EF4-FFF2-40B4-BE49-F238E27FC236}">
-              <a16:creationId xmlns:a16="http://schemas.microsoft.com/office/drawing/2014/main" id="{005A5947-7556-48A0-6E79-FA26FDA3723C}"/>
-            </a:ext>
-          </a:extLst>
-        </p:cNvPr>
-        <p:cNvGrpSpPr/>
-        <p:nvPr/>
-      </p:nvGrpSpPr>
-      <p:grpSpPr>
-        <a:xfrm>
-          <a:off x="0" y="0"/>
-          <a:ext cx="0" cy="0"/>
-          <a:chOff x="0" y="0"/>
-          <a:chExt cx="0" cy="0"/>
-        </a:xfrm>
-      </p:grpSpPr>
-      <p:sp useBgFill="1">
-        <p:nvSpPr>
-          <p:cNvPr id="26" name="Rectangle 25">
-            <a:extLst>
-              <a:ext uri="{FF2B5EF4-FFF2-40B4-BE49-F238E27FC236}">
-                <a16:creationId xmlns:a16="http://schemas.microsoft.com/office/drawing/2014/main" id="{482E7304-2AC2-4A5C-924D-A6AC3FFC5EAC}"/>
-              </a:ext>
-              <a:ext uri="{C183D7F6-B498-43B3-948B-1728B52AA6E4}">
-                <adec:decorative xmlns:adec="http://schemas.microsoft.com/office/drawing/2017/decorative" val="1"/>
-              </a:ext>
-            </a:extLst>
-          </p:cNvPr>
-          <p:cNvSpPr>
-            <a:spLocks noGrp="1" noRot="1" noChangeAspect="1" noMove="1" noResize="1" noEditPoints="1" noAdjustHandles="1" noChangeArrowheads="1" noChangeShapeType="1" noTextEdit="1"/>
-          </p:cNvSpPr>
-          <p:nvPr>
-            <p:extLst>
-              <p:ext uri="{386F3935-93C4-4BCD-93E2-E3B085C9AB24}">
-                <p16:designElem xmlns:p16="http://schemas.microsoft.com/office/powerpoint/2015/main" val="1"/>
-              </p:ext>
-            </p:extLst>
-          </p:nvPr>
-        </p:nvSpPr>
-        <p:spPr>
-          <a:xfrm>
-            <a:off x="2" y="0"/>
-            <a:ext cx="12191695" cy="6858000"/>
-          </a:xfrm>
-          <a:prstGeom prst="rect">
-            <a:avLst/>
-          </a:prstGeom>
-          <a:ln>
-            <a:noFill/>
-          </a:ln>
-        </p:spPr>
-        <p:style>
-          <a:lnRef idx="2">
-            <a:schemeClr val="accent1">
-              <a:shade val="50000"/>
-            </a:schemeClr>
-          </a:lnRef>
-          <a:fillRef idx="1">
-            <a:schemeClr val="accent1"/>
-          </a:fillRef>
-          <a:effectRef idx="0">
-            <a:schemeClr val="accent1"/>
-          </a:effectRef>
-          <a:fontRef idx="minor">
-            <a:schemeClr val="lt1"/>
-          </a:fontRef>
-        </p:style>
-        <p:txBody>
-          <a:bodyPr rtlCol="0" anchor="ctr"/>
-          <a:lstStyle/>
-          <a:p>
-            <a:pPr algn="ctr"/>
-            <a:endParaRPr lang="en-US"/>
-          </a:p>
-        </p:txBody>
-      </p:sp>
-      <p:sp>
-        <p:nvSpPr>
-          <p:cNvPr id="2" name="Title 1">
-            <a:extLst>
-              <a:ext uri="{FF2B5EF4-FFF2-40B4-BE49-F238E27FC236}">
-                <a16:creationId xmlns:a16="http://schemas.microsoft.com/office/drawing/2014/main" id="{1FADBFA8-CB37-E663-86AD-82F7C4898407}"/>
-              </a:ext>
-            </a:extLst>
-          </p:cNvPr>
-          <p:cNvSpPr>
-            <a:spLocks noGrp="1"/>
-          </p:cNvSpPr>
-          <p:nvPr>
-            <p:ph type="title"/>
-          </p:nvPr>
-        </p:nvSpPr>
-        <p:spPr>
-          <a:xfrm>
-            <a:off x="1451579" y="804519"/>
-            <a:ext cx="9603275" cy="1049235"/>
-          </a:xfrm>
-        </p:spPr>
-        <p:txBody>
-          <a:bodyPr vert="horz" lIns="91440" tIns="45720" rIns="91440" bIns="45720" rtlCol="0">
-            <a:normAutofit/>
-          </a:bodyPr>
-          <a:lstStyle/>
-          <a:p>
-            <a:r>
-              <a:rPr lang="en-US" kern="1200" dirty="0">
-                <a:latin typeface="+mj-lt"/>
-                <a:ea typeface="+mj-ea"/>
-                <a:cs typeface="+mj-cs"/>
-              </a:rPr>
-              <a:t>The motivator: non-traditional uses of WEMI concepts</a:t>
-            </a:r>
-          </a:p>
-        </p:txBody>
-      </p:sp>
-      <p:cxnSp>
-        <p:nvCxnSpPr>
-          <p:cNvPr id="28" name="Straight Connector 27">
-            <a:extLst>
-              <a:ext uri="{FF2B5EF4-FFF2-40B4-BE49-F238E27FC236}">
-                <a16:creationId xmlns:a16="http://schemas.microsoft.com/office/drawing/2014/main" id="{D259FEF2-F6A5-442F-BA10-4E39EECD0ABE}"/>
-              </a:ext>
-              <a:ext uri="{C183D7F6-B498-43B3-948B-1728B52AA6E4}">
-                <adec:decorative xmlns:adec="http://schemas.microsoft.com/office/drawing/2017/decorative" val="1"/>
-              </a:ext>
-            </a:extLst>
-          </p:cNvPr>
-          <p:cNvCxnSpPr>
-            <a:cxnSpLocks noGrp="1" noRot="1" noChangeAspect="1" noMove="1" noResize="1" noEditPoints="1" noAdjustHandles="1" noChangeArrowheads="1" noChangeShapeType="1"/>
-          </p:cNvCxnSpPr>
-          <p:nvPr>
-            <p:extLst>
-              <p:ext uri="{386F3935-93C4-4BCD-93E2-E3B085C9AB24}">
-                <p16:designElem xmlns:p16="http://schemas.microsoft.com/office/powerpoint/2015/main" val="1"/>
-              </p:ext>
-            </p:extLst>
-          </p:nvPr>
-        </p:nvCxnSpPr>
-        <p:spPr>
-          <a:xfrm>
-            <a:off x="1451579" y="1853754"/>
-            <a:ext cx="9603274" cy="0"/>
-          </a:xfrm>
-          <a:prstGeom prst="line">
-            <a:avLst/>
-          </a:prstGeom>
-          <a:ln w="31750"/>
-        </p:spPr>
-        <p:style>
-          <a:lnRef idx="3">
-            <a:schemeClr val="accent1"/>
-          </a:lnRef>
-          <a:fillRef idx="0">
-            <a:schemeClr val="accent1"/>
-          </a:fillRef>
-          <a:effectRef idx="2">
-            <a:schemeClr val="accent1"/>
-          </a:effectRef>
-          <a:fontRef idx="minor">
-            <a:schemeClr val="tx1"/>
-          </a:fontRef>
-        </p:style>
-      </p:cxnSp>
-      <p:sp>
-        <p:nvSpPr>
-          <p:cNvPr id="30" name="Rectangle 29">
-            <a:extLst>
-              <a:ext uri="{FF2B5EF4-FFF2-40B4-BE49-F238E27FC236}">
-                <a16:creationId xmlns:a16="http://schemas.microsoft.com/office/drawing/2014/main" id="{A3C183B1-1D4B-4E3D-A02E-A426E3BFA016}"/>
-              </a:ext>
-              <a:ext uri="{C183D7F6-B498-43B3-948B-1728B52AA6E4}">
-                <adec:decorative xmlns:adec="http://schemas.microsoft.com/office/drawing/2017/decorative" val="1"/>
-              </a:ext>
-            </a:extLst>
-          </p:cNvPr>
-          <p:cNvSpPr>
-            <a:spLocks noGrp="1" noRot="1" noChangeAspect="1" noMove="1" noResize="1" noEditPoints="1" noAdjustHandles="1" noChangeArrowheads="1" noChangeShapeType="1" noTextEdit="1"/>
-          </p:cNvSpPr>
-          <p:nvPr>
-            <p:extLst>
-              <p:ext uri="{386F3935-93C4-4BCD-93E2-E3B085C9AB24}">
-                <p16:designElem xmlns:p16="http://schemas.microsoft.com/office/powerpoint/2015/main" val="1"/>
-              </p:ext>
-            </p:extLst>
-          </p:nvPr>
-        </p:nvSpPr>
-        <p:spPr>
-          <a:xfrm>
-            <a:off x="0" y="2019476"/>
-            <a:ext cx="12192000" cy="4838524"/>
-          </a:xfrm>
-          <a:prstGeom prst="rect">
-            <a:avLst/>
-          </a:prstGeom>
-          <a:gradFill flip="none" rotWithShape="1">
-            <a:gsLst>
-              <a:gs pos="0">
-                <a:schemeClr val="bg2">
-                  <a:alpha val="0"/>
-                </a:schemeClr>
-              </a:gs>
-              <a:gs pos="100000">
-                <a:schemeClr val="bg2"/>
-              </a:gs>
-            </a:gsLst>
-            <a:lin ang="5400000" scaled="0"/>
-            <a:tileRect/>
-          </a:gradFill>
-          <a:ln>
-            <a:noFill/>
-          </a:ln>
-        </p:spPr>
-        <p:style>
-          <a:lnRef idx="2">
-            <a:schemeClr val="accent1">
-              <a:shade val="50000"/>
-            </a:schemeClr>
-          </a:lnRef>
-          <a:fillRef idx="1">
-            <a:schemeClr val="accent1"/>
-          </a:fillRef>
-          <a:effectRef idx="0">
-            <a:schemeClr val="accent1"/>
-          </a:effectRef>
-          <a:fontRef idx="minor">
-            <a:schemeClr val="lt1"/>
-          </a:fontRef>
-        </p:style>
-        <p:txBody>
-          <a:bodyPr rtlCol="0" anchor="ctr"/>
-          <a:lstStyle/>
-          <a:p>
-            <a:pPr lvl="0" algn="ctr"/>
-            <a:endParaRPr lang="en-US"/>
-          </a:p>
-        </p:txBody>
-      </p:sp>
-      <p:graphicFrame>
-        <p:nvGraphicFramePr>
-          <p:cNvPr id="5" name="Content Placeholder 2">
-            <a:extLst>
-              <a:ext uri="{FF2B5EF4-FFF2-40B4-BE49-F238E27FC236}">
-                <a16:creationId xmlns:a16="http://schemas.microsoft.com/office/drawing/2014/main" id="{A8282457-4EDE-45AF-1C62-7385A97EFE6C}"/>
-              </a:ext>
-            </a:extLst>
-          </p:cNvPr>
-          <p:cNvGraphicFramePr>
-            <a:graphicFrameLocks noGrp="1"/>
-          </p:cNvGraphicFramePr>
-          <p:nvPr>
-            <p:ph idx="1"/>
-            <p:extLst>
-              <p:ext uri="{D42A27DB-BD31-4B8C-83A1-F6EECF244321}">
-                <p14:modId xmlns:p14="http://schemas.microsoft.com/office/powerpoint/2010/main" val="2174208959"/>
-              </p:ext>
-            </p:extLst>
-          </p:nvPr>
-        </p:nvGraphicFramePr>
-        <p:xfrm>
-          <a:off x="1450975" y="2331497"/>
-          <a:ext cx="9604375" cy="3723227"/>
-        </p:xfrm>
-        <a:graphic>
-          <a:graphicData uri="http://schemas.openxmlformats.org/drawingml/2006/diagram">
-            <dgm:relIds xmlns:dgm="http://schemas.openxmlformats.org/drawingml/2006/diagram" xmlns:r="http://schemas.openxmlformats.org/officeDocument/2006/relationships" r:dm="rId3" r:lo="rId4" r:qs="rId5" r:cs="rId6"/>
-          </a:graphicData>
-        </a:graphic>
-      </p:graphicFrame>
-    </p:spTree>
-    <p:extLst>
-      <p:ext uri="{BB962C8B-B14F-4D97-AF65-F5344CB8AC3E}">
-        <p14:creationId xmlns:p14="http://schemas.microsoft.com/office/powerpoint/2010/main" val="1833561600"/>
-      </p:ext>
-    </p:extLst>
-  </p:cSld>
-  <p:clrMapOvr>
-    <a:masterClrMapping/>
-  </p:clrMapOvr>
-</p:sld>
-</file>
-
-<file path=ppt/slides/slide4.xml><?xml version="1.0" encoding="utf-8"?>
-<p:sld xmlns:a="http://schemas.openxmlformats.org/drawingml/2006/main" xmlns:r="http://schemas.openxmlformats.org/officeDocument/2006/relationships" xmlns:p="http://schemas.openxmlformats.org/presentationml/2006/main">
-  <p:cSld>
-    <p:spTree>
-      <p:nvGrpSpPr>
-        <p:cNvPr id="1" name="">
-          <a:extLst>
-            <a:ext uri="{FF2B5EF4-FFF2-40B4-BE49-F238E27FC236}">
-              <a16:creationId xmlns:a16="http://schemas.microsoft.com/office/drawing/2014/main" id="{9BA38826-3A00-6CE8-98CF-32F6A4DAAA30}"/>
-            </a:ext>
-          </a:extLst>
-        </p:cNvPr>
-        <p:cNvGrpSpPr/>
-        <p:nvPr/>
-      </p:nvGrpSpPr>
-      <p:grpSpPr>
-        <a:xfrm>
-          <a:off x="0" y="0"/>
-          <a:ext cx="0" cy="0"/>
-          <a:chOff x="0" y="0"/>
-          <a:chExt cx="0" cy="0"/>
-        </a:xfrm>
-      </p:grpSpPr>
-      <p:sp>
-        <p:nvSpPr>
-          <p:cNvPr id="5" name="Title 4">
-            <a:extLst>
-              <a:ext uri="{FF2B5EF4-FFF2-40B4-BE49-F238E27FC236}">
-                <a16:creationId xmlns:a16="http://schemas.microsoft.com/office/drawing/2014/main" id="{31598365-F042-993F-1EC1-C270F56DF679}"/>
-              </a:ext>
-            </a:extLst>
-          </p:cNvPr>
-          <p:cNvSpPr>
-            <a:spLocks noGrp="1"/>
-          </p:cNvSpPr>
-          <p:nvPr>
-            <p:ph type="title"/>
-          </p:nvPr>
-        </p:nvSpPr>
-        <p:spPr>
-          <a:xfrm>
-            <a:off x="838200" y="365125"/>
-            <a:ext cx="10515600" cy="754185"/>
-          </a:xfrm>
-        </p:spPr>
-        <p:txBody>
-          <a:bodyPr/>
-          <a:lstStyle/>
-          <a:p>
-            <a:r>
-              <a:rPr lang="en-US" dirty="0"/>
-              <a:t>No library schema for </a:t>
-            </a:r>
-            <a:r>
-              <a:rPr lang="en-US" dirty="0" err="1"/>
-              <a:t>frbr</a:t>
-            </a:r>
-            <a:r>
-              <a:rPr lang="en-US" dirty="0"/>
-              <a:t>/</a:t>
-            </a:r>
-            <a:r>
-              <a:rPr lang="en-US" dirty="0" err="1"/>
-              <a:t>wemi</a:t>
-            </a:r>
-            <a:endParaRPr lang="en-US" dirty="0"/>
-          </a:p>
-        </p:txBody>
-      </p:sp>
-      <p:pic>
-        <p:nvPicPr>
-          <p:cNvPr id="8" name="Content Placeholder 7" descr="Text&#10;&#10;Description automatically generated">
-            <a:extLst>
-              <a:ext uri="{FF2B5EF4-FFF2-40B4-BE49-F238E27FC236}">
-                <a16:creationId xmlns:a16="http://schemas.microsoft.com/office/drawing/2014/main" id="{5EA38903-9A5D-A864-C28B-7D00333B9200}"/>
-              </a:ext>
-            </a:extLst>
-          </p:cNvPr>
-          <p:cNvPicPr>
-            <a:picLocks noGrp="1" noChangeAspect="1"/>
-          </p:cNvPicPr>
-          <p:nvPr>
-            <p:ph idx="1"/>
-          </p:nvPr>
-        </p:nvPicPr>
-        <p:blipFill>
-          <a:blip r:embed="rId3"/>
-          <a:stretch>
-            <a:fillRect/>
-          </a:stretch>
-        </p:blipFill>
-        <p:spPr>
-          <a:xfrm>
-            <a:off x="838200" y="2130275"/>
-            <a:ext cx="10515600" cy="3742037"/>
-          </a:xfrm>
-        </p:spPr>
-      </p:pic>
-      <p:pic>
-        <p:nvPicPr>
-          <p:cNvPr id="10" name="Picture 9">
-            <a:extLst>
-              <a:ext uri="{FF2B5EF4-FFF2-40B4-BE49-F238E27FC236}">
-                <a16:creationId xmlns:a16="http://schemas.microsoft.com/office/drawing/2014/main" id="{B81D1E14-7D8C-E341-6F8C-AC3099918101}"/>
-              </a:ext>
-            </a:extLst>
-          </p:cNvPr>
-          <p:cNvPicPr>
-            <a:picLocks noChangeAspect="1"/>
-          </p:cNvPicPr>
-          <p:nvPr/>
-        </p:nvPicPr>
-        <p:blipFill>
-          <a:blip r:embed="rId4"/>
-          <a:stretch>
-            <a:fillRect/>
-          </a:stretch>
-        </p:blipFill>
-        <p:spPr>
-          <a:xfrm>
-            <a:off x="838200" y="1113730"/>
-            <a:ext cx="8089900" cy="736600"/>
-          </a:xfrm>
-          <a:prstGeom prst="rect">
-            <a:avLst/>
-          </a:prstGeom>
-        </p:spPr>
-      </p:pic>
-      <p:sp>
-        <p:nvSpPr>
-          <p:cNvPr id="11" name="TextBox 10">
-            <a:extLst>
-              <a:ext uri="{FF2B5EF4-FFF2-40B4-BE49-F238E27FC236}">
-                <a16:creationId xmlns:a16="http://schemas.microsoft.com/office/drawing/2014/main" id="{25C09A39-A8F5-E4C4-A917-AD7253FAFB54}"/>
-              </a:ext>
-            </a:extLst>
-          </p:cNvPr>
-          <p:cNvSpPr txBox="1"/>
-          <p:nvPr/>
-        </p:nvSpPr>
-        <p:spPr>
-          <a:xfrm>
-            <a:off x="8928100" y="1251197"/>
-            <a:ext cx="1908151" cy="461665"/>
-          </a:xfrm>
-          <a:prstGeom prst="rect">
-            <a:avLst/>
-          </a:prstGeom>
-          <a:noFill/>
-        </p:spPr>
-        <p:txBody>
-          <a:bodyPr wrap="none" rtlCol="0">
-            <a:spAutoFit/>
-          </a:bodyPr>
-          <a:lstStyle/>
-          <a:p>
-            <a:r>
-              <a:rPr lang="en-US" sz="2400" dirty="0"/>
-              <a:t>(at </a:t>
-            </a:r>
-            <a:r>
-              <a:rPr lang="en-US" sz="2400" dirty="0" err="1"/>
-              <a:t>vocab.org</a:t>
-            </a:r>
-            <a:r>
-              <a:rPr lang="en-US" sz="2400" dirty="0"/>
-              <a:t>)</a:t>
-            </a:r>
-          </a:p>
-        </p:txBody>
-      </p:sp>
-    </p:spTree>
-    <p:extLst>
-      <p:ext uri="{BB962C8B-B14F-4D97-AF65-F5344CB8AC3E}">
-        <p14:creationId xmlns:p14="http://schemas.microsoft.com/office/powerpoint/2010/main" val="3300003942"/>
-      </p:ext>
-    </p:extLst>
-  </p:cSld>
-  <p:clrMapOvr>
-    <a:masterClrMapping/>
-  </p:clrMapOvr>
-</p:sld>
-</file>
-
-<file path=ppt/slides/slide5.xml><?xml version="1.0" encoding="utf-8"?>
-<p:sld xmlns:a="http://schemas.openxmlformats.org/drawingml/2006/main" xmlns:r="http://schemas.openxmlformats.org/officeDocument/2006/relationships" xmlns:p="http://schemas.openxmlformats.org/presentationml/2006/main">
-  <p:cSld>
-    <p:spTree>
-      <p:nvGrpSpPr>
-        <p:cNvPr id="1" name="">
-          <a:extLst>
-            <a:ext uri="{FF2B5EF4-FFF2-40B4-BE49-F238E27FC236}">
-              <a16:creationId xmlns:a16="http://schemas.microsoft.com/office/drawing/2014/main" id="{05A93F92-7FDE-613E-A2B6-A86632941216}"/>
-            </a:ext>
-          </a:extLst>
-        </p:cNvPr>
-        <p:cNvGrpSpPr/>
-        <p:nvPr/>
-      </p:nvGrpSpPr>
-      <p:grpSpPr>
-        <a:xfrm>
-          <a:off x="0" y="0"/>
-          <a:ext cx="0" cy="0"/>
-          <a:chOff x="0" y="0"/>
-          <a:chExt cx="0" cy="0"/>
-        </a:xfrm>
-      </p:grpSpPr>
-      <p:pic>
-        <p:nvPicPr>
-          <p:cNvPr id="3" name="Picture 2" descr="Table&#10;&#10;Description automatically generated">
-            <a:extLst>
-              <a:ext uri="{FF2B5EF4-FFF2-40B4-BE49-F238E27FC236}">
-                <a16:creationId xmlns:a16="http://schemas.microsoft.com/office/drawing/2014/main" id="{4DF18B4B-A1A9-40BF-9F03-A80FF27F4982}"/>
-              </a:ext>
-            </a:extLst>
-          </p:cNvPr>
-          <p:cNvPicPr>
-            <a:picLocks noChangeAspect="1"/>
-          </p:cNvPicPr>
-          <p:nvPr/>
-        </p:nvPicPr>
-        <p:blipFill>
-          <a:blip r:embed="rId3"/>
-          <a:stretch>
-            <a:fillRect/>
-          </a:stretch>
-        </p:blipFill>
-        <p:spPr>
-          <a:xfrm>
-            <a:off x="1022350" y="920750"/>
-            <a:ext cx="10147300" cy="5016500"/>
-          </a:xfrm>
-          <a:prstGeom prst="rect">
-            <a:avLst/>
-          </a:prstGeom>
-        </p:spPr>
-      </p:pic>
-    </p:spTree>
-    <p:extLst>
-      <p:ext uri="{BB962C8B-B14F-4D97-AF65-F5344CB8AC3E}">
-        <p14:creationId xmlns:p14="http://schemas.microsoft.com/office/powerpoint/2010/main" val="3531405515"/>
-      </p:ext>
-    </p:extLst>
-  </p:cSld>
-  <p:clrMapOvr>
-    <a:masterClrMapping/>
-  </p:clrMapOvr>
-</p:sld>
-</file>
-
-<file path=ppt/slides/slide6.xml><?xml version="1.0" encoding="utf-8"?>
-<p:sld xmlns:a="http://schemas.openxmlformats.org/drawingml/2006/main" xmlns:r="http://schemas.openxmlformats.org/officeDocument/2006/relationships" xmlns:p="http://schemas.openxmlformats.org/presentationml/2006/main">
-  <p:cSld>
-    <p:spTree>
-      <p:nvGrpSpPr>
-        <p:cNvPr id="1" name=""/>
-        <p:cNvGrpSpPr/>
-        <p:nvPr/>
-      </p:nvGrpSpPr>
-      <p:grpSpPr>
-        <a:xfrm>
-          <a:off x="0" y="0"/>
-          <a:ext cx="0" cy="0"/>
-          <a:chOff x="0" y="0"/>
-          <a:chExt cx="0" cy="0"/>
-        </a:xfrm>
-      </p:grpSpPr>
-      <p:pic>
-        <p:nvPicPr>
-          <p:cNvPr id="2" name="Content Placeholder 4" descr="Graphical user interface, text, application, email&#10;&#10;Description automatically generated">
-            <a:extLst>
-              <a:ext uri="{FF2B5EF4-FFF2-40B4-BE49-F238E27FC236}">
-                <a16:creationId xmlns:a16="http://schemas.microsoft.com/office/drawing/2014/main" id="{2428D273-D852-31E4-9606-B265CF7C9281}"/>
-              </a:ext>
-            </a:extLst>
-          </p:cNvPr>
-          <p:cNvPicPr>
-            <a:picLocks noChangeAspect="1"/>
-          </p:cNvPicPr>
-          <p:nvPr/>
-        </p:nvPicPr>
-        <p:blipFill>
-          <a:blip r:embed="rId2"/>
-          <a:stretch>
-            <a:fillRect/>
-          </a:stretch>
-        </p:blipFill>
-        <p:spPr>
-          <a:xfrm>
-            <a:off x="643467" y="1956816"/>
-            <a:ext cx="10905066" cy="2944366"/>
-          </a:xfrm>
-          <a:prstGeom prst="rect">
-            <a:avLst/>
-          </a:prstGeom>
-          <a:ln>
-            <a:noFill/>
-          </a:ln>
-        </p:spPr>
-      </p:pic>
-      <p:sp>
-        <p:nvSpPr>
-          <p:cNvPr id="3" name="Title 2">
-            <a:extLst>
-              <a:ext uri="{FF2B5EF4-FFF2-40B4-BE49-F238E27FC236}">
-                <a16:creationId xmlns:a16="http://schemas.microsoft.com/office/drawing/2014/main" id="{7B9F9712-B1DA-8758-D466-4221E21A6118}"/>
-              </a:ext>
-            </a:extLst>
-          </p:cNvPr>
-          <p:cNvSpPr>
-            <a:spLocks noGrp="1"/>
-          </p:cNvSpPr>
-          <p:nvPr>
-            <p:ph type="title"/>
-          </p:nvPr>
-        </p:nvSpPr>
-        <p:spPr/>
-        <p:txBody>
-          <a:bodyPr/>
-          <a:lstStyle/>
-          <a:p>
-            <a:r>
-              <a:rPr lang="en-US" dirty="0"/>
-              <a:t>built-in constraints</a:t>
-            </a:r>
-          </a:p>
-        </p:txBody>
-      </p:sp>
-    </p:spTree>
-    <p:extLst>
-      <p:ext uri="{BB962C8B-B14F-4D97-AF65-F5344CB8AC3E}">
-        <p14:creationId xmlns:p14="http://schemas.microsoft.com/office/powerpoint/2010/main" val="2877526543"/>
-      </p:ext>
-    </p:extLst>
-  </p:cSld>
-  <p:clrMapOvr>
-    <a:masterClrMapping/>
-  </p:clrMapOvr>
-</p:sld>
-</file>
-
-<file path=ppt/slides/slide7.xml><?xml version="1.0" encoding="utf-8"?>
-<p:sld xmlns:a="http://schemas.openxmlformats.org/drawingml/2006/main" xmlns:r="http://schemas.openxmlformats.org/officeDocument/2006/relationships" xmlns:p="http://schemas.openxmlformats.org/presentationml/2006/main">
-  <p:cSld>
-    <p:spTree>
-      <p:nvGrpSpPr>
-        <p:cNvPr id="1" name=""/>
-        <p:cNvGrpSpPr/>
-        <p:nvPr/>
-      </p:nvGrpSpPr>
-      <p:grpSpPr>
-        <a:xfrm>
-          <a:off x="0" y="0"/>
-          <a:ext cx="0" cy="0"/>
-          <a:chOff x="0" y="0"/>
-          <a:chExt cx="0" cy="0"/>
-        </a:xfrm>
-      </p:grpSpPr>
-      <p:sp>
-        <p:nvSpPr>
-          <p:cNvPr id="2" name="Title 1">
-            <a:extLst>
-              <a:ext uri="{FF2B5EF4-FFF2-40B4-BE49-F238E27FC236}">
-                <a16:creationId xmlns:a16="http://schemas.microsoft.com/office/drawing/2014/main" id="{837FCC20-08AA-4D81-6FF3-BF3717FAE478}"/>
-              </a:ext>
-            </a:extLst>
-          </p:cNvPr>
-          <p:cNvSpPr>
-            <a:spLocks noGrp="1"/>
-          </p:cNvSpPr>
-          <p:nvPr>
-            <p:ph type="title"/>
-          </p:nvPr>
-        </p:nvSpPr>
-        <p:spPr/>
-        <p:txBody>
-          <a:bodyPr/>
-          <a:lstStyle/>
-          <a:p>
-            <a:r>
-              <a:rPr lang="en-US" dirty="0"/>
-              <a:t>The </a:t>
-            </a:r>
-            <a:r>
-              <a:rPr lang="en-US" dirty="0" err="1"/>
-              <a:t>openWEMI</a:t>
-            </a:r>
-            <a:r>
-              <a:rPr lang="en-US" dirty="0"/>
-              <a:t> proposal</a:t>
-            </a:r>
-          </a:p>
-        </p:txBody>
-      </p:sp>
-      <p:sp>
-        <p:nvSpPr>
-          <p:cNvPr id="4" name="Text Placeholder 3">
-            <a:extLst>
-              <a:ext uri="{FF2B5EF4-FFF2-40B4-BE49-F238E27FC236}">
-                <a16:creationId xmlns:a16="http://schemas.microsoft.com/office/drawing/2014/main" id="{B823FCD7-B7E3-B627-E951-947BA63F7B3C}"/>
-              </a:ext>
-            </a:extLst>
-          </p:cNvPr>
-          <p:cNvSpPr>
-            <a:spLocks noGrp="1"/>
-          </p:cNvSpPr>
-          <p:nvPr>
-            <p:ph type="body" idx="1"/>
-          </p:nvPr>
-        </p:nvSpPr>
-        <p:spPr/>
-        <p:txBody>
-          <a:bodyPr/>
-          <a:lstStyle/>
-          <a:p>
-            <a:r>
-              <a:rPr lang="en-US" u="sng" dirty="0">
-                <a:solidFill>
-                  <a:schemeClr val="bg2">
-                    <a:lumMod val="50000"/>
-                  </a:schemeClr>
-                </a:solidFill>
-              </a:rPr>
-              <a:t>Classes</a:t>
-            </a:r>
-          </a:p>
-        </p:txBody>
-      </p:sp>
-      <p:sp>
-        <p:nvSpPr>
-          <p:cNvPr id="5" name="Content Placeholder 4">
-            <a:extLst>
-              <a:ext uri="{FF2B5EF4-FFF2-40B4-BE49-F238E27FC236}">
-                <a16:creationId xmlns:a16="http://schemas.microsoft.com/office/drawing/2014/main" id="{228A5E76-D622-EC74-9156-870513EE8C2C}"/>
-              </a:ext>
-            </a:extLst>
-          </p:cNvPr>
-          <p:cNvSpPr>
-            <a:spLocks noGrp="1"/>
-          </p:cNvSpPr>
-          <p:nvPr>
-            <p:ph sz="half" idx="2"/>
-          </p:nvPr>
-        </p:nvSpPr>
-        <p:spPr>
-          <a:xfrm>
-            <a:off x="1001597" y="3243414"/>
-            <a:ext cx="4698355" cy="2041957"/>
-          </a:xfrm>
-        </p:spPr>
-        <p:txBody>
-          <a:bodyPr>
-            <a:normAutofit fontScale="70000" lnSpcReduction="20000"/>
-          </a:bodyPr>
-          <a:lstStyle/>
-          <a:p>
-            <a:r>
-              <a:rPr lang="en-US" sz="2600" dirty="0" err="1"/>
-              <a:t>openwemi:Endeavor</a:t>
-            </a:r>
-            <a:endParaRPr lang="en-US" sz="2600" dirty="0"/>
-          </a:p>
-          <a:p>
-            <a:r>
-              <a:rPr lang="en-US" sz="2600" dirty="0" err="1"/>
-              <a:t>openwemi:Work</a:t>
-            </a:r>
-            <a:endParaRPr lang="en-US" sz="2600" dirty="0"/>
-          </a:p>
-          <a:p>
-            <a:r>
-              <a:rPr lang="en-US" sz="2600" dirty="0" err="1"/>
-              <a:t>openwemi:Expression</a:t>
-            </a:r>
-            <a:endParaRPr lang="en-US" sz="2600" dirty="0"/>
-          </a:p>
-          <a:p>
-            <a:r>
-              <a:rPr lang="en-US" sz="2600" dirty="0" err="1"/>
-              <a:t>openwemi:Manifestation</a:t>
-            </a:r>
-            <a:endParaRPr lang="en-US" sz="2600" dirty="0"/>
-          </a:p>
-          <a:p>
-            <a:r>
-              <a:rPr lang="en-US" sz="2600" dirty="0" err="1"/>
-              <a:t>openwemi:Item</a:t>
-            </a:r>
-            <a:endParaRPr lang="en-US" sz="2600" dirty="0"/>
-          </a:p>
-          <a:p>
-            <a:pPr marL="0" indent="0">
-              <a:buNone/>
-            </a:pPr>
-            <a:endParaRPr lang="en-US" b="1" dirty="0"/>
-          </a:p>
-        </p:txBody>
-      </p:sp>
-      <p:sp>
-        <p:nvSpPr>
-          <p:cNvPr id="6" name="Text Placeholder 5">
-            <a:extLst>
-              <a:ext uri="{FF2B5EF4-FFF2-40B4-BE49-F238E27FC236}">
-                <a16:creationId xmlns:a16="http://schemas.microsoft.com/office/drawing/2014/main" id="{BF41738C-0805-74DA-12D2-D1F6525BB8E4}"/>
-              </a:ext>
-            </a:extLst>
-          </p:cNvPr>
-          <p:cNvSpPr>
-            <a:spLocks noGrp="1"/>
-          </p:cNvSpPr>
-          <p:nvPr>
-            <p:ph type="body" sz="quarter" idx="3"/>
-          </p:nvPr>
-        </p:nvSpPr>
-        <p:spPr/>
-        <p:txBody>
-          <a:bodyPr/>
-          <a:lstStyle/>
-          <a:p>
-            <a:r>
-              <a:rPr lang="en-US" u="sng" dirty="0">
-                <a:solidFill>
-                  <a:schemeClr val="bg2">
-                    <a:lumMod val="50000"/>
-                  </a:schemeClr>
-                </a:solidFill>
-              </a:rPr>
-              <a:t>properties</a:t>
-            </a:r>
-          </a:p>
-        </p:txBody>
-      </p:sp>
-      <p:sp>
-        <p:nvSpPr>
-          <p:cNvPr id="7" name="Content Placeholder 6">
-            <a:extLst>
-              <a:ext uri="{FF2B5EF4-FFF2-40B4-BE49-F238E27FC236}">
-                <a16:creationId xmlns:a16="http://schemas.microsoft.com/office/drawing/2014/main" id="{CB4FA72C-027A-9A73-0E70-2B047A3E2489}"/>
-              </a:ext>
-            </a:extLst>
-          </p:cNvPr>
-          <p:cNvSpPr>
-            <a:spLocks noGrp="1"/>
-          </p:cNvSpPr>
-          <p:nvPr>
-            <p:ph sz="quarter" idx="4"/>
-          </p:nvPr>
-        </p:nvSpPr>
-        <p:spPr>
-          <a:xfrm>
-            <a:off x="5378677" y="3251914"/>
-            <a:ext cx="6570302" cy="2063873"/>
-          </a:xfrm>
-        </p:spPr>
-        <p:txBody>
-          <a:bodyPr>
-            <a:normAutofit fontScale="70000" lnSpcReduction="20000"/>
-          </a:bodyPr>
-          <a:lstStyle/>
-          <a:p>
-            <a:r>
-              <a:rPr lang="en-US" sz="2600" dirty="0" err="1"/>
-              <a:t>openwemi:expresses</a:t>
-            </a:r>
-            <a:r>
-              <a:rPr lang="en-US" sz="2600" dirty="0"/>
-              <a:t> (range: Work)</a:t>
-            </a:r>
-          </a:p>
-          <a:p>
-            <a:r>
-              <a:rPr lang="en-US" sz="2600" dirty="0" err="1"/>
-              <a:t>openwemi:manifests</a:t>
-            </a:r>
-            <a:r>
-              <a:rPr lang="en-US" sz="2600" dirty="0"/>
-              <a:t> (range: Work or Expression)</a:t>
-            </a:r>
-          </a:p>
-          <a:p>
-            <a:r>
-              <a:rPr lang="en-US" sz="2600" dirty="0" err="1"/>
-              <a:t>openwemi:instantiates</a:t>
-            </a:r>
-            <a:r>
-              <a:rPr lang="en-US" sz="2600" dirty="0"/>
-              <a:t> (range: Work or Expression or Manifestation)</a:t>
-            </a:r>
-          </a:p>
-          <a:p>
-            <a:endParaRPr lang="en-US" dirty="0"/>
-          </a:p>
-        </p:txBody>
-      </p:sp>
-      <p:cxnSp>
-        <p:nvCxnSpPr>
-          <p:cNvPr id="8" name="Straight Connector 7">
-            <a:extLst>
-              <a:ext uri="{FF2B5EF4-FFF2-40B4-BE49-F238E27FC236}">
-                <a16:creationId xmlns:a16="http://schemas.microsoft.com/office/drawing/2014/main" id="{8D36EE93-C687-7626-D3C6-155E084C6CA5}"/>
-              </a:ext>
-            </a:extLst>
-          </p:cNvPr>
-          <p:cNvCxnSpPr/>
-          <p:nvPr/>
-        </p:nvCxnSpPr>
-        <p:spPr>
-          <a:xfrm>
-            <a:off x="4512989" y="2761861"/>
-            <a:ext cx="0" cy="2500604"/>
-          </a:xfrm>
-          <a:prstGeom prst="line">
-            <a:avLst/>
-          </a:prstGeom>
-          <a:ln w="63500"/>
-        </p:spPr>
-        <p:style>
-          <a:lnRef idx="1">
-            <a:schemeClr val="accent1"/>
-          </a:lnRef>
-          <a:fillRef idx="0">
-            <a:schemeClr val="accent1"/>
-          </a:fillRef>
-          <a:effectRef idx="0">
-            <a:schemeClr val="accent1"/>
-          </a:effectRef>
-          <a:fontRef idx="minor">
-            <a:schemeClr val="tx1"/>
-          </a:fontRef>
-        </p:style>
-      </p:cxnSp>
-    </p:spTree>
-    <p:extLst>
-      <p:ext uri="{BB962C8B-B14F-4D97-AF65-F5344CB8AC3E}">
-        <p14:creationId xmlns:p14="http://schemas.microsoft.com/office/powerpoint/2010/main" val="2906075327"/>
-      </p:ext>
-    </p:extLst>
-  </p:cSld>
-  <p:clrMapOvr>
-    <a:masterClrMapping/>
-  </p:clrMapOvr>
-</p:sld>
-</file>
-
-<file path=ppt/slides/slide8.xml><?xml version="1.0" encoding="utf-8"?>
-<p:sld xmlns:a="http://schemas.openxmlformats.org/drawingml/2006/main" xmlns:r="http://schemas.openxmlformats.org/officeDocument/2006/relationships" xmlns:p="http://schemas.openxmlformats.org/presentationml/2006/main">
-  <p:cSld>
-    <p:spTree>
-      <p:nvGrpSpPr>
-        <p:cNvPr id="1" name=""/>
-        <p:cNvGrpSpPr/>
-        <p:nvPr/>
-      </p:nvGrpSpPr>
-      <p:grpSpPr>
-        <a:xfrm>
-          <a:off x="0" y="0"/>
-          <a:ext cx="0" cy="0"/>
-          <a:chOff x="0" y="0"/>
-          <a:chExt cx="0" cy="0"/>
-        </a:xfrm>
-      </p:grpSpPr>
-      <p:sp>
-        <p:nvSpPr>
-          <p:cNvPr id="9" name="Title 8">
-            <a:extLst>
-              <a:ext uri="{FF2B5EF4-FFF2-40B4-BE49-F238E27FC236}">
-                <a16:creationId xmlns:a16="http://schemas.microsoft.com/office/drawing/2014/main" id="{4C18B53E-94C6-85E5-E24D-0962ADF90125}"/>
-              </a:ext>
-            </a:extLst>
-          </p:cNvPr>
-          <p:cNvSpPr>
-            <a:spLocks noGrp="1"/>
-          </p:cNvSpPr>
-          <p:nvPr>
-            <p:ph type="title"/>
-          </p:nvPr>
-        </p:nvSpPr>
-        <p:spPr/>
-        <p:txBody>
-          <a:bodyPr/>
-          <a:lstStyle/>
-          <a:p>
-            <a:pPr algn="ctr"/>
-            <a:r>
-              <a:rPr lang="en-US" dirty="0"/>
-              <a:t>endeavor is the superclass that holds it together</a:t>
-            </a:r>
-          </a:p>
-        </p:txBody>
-      </p:sp>
-      <p:pic>
-        <p:nvPicPr>
-          <p:cNvPr id="11" name="Picture 10">
-            <a:extLst>
-              <a:ext uri="{FF2B5EF4-FFF2-40B4-BE49-F238E27FC236}">
-                <a16:creationId xmlns:a16="http://schemas.microsoft.com/office/drawing/2014/main" id="{E9D757EE-6741-65DB-5C5B-15A865FD4911}"/>
-              </a:ext>
-            </a:extLst>
-          </p:cNvPr>
-          <p:cNvPicPr>
-            <a:picLocks noChangeAspect="1"/>
-          </p:cNvPicPr>
-          <p:nvPr/>
-        </p:nvPicPr>
-        <p:blipFill>
-          <a:blip r:embed="rId2"/>
-          <a:stretch>
-            <a:fillRect/>
-          </a:stretch>
-        </p:blipFill>
-        <p:spPr>
-          <a:xfrm>
-            <a:off x="2916795" y="2403560"/>
-            <a:ext cx="6358409" cy="2755824"/>
-          </a:xfrm>
-          <a:prstGeom prst="rect">
-            <a:avLst/>
-          </a:prstGeom>
-          <a:ln>
-            <a:solidFill>
-              <a:schemeClr val="tx1"/>
-            </a:solidFill>
-          </a:ln>
-          <a:effectLst>
-            <a:outerShdw blurRad="50800" dist="38100" algn="l" rotWithShape="0">
-              <a:prstClr val="black">
-                <a:alpha val="40000"/>
-              </a:prstClr>
-            </a:outerShdw>
-          </a:effectLst>
-        </p:spPr>
-      </p:pic>
-    </p:spTree>
-    <p:extLst>
-      <p:ext uri="{BB962C8B-B14F-4D97-AF65-F5344CB8AC3E}">
-        <p14:creationId xmlns:p14="http://schemas.microsoft.com/office/powerpoint/2010/main" val="1510663409"/>
-      </p:ext>
-    </p:extLst>
-  </p:cSld>
-  <p:clrMapOvr>
-    <a:masterClrMapping/>
-  </p:clrMapOvr>
-</p:sld>
-</file>
-
-<file path=ppt/slides/slide9.xml><?xml version="1.0" encoding="utf-8"?>
-<p:sld xmlns:a="http://schemas.openxmlformats.org/drawingml/2006/main" xmlns:r="http://schemas.openxmlformats.org/officeDocument/2006/relationships" xmlns:p="http://schemas.openxmlformats.org/presentationml/2006/main">
-  <p:cSld>
-    <p:spTree>
-      <p:nvGrpSpPr>
-        <p:cNvPr id="1" name="">
-          <a:extLst>
-            <a:ext uri="{FF2B5EF4-FFF2-40B4-BE49-F238E27FC236}">
-              <a16:creationId xmlns:a16="http://schemas.microsoft.com/office/drawing/2014/main" id="{C8A3BFE0-3947-BBF2-83E2-85218A28B5A6}"/>
-            </a:ext>
-          </a:extLst>
-        </p:cNvPr>
-        <p:cNvGrpSpPr/>
-        <p:nvPr/>
-      </p:nvGrpSpPr>
-      <p:grpSpPr>
-        <a:xfrm>
-          <a:off x="0" y="0"/>
-          <a:ext cx="0" cy="0"/>
-          <a:chOff x="0" y="0"/>
-          <a:chExt cx="0" cy="0"/>
-        </a:xfrm>
-      </p:grpSpPr>
-      <p:sp>
-        <p:nvSpPr>
-          <p:cNvPr id="9" name="Title 8">
-            <a:extLst>
-              <a:ext uri="{FF2B5EF4-FFF2-40B4-BE49-F238E27FC236}">
-                <a16:creationId xmlns:a16="http://schemas.microsoft.com/office/drawing/2014/main" id="{BFA26D7B-4083-7DD3-20AD-EB7E1EDD9879}"/>
-              </a:ext>
-            </a:extLst>
-          </p:cNvPr>
-          <p:cNvSpPr>
-            <a:spLocks noGrp="1"/>
-          </p:cNvSpPr>
-          <p:nvPr>
-            <p:ph type="title"/>
-          </p:nvPr>
-        </p:nvSpPr>
-        <p:spPr>
-          <a:xfrm>
-            <a:off x="1463936" y="409103"/>
-            <a:ext cx="9603275" cy="1049235"/>
-          </a:xfrm>
-        </p:spPr>
-        <p:txBody>
-          <a:bodyPr>
-            <a:normAutofit/>
-          </a:bodyPr>
-          <a:lstStyle/>
-          <a:p>
-            <a:pPr algn="ctr"/>
-            <a:r>
-              <a:rPr lang="en-US" sz="2400" dirty="0"/>
-              <a:t>and allows other classes to be created at a high level to complement </a:t>
-            </a:r>
-            <a:r>
-              <a:rPr lang="en-US" sz="2400" dirty="0" err="1"/>
-              <a:t>openwemi</a:t>
-            </a:r>
-            <a:endParaRPr lang="en-US" sz="2400" dirty="0"/>
-          </a:p>
-        </p:txBody>
-      </p:sp>
-      <p:pic>
-        <p:nvPicPr>
-          <p:cNvPr id="11" name="Picture 10">
-            <a:extLst>
-              <a:ext uri="{FF2B5EF4-FFF2-40B4-BE49-F238E27FC236}">
-                <a16:creationId xmlns:a16="http://schemas.microsoft.com/office/drawing/2014/main" id="{3D59356C-1842-F7C8-052E-9ECEB445CABF}"/>
-              </a:ext>
-            </a:extLst>
-          </p:cNvPr>
-          <p:cNvPicPr>
-            <a:picLocks noChangeAspect="1"/>
-          </p:cNvPicPr>
-          <p:nvPr/>
-        </p:nvPicPr>
-        <p:blipFill>
-          <a:blip r:embed="rId2"/>
-          <a:stretch>
-            <a:fillRect/>
-          </a:stretch>
-        </p:blipFill>
-        <p:spPr>
-          <a:xfrm>
-            <a:off x="2916795" y="2403560"/>
-            <a:ext cx="6358409" cy="2755824"/>
-          </a:xfrm>
-          <a:prstGeom prst="rect">
-            <a:avLst/>
-          </a:prstGeom>
-          <a:ln>
-            <a:solidFill>
-              <a:schemeClr val="tx1"/>
-            </a:solidFill>
-          </a:ln>
-          <a:effectLst>
-            <a:outerShdw blurRad="50800" dist="38100" algn="l" rotWithShape="0">
-              <a:prstClr val="black">
-                <a:alpha val="40000"/>
-              </a:prstClr>
-            </a:outerShdw>
-          </a:effectLst>
-        </p:spPr>
-      </p:pic>
-      <p:sp>
-        <p:nvSpPr>
-          <p:cNvPr id="2" name="Rounded Rectangle 1">
-            <a:extLst>
-              <a:ext uri="{FF2B5EF4-FFF2-40B4-BE49-F238E27FC236}">
-                <a16:creationId xmlns:a16="http://schemas.microsoft.com/office/drawing/2014/main" id="{85B9F222-8460-C2DA-65DF-2EC370876F0E}"/>
-              </a:ext>
-            </a:extLst>
-          </p:cNvPr>
-          <p:cNvSpPr/>
-          <p:nvPr/>
-        </p:nvSpPr>
-        <p:spPr>
-          <a:xfrm>
-            <a:off x="1149178" y="4090086"/>
-            <a:ext cx="1371600" cy="1069298"/>
-          </a:xfrm>
-          <a:prstGeom prst="roundRect">
-            <a:avLst/>
-          </a:prstGeom>
-          <a:solidFill>
-            <a:schemeClr val="bg2">
-              <a:lumMod val="75000"/>
-            </a:schemeClr>
-          </a:solidFill>
-        </p:spPr>
-        <p:style>
-          <a:lnRef idx="2">
-            <a:schemeClr val="accent1">
-              <a:shade val="15000"/>
-            </a:schemeClr>
-          </a:lnRef>
-          <a:fillRef idx="1">
-            <a:schemeClr val="accent1"/>
-          </a:fillRef>
-          <a:effectRef idx="0">
-            <a:schemeClr val="accent1"/>
-          </a:effectRef>
-          <a:fontRef idx="minor">
-            <a:schemeClr val="lt1"/>
-          </a:fontRef>
-        </p:style>
-        <p:txBody>
-          <a:bodyPr rtlCol="0" anchor="ctr"/>
-          <a:lstStyle/>
-          <a:p>
-            <a:pPr algn="ctr"/>
-            <a:r>
-              <a:rPr lang="en-US" dirty="0" err="1"/>
-              <a:t>MyShape</a:t>
-            </a:r>
-            <a:endParaRPr lang="en-US" dirty="0"/>
-          </a:p>
-        </p:txBody>
-      </p:sp>
-      <p:cxnSp>
-        <p:nvCxnSpPr>
-          <p:cNvPr id="4" name="Curved Connector 3">
-            <a:extLst>
-              <a:ext uri="{FF2B5EF4-FFF2-40B4-BE49-F238E27FC236}">
-                <a16:creationId xmlns:a16="http://schemas.microsoft.com/office/drawing/2014/main" id="{619537F0-9532-E6B1-648B-A49A12D948B7}"/>
-              </a:ext>
-            </a:extLst>
-          </p:cNvPr>
-          <p:cNvCxnSpPr>
-            <a:stCxn id="2" idx="0"/>
-          </p:cNvCxnSpPr>
-          <p:nvPr/>
-        </p:nvCxnSpPr>
-        <p:spPr>
-          <a:xfrm rot="5400000" flipH="1" flipV="1">
-            <a:off x="3342503" y="1921475"/>
-            <a:ext cx="661086" cy="3676136"/>
-          </a:xfrm>
-          <a:prstGeom prst="curvedConnector2">
-            <a:avLst/>
-          </a:prstGeom>
-          <a:ln>
-            <a:tailEnd type="triangle"/>
-          </a:ln>
-        </p:spPr>
-        <p:style>
-          <a:lnRef idx="1">
-            <a:schemeClr val="accent1"/>
-          </a:lnRef>
-          <a:fillRef idx="0">
-            <a:schemeClr val="accent1"/>
-          </a:fillRef>
-          <a:effectRef idx="0">
-            <a:schemeClr val="accent1"/>
-          </a:effectRef>
-          <a:fontRef idx="minor">
-            <a:schemeClr val="tx1"/>
-          </a:fontRef>
-        </p:style>
-      </p:cxnSp>
-      <p:sp>
-        <p:nvSpPr>
-          <p:cNvPr id="5" name="TextBox 4">
-            <a:extLst>
-              <a:ext uri="{FF2B5EF4-FFF2-40B4-BE49-F238E27FC236}">
-                <a16:creationId xmlns:a16="http://schemas.microsoft.com/office/drawing/2014/main" id="{C6E29A51-CF74-7BB2-C294-39F1429A6ECE}"/>
-              </a:ext>
-            </a:extLst>
-          </p:cNvPr>
-          <p:cNvSpPr txBox="1"/>
-          <p:nvPr/>
-        </p:nvSpPr>
-        <p:spPr>
-          <a:xfrm>
-            <a:off x="2714129" y="3473695"/>
-            <a:ext cx="958917" cy="307777"/>
-          </a:xfrm>
-          <a:prstGeom prst="rect">
-            <a:avLst/>
-          </a:prstGeom>
-          <a:noFill/>
-        </p:spPr>
-        <p:txBody>
-          <a:bodyPr wrap="none" rtlCol="0">
-            <a:spAutoFit/>
-          </a:bodyPr>
-          <a:lstStyle/>
-          <a:p>
-            <a:r>
-              <a:rPr lang="en-US" sz="1400" dirty="0" err="1"/>
-              <a:t>subclassOf</a:t>
-            </a:r>
-            <a:endParaRPr lang="en-US" sz="1400" dirty="0"/>
-          </a:p>
-        </p:txBody>
-      </p:sp>
-    </p:spTree>
-    <p:extLst>
-      <p:ext uri="{BB962C8B-B14F-4D97-AF65-F5344CB8AC3E}">
-        <p14:creationId xmlns:p14="http://schemas.microsoft.com/office/powerpoint/2010/main" val="3998696126"/>
-      </p:ext>
-    </p:extLst>
-  </p:cSld>
-  <p:clrMapOvr>
-    <a:masterClrMapping/>
-  </p:clrMapOvr>
 </p:sld>
 </file>
 
